--- a/images/sem_graphs.pptx
+++ b/images/sem_graphs.pptx
@@ -104,6 +104,11 @@
       </a:defRPr>
     </a:lvl9pPr>
   </p:defaultTextStyle>
+  <p:extLst>
+    <p:ext uri="{EFAFB233-063F-42B5-8137-9DF3F51BA10A}">
+      <p15:sldGuideLst xmlns:p15="http://schemas.microsoft.com/office/powerpoint/2012/main"/>
+    </p:ext>
+  </p:extLst>
 </p:presentation>
 </file>
 
@@ -256,7 +261,7 @@
           <a:p>
             <a:fld id="{D3F425F2-DBA5-4B6B-8A53-378D72E4A454}" type="datetimeFigureOut">
               <a:rPr lang="de-DE" smtClean="0"/>
-              <a:t>04.07.2024</a:t>
+              <a:t>09.07.2024</a:t>
             </a:fld>
             <a:endParaRPr lang="de-DE"/>
           </a:p>
@@ -456,7 +461,7 @@
           <a:p>
             <a:fld id="{D3F425F2-DBA5-4B6B-8A53-378D72E4A454}" type="datetimeFigureOut">
               <a:rPr lang="de-DE" smtClean="0"/>
-              <a:t>04.07.2024</a:t>
+              <a:t>09.07.2024</a:t>
             </a:fld>
             <a:endParaRPr lang="de-DE"/>
           </a:p>
@@ -666,7 +671,7 @@
           <a:p>
             <a:fld id="{D3F425F2-DBA5-4B6B-8A53-378D72E4A454}" type="datetimeFigureOut">
               <a:rPr lang="de-DE" smtClean="0"/>
-              <a:t>04.07.2024</a:t>
+              <a:t>09.07.2024</a:t>
             </a:fld>
             <a:endParaRPr lang="de-DE"/>
           </a:p>
@@ -866,7 +871,7 @@
           <a:p>
             <a:fld id="{D3F425F2-DBA5-4B6B-8A53-378D72E4A454}" type="datetimeFigureOut">
               <a:rPr lang="de-DE" smtClean="0"/>
-              <a:t>04.07.2024</a:t>
+              <a:t>09.07.2024</a:t>
             </a:fld>
             <a:endParaRPr lang="de-DE"/>
           </a:p>
@@ -1142,7 +1147,7 @@
           <a:p>
             <a:fld id="{D3F425F2-DBA5-4B6B-8A53-378D72E4A454}" type="datetimeFigureOut">
               <a:rPr lang="de-DE" smtClean="0"/>
-              <a:t>04.07.2024</a:t>
+              <a:t>09.07.2024</a:t>
             </a:fld>
             <a:endParaRPr lang="de-DE"/>
           </a:p>
@@ -1410,7 +1415,7 @@
           <a:p>
             <a:fld id="{D3F425F2-DBA5-4B6B-8A53-378D72E4A454}" type="datetimeFigureOut">
               <a:rPr lang="de-DE" smtClean="0"/>
-              <a:t>04.07.2024</a:t>
+              <a:t>09.07.2024</a:t>
             </a:fld>
             <a:endParaRPr lang="de-DE"/>
           </a:p>
@@ -1825,7 +1830,7 @@
           <a:p>
             <a:fld id="{D3F425F2-DBA5-4B6B-8A53-378D72E4A454}" type="datetimeFigureOut">
               <a:rPr lang="de-DE" smtClean="0"/>
-              <a:t>04.07.2024</a:t>
+              <a:t>09.07.2024</a:t>
             </a:fld>
             <a:endParaRPr lang="de-DE"/>
           </a:p>
@@ -1967,7 +1972,7 @@
           <a:p>
             <a:fld id="{D3F425F2-DBA5-4B6B-8A53-378D72E4A454}" type="datetimeFigureOut">
               <a:rPr lang="de-DE" smtClean="0"/>
-              <a:t>04.07.2024</a:t>
+              <a:t>09.07.2024</a:t>
             </a:fld>
             <a:endParaRPr lang="de-DE"/>
           </a:p>
@@ -2080,7 +2085,7 @@
           <a:p>
             <a:fld id="{D3F425F2-DBA5-4B6B-8A53-378D72E4A454}" type="datetimeFigureOut">
               <a:rPr lang="de-DE" smtClean="0"/>
-              <a:t>04.07.2024</a:t>
+              <a:t>09.07.2024</a:t>
             </a:fld>
             <a:endParaRPr lang="de-DE"/>
           </a:p>
@@ -2393,7 +2398,7 @@
           <a:p>
             <a:fld id="{D3F425F2-DBA5-4B6B-8A53-378D72E4A454}" type="datetimeFigureOut">
               <a:rPr lang="de-DE" smtClean="0"/>
-              <a:t>04.07.2024</a:t>
+              <a:t>09.07.2024</a:t>
             </a:fld>
             <a:endParaRPr lang="de-DE"/>
           </a:p>
@@ -2682,7 +2687,7 @@
           <a:p>
             <a:fld id="{D3F425F2-DBA5-4B6B-8A53-378D72E4A454}" type="datetimeFigureOut">
               <a:rPr lang="de-DE" smtClean="0"/>
-              <a:t>04.07.2024</a:t>
+              <a:t>09.07.2024</a:t>
             </a:fld>
             <a:endParaRPr lang="de-DE"/>
           </a:p>
@@ -2925,7 +2930,7 @@
           <a:p>
             <a:fld id="{D3F425F2-DBA5-4B6B-8A53-378D72E4A454}" type="datetimeFigureOut">
               <a:rPr lang="de-DE" smtClean="0"/>
-              <a:t>04.07.2024</a:t>
+              <a:t>09.07.2024</a:t>
             </a:fld>
             <a:endParaRPr lang="de-DE"/>
           </a:p>
@@ -6539,7 +6544,7 @@
             <a:pPr algn="r"/>
             <a:r>
               <a:rPr lang="de-DE" sz="1200" dirty="0"/>
-              <a:t>e1</a:t>
+              <a:t>.63</a:t>
             </a:r>
           </a:p>
         </p:txBody>
@@ -6575,7 +6580,7 @@
             <a:pPr algn="r"/>
             <a:r>
               <a:rPr lang="de-DE" sz="1200" dirty="0"/>
-              <a:t>e1</a:t>
+              <a:t>.63</a:t>
             </a:r>
           </a:p>
         </p:txBody>
@@ -6611,7 +6616,7 @@
             <a:pPr algn="r"/>
             <a:r>
               <a:rPr lang="de-DE" sz="1200" dirty="0"/>
-              <a:t>e1</a:t>
+              <a:t>.63</a:t>
             </a:r>
           </a:p>
         </p:txBody>
@@ -6647,7 +6652,7 @@
             <a:pPr algn="r"/>
             <a:r>
               <a:rPr lang="de-DE" sz="1200" dirty="0"/>
-              <a:t>e2</a:t>
+              <a:t>.68</a:t>
             </a:r>
           </a:p>
         </p:txBody>
@@ -6683,7 +6688,7 @@
             <a:pPr algn="r"/>
             <a:r>
               <a:rPr lang="de-DE" sz="1200" dirty="0"/>
-              <a:t>e2</a:t>
+              <a:t>.68</a:t>
             </a:r>
           </a:p>
         </p:txBody>
@@ -6719,7 +6724,7 @@
             <a:pPr algn="r"/>
             <a:r>
               <a:rPr lang="de-DE" sz="1200" dirty="0"/>
-              <a:t>e2</a:t>
+              <a:t>.68</a:t>
             </a:r>
           </a:p>
         </p:txBody>
@@ -6755,7 +6760,7 @@
             <a:pPr algn="r"/>
             <a:r>
               <a:rPr lang="de-DE" sz="1200" dirty="0"/>
-              <a:t>e3</a:t>
+              <a:t>.38</a:t>
             </a:r>
           </a:p>
         </p:txBody>
@@ -6791,7 +6796,182 @@
             <a:pPr algn="r"/>
             <a:r>
               <a:rPr lang="de-DE" sz="1200" dirty="0"/>
-              <a:t>e3</a:t>
+              <a:t>. 38</a:t>
+            </a:r>
+          </a:p>
+        </p:txBody>
+      </p:sp>
+      <p:sp>
+        <p:nvSpPr>
+          <p:cNvPr id="2" name="TextBox 1">
+            <a:extLst>
+              <a:ext uri="{FF2B5EF4-FFF2-40B4-BE49-F238E27FC236}">
+                <a16:creationId xmlns:a16="http://schemas.microsoft.com/office/drawing/2014/main" id="{B87C6A82-9020-D70E-7B3F-ED6B0DC8E18E}"/>
+              </a:ext>
+            </a:extLst>
+          </p:cNvPr>
+          <p:cNvSpPr txBox="1"/>
+          <p:nvPr/>
+        </p:nvSpPr>
+        <p:spPr>
+          <a:xfrm>
+            <a:off x="10905067" y="1873785"/>
+            <a:ext cx="476277" cy="276999"/>
+          </a:xfrm>
+          <a:prstGeom prst="rect">
+            <a:avLst/>
+          </a:prstGeom>
+          <a:noFill/>
+        </p:spPr>
+        <p:txBody>
+          <a:bodyPr wrap="square" rtlCol="0">
+            <a:spAutoFit/>
+          </a:bodyPr>
+          <a:lstStyle/>
+          <a:p>
+            <a:r>
+              <a:rPr lang="de-DE" sz="1200" dirty="0"/>
+              <a:t>.04</a:t>
+            </a:r>
+          </a:p>
+        </p:txBody>
+      </p:sp>
+      <p:sp>
+        <p:nvSpPr>
+          <p:cNvPr id="3" name="TextBox 2">
+            <a:extLst>
+              <a:ext uri="{FF2B5EF4-FFF2-40B4-BE49-F238E27FC236}">
+                <a16:creationId xmlns:a16="http://schemas.microsoft.com/office/drawing/2014/main" id="{A1D97644-54DA-C04B-CFAB-95FC99C42CFC}"/>
+              </a:ext>
+            </a:extLst>
+          </p:cNvPr>
+          <p:cNvSpPr txBox="1"/>
+          <p:nvPr/>
+        </p:nvSpPr>
+        <p:spPr>
+          <a:xfrm>
+            <a:off x="10905067" y="2554504"/>
+            <a:ext cx="476277" cy="276999"/>
+          </a:xfrm>
+          <a:prstGeom prst="rect">
+            <a:avLst/>
+          </a:prstGeom>
+          <a:noFill/>
+        </p:spPr>
+        <p:txBody>
+          <a:bodyPr wrap="square" rtlCol="0">
+            <a:spAutoFit/>
+          </a:bodyPr>
+          <a:lstStyle/>
+          <a:p>
+            <a:r>
+              <a:rPr lang="de-DE" sz="1200" dirty="0"/>
+              <a:t>.54</a:t>
+            </a:r>
+          </a:p>
+        </p:txBody>
+      </p:sp>
+      <p:sp>
+        <p:nvSpPr>
+          <p:cNvPr id="6" name="TextBox 5">
+            <a:extLst>
+              <a:ext uri="{FF2B5EF4-FFF2-40B4-BE49-F238E27FC236}">
+                <a16:creationId xmlns:a16="http://schemas.microsoft.com/office/drawing/2014/main" id="{E81F3E3A-CE3E-D2BC-EE85-B04080435775}"/>
+              </a:ext>
+            </a:extLst>
+          </p:cNvPr>
+          <p:cNvSpPr txBox="1"/>
+          <p:nvPr/>
+        </p:nvSpPr>
+        <p:spPr>
+          <a:xfrm>
+            <a:off x="10905067" y="3235223"/>
+            <a:ext cx="476277" cy="276999"/>
+          </a:xfrm>
+          <a:prstGeom prst="rect">
+            <a:avLst/>
+          </a:prstGeom>
+          <a:noFill/>
+        </p:spPr>
+        <p:txBody>
+          <a:bodyPr wrap="square" rtlCol="0">
+            <a:spAutoFit/>
+          </a:bodyPr>
+          <a:lstStyle/>
+          <a:p>
+            <a:r>
+              <a:rPr lang="de-DE" sz="1200" dirty="0"/>
+              <a:t>.62</a:t>
+            </a:r>
+          </a:p>
+        </p:txBody>
+      </p:sp>
+      <p:sp>
+        <p:nvSpPr>
+          <p:cNvPr id="7" name="TextBox 6">
+            <a:extLst>
+              <a:ext uri="{FF2B5EF4-FFF2-40B4-BE49-F238E27FC236}">
+                <a16:creationId xmlns:a16="http://schemas.microsoft.com/office/drawing/2014/main" id="{ED8F1B94-DF4C-5404-B84A-9637CFF49D9A}"/>
+              </a:ext>
+            </a:extLst>
+          </p:cNvPr>
+          <p:cNvSpPr txBox="1"/>
+          <p:nvPr/>
+        </p:nvSpPr>
+        <p:spPr>
+          <a:xfrm>
+            <a:off x="10905067" y="3915942"/>
+            <a:ext cx="476277" cy="276999"/>
+          </a:xfrm>
+          <a:prstGeom prst="rect">
+            <a:avLst/>
+          </a:prstGeom>
+          <a:noFill/>
+        </p:spPr>
+        <p:txBody>
+          <a:bodyPr wrap="square" rtlCol="0">
+            <a:spAutoFit/>
+          </a:bodyPr>
+          <a:lstStyle/>
+          <a:p>
+            <a:r>
+              <a:rPr lang="de-DE" sz="1200" dirty="0"/>
+              <a:t>.57</a:t>
+            </a:r>
+          </a:p>
+        </p:txBody>
+      </p:sp>
+      <p:sp>
+        <p:nvSpPr>
+          <p:cNvPr id="8" name="TextBox 7">
+            <a:extLst>
+              <a:ext uri="{FF2B5EF4-FFF2-40B4-BE49-F238E27FC236}">
+                <a16:creationId xmlns:a16="http://schemas.microsoft.com/office/drawing/2014/main" id="{5392118C-C3EE-484E-4EC6-400EC2004D0E}"/>
+              </a:ext>
+            </a:extLst>
+          </p:cNvPr>
+          <p:cNvSpPr txBox="1"/>
+          <p:nvPr/>
+        </p:nvSpPr>
+        <p:spPr>
+          <a:xfrm>
+            <a:off x="10905067" y="4596661"/>
+            <a:ext cx="476277" cy="276999"/>
+          </a:xfrm>
+          <a:prstGeom prst="rect">
+            <a:avLst/>
+          </a:prstGeom>
+          <a:noFill/>
+        </p:spPr>
+        <p:txBody>
+          <a:bodyPr wrap="square" rtlCol="0">
+            <a:spAutoFit/>
+          </a:bodyPr>
+          <a:lstStyle/>
+          <a:p>
+            <a:r>
+              <a:rPr lang="de-DE" sz="1200" dirty="0"/>
+              <a:t>.38</a:t>
             </a:r>
           </a:p>
         </p:txBody>

--- a/images/sem_graphs.pptx
+++ b/images/sem_graphs.pptx
@@ -6,6 +6,8 @@
   </p:sldMasterIdLst>
   <p:sldIdLst>
     <p:sldId id="256" r:id="rId2"/>
+    <p:sldId id="258" r:id="rId3"/>
+    <p:sldId id="259" r:id="rId4"/>
   </p:sldIdLst>
   <p:sldSz cx="12192000" cy="6858000"/>
   <p:notesSz cx="6858000" cy="9144000"/>
@@ -261,7 +263,7 @@
           <a:p>
             <a:fld id="{D3F425F2-DBA5-4B6B-8A53-378D72E4A454}" type="datetimeFigureOut">
               <a:rPr lang="de-DE" smtClean="0"/>
-              <a:t>09.07.2024</a:t>
+              <a:t>18.07.2024</a:t>
             </a:fld>
             <a:endParaRPr lang="de-DE"/>
           </a:p>
@@ -461,7 +463,7 @@
           <a:p>
             <a:fld id="{D3F425F2-DBA5-4B6B-8A53-378D72E4A454}" type="datetimeFigureOut">
               <a:rPr lang="de-DE" smtClean="0"/>
-              <a:t>09.07.2024</a:t>
+              <a:t>18.07.2024</a:t>
             </a:fld>
             <a:endParaRPr lang="de-DE"/>
           </a:p>
@@ -671,7 +673,7 @@
           <a:p>
             <a:fld id="{D3F425F2-DBA5-4B6B-8A53-378D72E4A454}" type="datetimeFigureOut">
               <a:rPr lang="de-DE" smtClean="0"/>
-              <a:t>09.07.2024</a:t>
+              <a:t>18.07.2024</a:t>
             </a:fld>
             <a:endParaRPr lang="de-DE"/>
           </a:p>
@@ -871,7 +873,7 @@
           <a:p>
             <a:fld id="{D3F425F2-DBA5-4B6B-8A53-378D72E4A454}" type="datetimeFigureOut">
               <a:rPr lang="de-DE" smtClean="0"/>
-              <a:t>09.07.2024</a:t>
+              <a:t>18.07.2024</a:t>
             </a:fld>
             <a:endParaRPr lang="de-DE"/>
           </a:p>
@@ -1147,7 +1149,7 @@
           <a:p>
             <a:fld id="{D3F425F2-DBA5-4B6B-8A53-378D72E4A454}" type="datetimeFigureOut">
               <a:rPr lang="de-DE" smtClean="0"/>
-              <a:t>09.07.2024</a:t>
+              <a:t>18.07.2024</a:t>
             </a:fld>
             <a:endParaRPr lang="de-DE"/>
           </a:p>
@@ -1415,7 +1417,7 @@
           <a:p>
             <a:fld id="{D3F425F2-DBA5-4B6B-8A53-378D72E4A454}" type="datetimeFigureOut">
               <a:rPr lang="de-DE" smtClean="0"/>
-              <a:t>09.07.2024</a:t>
+              <a:t>18.07.2024</a:t>
             </a:fld>
             <a:endParaRPr lang="de-DE"/>
           </a:p>
@@ -1830,7 +1832,7 @@
           <a:p>
             <a:fld id="{D3F425F2-DBA5-4B6B-8A53-378D72E4A454}" type="datetimeFigureOut">
               <a:rPr lang="de-DE" smtClean="0"/>
-              <a:t>09.07.2024</a:t>
+              <a:t>18.07.2024</a:t>
             </a:fld>
             <a:endParaRPr lang="de-DE"/>
           </a:p>
@@ -1972,7 +1974,7 @@
           <a:p>
             <a:fld id="{D3F425F2-DBA5-4B6B-8A53-378D72E4A454}" type="datetimeFigureOut">
               <a:rPr lang="de-DE" smtClean="0"/>
-              <a:t>09.07.2024</a:t>
+              <a:t>18.07.2024</a:t>
             </a:fld>
             <a:endParaRPr lang="de-DE"/>
           </a:p>
@@ -2085,7 +2087,7 @@
           <a:p>
             <a:fld id="{D3F425F2-DBA5-4B6B-8A53-378D72E4A454}" type="datetimeFigureOut">
               <a:rPr lang="de-DE" smtClean="0"/>
-              <a:t>09.07.2024</a:t>
+              <a:t>18.07.2024</a:t>
             </a:fld>
             <a:endParaRPr lang="de-DE"/>
           </a:p>
@@ -2398,7 +2400,7 @@
           <a:p>
             <a:fld id="{D3F425F2-DBA5-4B6B-8A53-378D72E4A454}" type="datetimeFigureOut">
               <a:rPr lang="de-DE" smtClean="0"/>
-              <a:t>09.07.2024</a:t>
+              <a:t>18.07.2024</a:t>
             </a:fld>
             <a:endParaRPr lang="de-DE"/>
           </a:p>
@@ -2687,7 +2689,7 @@
           <a:p>
             <a:fld id="{D3F425F2-DBA5-4B6B-8A53-378D72E4A454}" type="datetimeFigureOut">
               <a:rPr lang="de-DE" smtClean="0"/>
-              <a:t>09.07.2024</a:t>
+              <a:t>18.07.2024</a:t>
             </a:fld>
             <a:endParaRPr lang="de-DE"/>
           </a:p>
@@ -2930,7 +2932,7 @@
           <a:p>
             <a:fld id="{D3F425F2-DBA5-4B6B-8A53-378D72E4A454}" type="datetimeFigureOut">
               <a:rPr lang="de-DE" smtClean="0"/>
-              <a:t>09.07.2024</a:t>
+              <a:t>18.07.2024</a:t>
             </a:fld>
             <a:endParaRPr lang="de-DE"/>
           </a:p>
@@ -3396,13 +3398,18 @@
           <a:p>
             <a:pPr algn="ctr"/>
             <a:r>
-              <a:rPr lang="de-DE" sz="1200" dirty="0">
+              <a:rPr lang="de-DE" sz="1500">
                 <a:solidFill>
                   <a:schemeClr val="tx1"/>
                 </a:solidFill>
               </a:rPr>
               <a:t>SRT</a:t>
             </a:r>
+            <a:endParaRPr lang="de-DE" sz="1500" dirty="0">
+              <a:solidFill>
+                <a:schemeClr val="tx1"/>
+              </a:solidFill>
+            </a:endParaRPr>
           </a:p>
         </p:txBody>
       </p:sp>
@@ -3455,13 +3462,18 @@
           <a:p>
             <a:pPr algn="ctr"/>
             <a:r>
-              <a:rPr lang="de-DE" sz="1200" dirty="0">
+              <a:rPr lang="de-DE" sz="1500">
                 <a:solidFill>
                   <a:schemeClr val="tx1"/>
                 </a:solidFill>
               </a:rPr>
               <a:t>CR2</a:t>
             </a:r>
+            <a:endParaRPr lang="de-DE" sz="1500" dirty="0">
+              <a:solidFill>
+                <a:schemeClr val="tx1"/>
+              </a:solidFill>
+            </a:endParaRPr>
           </a:p>
         </p:txBody>
       </p:sp>
@@ -3513,7 +3525,7 @@
           <a:lstStyle/>
           <a:p>
             <a:pPr algn="ctr"/>
-            <a:endParaRPr lang="de-DE"/>
+            <a:endParaRPr lang="de-DE" sz="1500"/>
           </a:p>
         </p:txBody>
       </p:sp>
@@ -3565,7 +3577,7 @@
           <a:lstStyle/>
           <a:p>
             <a:pPr algn="ctr"/>
-            <a:endParaRPr lang="de-DE"/>
+            <a:endParaRPr lang="de-DE" sz="1500"/>
           </a:p>
         </p:txBody>
       </p:sp>
@@ -3617,7 +3629,7 @@
           <a:lstStyle/>
           <a:p>
             <a:pPr algn="ctr"/>
-            <a:endParaRPr lang="de-DE"/>
+            <a:endParaRPr lang="de-DE" sz="1500"/>
           </a:p>
         </p:txBody>
       </p:sp>
@@ -3669,7 +3681,7 @@
           <a:lstStyle/>
           <a:p>
             <a:pPr algn="ctr"/>
-            <a:endParaRPr lang="de-DE"/>
+            <a:endParaRPr lang="de-DE" sz="1500"/>
           </a:p>
         </p:txBody>
       </p:sp>
@@ -3722,13 +3734,18 @@
           <a:p>
             <a:pPr algn="ctr"/>
             <a:r>
-              <a:rPr lang="de-DE" sz="1200" dirty="0">
+              <a:rPr lang="de-DE" sz="1500">
                 <a:solidFill>
                   <a:schemeClr val="tx1"/>
                 </a:solidFill>
               </a:rPr>
               <a:t>CR4</a:t>
             </a:r>
+            <a:endParaRPr lang="de-DE" sz="1500" dirty="0">
+              <a:solidFill>
+                <a:schemeClr val="tx1"/>
+              </a:solidFill>
+            </a:endParaRPr>
           </a:p>
         </p:txBody>
       </p:sp>
@@ -3781,13 +3798,18 @@
           <a:p>
             <a:pPr algn="ctr"/>
             <a:r>
-              <a:rPr lang="de-DE" sz="1200" dirty="0">
+              <a:rPr lang="de-DE" sz="1500">
                 <a:solidFill>
                   <a:schemeClr val="tx1"/>
                 </a:solidFill>
               </a:rPr>
               <a:t>S1</a:t>
             </a:r>
+            <a:endParaRPr lang="de-DE" sz="1500" dirty="0">
+              <a:solidFill>
+                <a:schemeClr val="tx1"/>
+              </a:solidFill>
+            </a:endParaRPr>
           </a:p>
         </p:txBody>
       </p:sp>
@@ -3840,13 +3862,18 @@
           <a:p>
             <a:pPr algn="ctr"/>
             <a:r>
-              <a:rPr lang="de-DE" sz="1200" dirty="0">
+              <a:rPr lang="de-DE" sz="1500">
                 <a:solidFill>
                   <a:schemeClr val="tx1"/>
                 </a:solidFill>
               </a:rPr>
               <a:t>S3</a:t>
             </a:r>
+            <a:endParaRPr lang="de-DE" sz="1500" dirty="0">
+              <a:solidFill>
+                <a:schemeClr val="tx1"/>
+              </a:solidFill>
+            </a:endParaRPr>
           </a:p>
         </p:txBody>
       </p:sp>
@@ -3899,13 +3926,18 @@
           <a:p>
             <a:pPr algn="ctr"/>
             <a:r>
-              <a:rPr lang="de-DE" sz="1200" dirty="0">
+              <a:rPr lang="de-DE" sz="1500">
                 <a:solidFill>
                   <a:schemeClr val="tx1"/>
                 </a:solidFill>
               </a:rPr>
               <a:t>S5</a:t>
             </a:r>
+            <a:endParaRPr lang="de-DE" sz="1500" dirty="0">
+              <a:solidFill>
+                <a:schemeClr val="tx1"/>
+              </a:solidFill>
+            </a:endParaRPr>
           </a:p>
         </p:txBody>
       </p:sp>
@@ -3958,13 +3990,18 @@
           <a:p>
             <a:pPr algn="ctr"/>
             <a:r>
-              <a:rPr lang="de-DE" sz="1200" dirty="0">
+              <a:rPr lang="de-DE" sz="1500">
                 <a:solidFill>
                   <a:schemeClr val="tx1"/>
                 </a:solidFill>
               </a:rPr>
               <a:t>PI</a:t>
             </a:r>
+            <a:endParaRPr lang="de-DE" sz="1500" dirty="0">
+              <a:solidFill>
+                <a:schemeClr val="tx1"/>
+              </a:solidFill>
+            </a:endParaRPr>
           </a:p>
         </p:txBody>
       </p:sp>
@@ -4017,13 +4054,18 @@
           <a:p>
             <a:pPr algn="ctr"/>
             <a:r>
-              <a:rPr lang="de-DE" sz="1200" dirty="0">
+              <a:rPr lang="de-DE" sz="1500">
                 <a:solidFill>
                   <a:schemeClr val="tx1"/>
                 </a:solidFill>
               </a:rPr>
               <a:t>NI</a:t>
             </a:r>
+            <a:endParaRPr lang="de-DE" sz="1500" dirty="0">
+              <a:solidFill>
+                <a:schemeClr val="tx1"/>
+              </a:solidFill>
+            </a:endParaRPr>
           </a:p>
         </p:txBody>
       </p:sp>
@@ -4041,8 +4083,8 @@
         </p:nvSpPr>
         <p:spPr>
           <a:xfrm>
-            <a:off x="872154" y="3082247"/>
-            <a:ext cx="941901" cy="862931"/>
+            <a:off x="777050" y="3044835"/>
+            <a:ext cx="1037005" cy="900343"/>
           </a:xfrm>
           <a:prstGeom prst="ellipse">
             <a:avLst/>
@@ -4076,13 +4118,18 @@
           <a:p>
             <a:pPr algn="ctr"/>
             <a:r>
-              <a:rPr lang="de-DE" sz="1200" dirty="0">
+              <a:rPr lang="de-DE" sz="1500">
                 <a:solidFill>
                   <a:schemeClr val="tx1"/>
                 </a:solidFill>
               </a:rPr>
               <a:t>Stern-berg</a:t>
             </a:r>
+            <a:endParaRPr lang="de-DE" sz="1500" dirty="0">
+              <a:solidFill>
+                <a:schemeClr val="tx1"/>
+              </a:solidFill>
+            </a:endParaRPr>
           </a:p>
         </p:txBody>
       </p:sp>
@@ -4100,8 +4147,8 @@
         </p:nvSpPr>
         <p:spPr>
           <a:xfrm>
-            <a:off x="872153" y="4857855"/>
-            <a:ext cx="941901" cy="862931"/>
+            <a:off x="777051" y="4809805"/>
+            <a:ext cx="1037004" cy="910982"/>
           </a:xfrm>
           <a:prstGeom prst="ellipse">
             <a:avLst/>
@@ -4135,7 +4182,7 @@
           <a:p>
             <a:pPr algn="ctr"/>
             <a:r>
-              <a:rPr lang="de-DE" sz="1200" dirty="0">
+              <a:rPr lang="de-DE" sz="1500" dirty="0">
                 <a:solidFill>
                   <a:schemeClr val="tx1"/>
                 </a:solidFill>
@@ -4194,13 +4241,18 @@
           <a:p>
             <a:pPr algn="ctr"/>
             <a:r>
-              <a:rPr lang="de-DE" sz="1200" dirty="0">
+              <a:rPr lang="de-DE" sz="1500">
                 <a:solidFill>
                   <a:schemeClr val="tx1"/>
                 </a:solidFill>
               </a:rPr>
               <a:t>Alpha</a:t>
             </a:r>
+            <a:endParaRPr lang="de-DE" sz="1500" dirty="0">
+              <a:solidFill>
+                <a:schemeClr val="tx1"/>
+              </a:solidFill>
+            </a:endParaRPr>
           </a:p>
         </p:txBody>
       </p:sp>
@@ -4568,6 +4620,7 @@
             </a:extLst>
           </p:cNvPr>
           <p:cNvCxnSpPr>
+            <a:cxnSpLocks/>
             <a:stCxn id="23" idx="6"/>
             <a:endCxn id="20" idx="1"/>
           </p:cNvCxnSpPr>
@@ -4575,8 +4628,8 @@
         </p:nvCxnSpPr>
         <p:spPr>
           <a:xfrm flipV="1">
-            <a:off x="1814054" y="5109833"/>
-            <a:ext cx="646271" cy="179488"/>
+            <a:off x="1814055" y="5109833"/>
+            <a:ext cx="646270" cy="155463"/>
           </a:xfrm>
           <a:prstGeom prst="straightConnector1">
             <a:avLst/>
@@ -4610,6 +4663,7 @@
             </a:extLst>
           </p:cNvPr>
           <p:cNvCxnSpPr>
+            <a:cxnSpLocks/>
             <a:stCxn id="23" idx="6"/>
             <a:endCxn id="21" idx="1"/>
           </p:cNvCxnSpPr>
@@ -4617,8 +4671,8 @@
         </p:nvCxnSpPr>
         <p:spPr>
           <a:xfrm>
-            <a:off x="1814054" y="5289321"/>
-            <a:ext cx="646271" cy="503956"/>
+            <a:off x="1814055" y="5265296"/>
+            <a:ext cx="646270" cy="527981"/>
           </a:xfrm>
           <a:prstGeom prst="straightConnector1">
             <a:avLst/>
@@ -4652,6 +4706,7 @@
             </a:extLst>
           </p:cNvPr>
           <p:cNvCxnSpPr>
+            <a:cxnSpLocks/>
             <a:stCxn id="22" idx="6"/>
             <a:endCxn id="17" idx="1"/>
           </p:cNvCxnSpPr>
@@ -4660,7 +4715,7 @@
         <p:spPr>
           <a:xfrm flipV="1">
             <a:off x="1814055" y="3059501"/>
-            <a:ext cx="646270" cy="454212"/>
+            <a:ext cx="646270" cy="435506"/>
           </a:xfrm>
           <a:prstGeom prst="straightConnector1">
             <a:avLst/>
@@ -4694,6 +4749,7 @@
             </a:extLst>
           </p:cNvPr>
           <p:cNvCxnSpPr>
+            <a:cxnSpLocks/>
             <a:stCxn id="22" idx="6"/>
             <a:endCxn id="18" idx="1"/>
           </p:cNvCxnSpPr>
@@ -4701,8 +4757,8 @@
         </p:nvCxnSpPr>
         <p:spPr>
           <a:xfrm>
-            <a:off x="1814055" y="3513713"/>
-            <a:ext cx="646270" cy="229232"/>
+            <a:off x="1814055" y="3495007"/>
+            <a:ext cx="646270" cy="247938"/>
           </a:xfrm>
           <a:prstGeom prst="straightConnector1">
             <a:avLst/>
@@ -4736,6 +4792,7 @@
             </a:extLst>
           </p:cNvPr>
           <p:cNvCxnSpPr>
+            <a:cxnSpLocks/>
             <a:stCxn id="22" idx="6"/>
             <a:endCxn id="19" idx="1"/>
           </p:cNvCxnSpPr>
@@ -4743,8 +4800,8 @@
         </p:nvCxnSpPr>
         <p:spPr>
           <a:xfrm>
-            <a:off x="1814055" y="3513713"/>
-            <a:ext cx="646270" cy="912676"/>
+            <a:off x="1814055" y="3495007"/>
+            <a:ext cx="646270" cy="931382"/>
           </a:xfrm>
           <a:prstGeom prst="straightConnector1">
             <a:avLst/>
@@ -5104,51 +5161,6 @@
           </a:fontRef>
         </p:style>
       </p:cxnSp>
-      <p:cxnSp>
-        <p:nvCxnSpPr>
-          <p:cNvPr id="84" name="Connector: Curved 83">
-            <a:extLst>
-              <a:ext uri="{FF2B5EF4-FFF2-40B4-BE49-F238E27FC236}">
-                <a16:creationId xmlns:a16="http://schemas.microsoft.com/office/drawing/2014/main" id="{624BD0B8-DAC7-992A-9E44-36AF733450EA}"/>
-              </a:ext>
-            </a:extLst>
-          </p:cNvPr>
-          <p:cNvCxnSpPr>
-            <a:stCxn id="22" idx="2"/>
-            <a:endCxn id="23" idx="2"/>
-          </p:cNvCxnSpPr>
-          <p:nvPr/>
-        </p:nvCxnSpPr>
-        <p:spPr>
-          <a:xfrm rot="10800000" flipV="1">
-            <a:off x="872154" y="3513713"/>
-            <a:ext cx="1" cy="1775608"/>
-          </a:xfrm>
-          <a:prstGeom prst="curvedConnector3">
-            <a:avLst>
-              <a:gd name="adj1" fmla="val 22860100000"/>
-            </a:avLst>
-          </a:prstGeom>
-          <a:ln>
-            <a:headEnd type="triangle"/>
-            <a:tailEnd type="triangle"/>
-          </a:ln>
-        </p:spPr>
-        <p:style>
-          <a:lnRef idx="2">
-            <a:schemeClr val="dk1"/>
-          </a:lnRef>
-          <a:fillRef idx="0">
-            <a:schemeClr val="dk1"/>
-          </a:fillRef>
-          <a:effectRef idx="1">
-            <a:schemeClr val="dk1"/>
-          </a:effectRef>
-          <a:fontRef idx="minor">
-            <a:schemeClr val="tx1"/>
-          </a:fontRef>
-        </p:style>
-      </p:cxnSp>
       <p:sp>
         <p:nvSpPr>
           <p:cNvPr id="96" name="Rectangle 95">
@@ -5198,13 +5210,18 @@
           <a:p>
             <a:pPr algn="ctr"/>
             <a:r>
-              <a:rPr lang="de-DE" sz="1200" dirty="0">
+              <a:rPr lang="de-DE" sz="1500">
                 <a:solidFill>
                   <a:schemeClr val="tx1"/>
                 </a:solidFill>
               </a:rPr>
               <a:t>PC</a:t>
             </a:r>
+            <a:endParaRPr lang="de-DE" sz="1500" dirty="0">
+              <a:solidFill>
+                <a:schemeClr val="tx1"/>
+              </a:solidFill>
+            </a:endParaRPr>
           </a:p>
         </p:txBody>
       </p:sp>
@@ -5257,13 +5274,18 @@
           <a:p>
             <a:pPr algn="ctr"/>
             <a:r>
-              <a:rPr lang="de-DE" sz="1200" dirty="0">
+              <a:rPr lang="de-DE" sz="1500">
                 <a:solidFill>
                   <a:schemeClr val="tx1"/>
                 </a:solidFill>
               </a:rPr>
               <a:t>PS</a:t>
             </a:r>
+            <a:endParaRPr lang="de-DE" sz="1500" dirty="0">
+              <a:solidFill>
+                <a:schemeClr val="tx1"/>
+              </a:solidFill>
+            </a:endParaRPr>
           </a:p>
         </p:txBody>
       </p:sp>
@@ -5316,13 +5338,18 @@
           <a:p>
             <a:pPr algn="ctr"/>
             <a:r>
-              <a:rPr lang="de-DE" sz="1200" dirty="0">
+              <a:rPr lang="de-DE" sz="1500">
                 <a:solidFill>
                   <a:schemeClr val="tx1"/>
                 </a:solidFill>
               </a:rPr>
               <a:t>C</a:t>
             </a:r>
+            <a:endParaRPr lang="de-DE" sz="1500" dirty="0">
+              <a:solidFill>
+                <a:schemeClr val="tx1"/>
+              </a:solidFill>
+            </a:endParaRPr>
           </a:p>
         </p:txBody>
       </p:sp>
@@ -5375,13 +5402,18 @@
           <a:p>
             <a:pPr algn="ctr"/>
             <a:r>
-              <a:rPr lang="de-DE" sz="1200" dirty="0">
+              <a:rPr lang="de-DE" sz="1500">
                 <a:solidFill>
                   <a:schemeClr val="tx1"/>
                 </a:solidFill>
               </a:rPr>
               <a:t>M</a:t>
             </a:r>
+            <a:endParaRPr lang="de-DE" sz="1500" dirty="0">
+              <a:solidFill>
+                <a:schemeClr val="tx1"/>
+              </a:solidFill>
+            </a:endParaRPr>
           </a:p>
         </p:txBody>
       </p:sp>
@@ -5434,13 +5466,18 @@
           <a:p>
             <a:pPr algn="ctr"/>
             <a:r>
-              <a:rPr lang="de-DE" sz="1200" dirty="0">
+              <a:rPr lang="de-DE" sz="1500">
                 <a:solidFill>
                   <a:schemeClr val="tx1"/>
                 </a:solidFill>
               </a:rPr>
               <a:t>APM</a:t>
             </a:r>
+            <a:endParaRPr lang="de-DE" sz="1500" dirty="0">
+              <a:solidFill>
+                <a:schemeClr val="tx1"/>
+              </a:solidFill>
+            </a:endParaRPr>
           </a:p>
         </p:txBody>
       </p:sp>
@@ -5718,13 +5755,18 @@
           <a:p>
             <a:pPr algn="ctr"/>
             <a:r>
-              <a:rPr lang="de-DE" sz="1200" dirty="0">
+              <a:rPr lang="de-DE" sz="1500">
                 <a:solidFill>
                   <a:schemeClr val="tx1"/>
                 </a:solidFill>
               </a:rPr>
               <a:t>g</a:t>
             </a:r>
+            <a:endParaRPr lang="de-DE" sz="1500" dirty="0">
+              <a:solidFill>
+                <a:schemeClr val="tx1"/>
+              </a:solidFill>
+            </a:endParaRPr>
           </a:p>
         </p:txBody>
       </p:sp>
@@ -6003,7 +6045,7 @@
         <p:spPr>
           <a:xfrm>
             <a:off x="3324205" y="1013534"/>
-            <a:ext cx="476277" cy="276999"/>
+            <a:ext cx="476277" cy="323165"/>
           </a:xfrm>
           <a:prstGeom prst="rect">
             <a:avLst/>
@@ -6017,9 +6059,10 @@
           <a:lstStyle/>
           <a:p>
             <a:r>
-              <a:rPr lang="de-DE" sz="1200" dirty="0"/>
-              <a:t>.56</a:t>
-            </a:r>
+              <a:rPr lang="de-DE" sz="1500"/>
+              <a:t>.29</a:t>
+            </a:r>
+            <a:endParaRPr lang="de-DE" sz="1500" dirty="0"/>
           </a:p>
         </p:txBody>
       </p:sp>
@@ -6038,7 +6081,7 @@
         <p:spPr>
           <a:xfrm>
             <a:off x="3324405" y="1670525"/>
-            <a:ext cx="476277" cy="276999"/>
+            <a:ext cx="476277" cy="323165"/>
           </a:xfrm>
           <a:prstGeom prst="rect">
             <a:avLst/>
@@ -6052,9 +6095,10 @@
           <a:lstStyle/>
           <a:p>
             <a:r>
-              <a:rPr lang="de-DE" sz="1200" dirty="0"/>
-              <a:t>.62</a:t>
-            </a:r>
+              <a:rPr lang="de-DE" sz="1500"/>
+              <a:t>.36</a:t>
+            </a:r>
+            <a:endParaRPr lang="de-DE" sz="1500" dirty="0"/>
           </a:p>
         </p:txBody>
       </p:sp>
@@ -6073,7 +6117,7 @@
         <p:spPr>
           <a:xfrm>
             <a:off x="3324205" y="2236966"/>
-            <a:ext cx="476277" cy="276999"/>
+            <a:ext cx="476277" cy="323165"/>
           </a:xfrm>
           <a:prstGeom prst="rect">
             <a:avLst/>
@@ -6087,9 +6131,10 @@
           <a:lstStyle/>
           <a:p>
             <a:r>
-              <a:rPr lang="de-DE" sz="1200" dirty="0"/>
-              <a:t>.63</a:t>
-            </a:r>
+              <a:rPr lang="de-DE" sz="1500"/>
+              <a:t>.66</a:t>
+            </a:r>
+            <a:endParaRPr lang="de-DE" sz="1500" dirty="0"/>
           </a:p>
         </p:txBody>
       </p:sp>
@@ -6108,7 +6153,7 @@
         <p:spPr>
           <a:xfrm>
             <a:off x="3324204" y="2788963"/>
-            <a:ext cx="476277" cy="276999"/>
+            <a:ext cx="476277" cy="323165"/>
           </a:xfrm>
           <a:prstGeom prst="rect">
             <a:avLst/>
@@ -6122,9 +6167,10 @@
           <a:lstStyle/>
           <a:p>
             <a:r>
-              <a:rPr lang="de-DE" sz="1200" dirty="0"/>
-              <a:t>.36</a:t>
-            </a:r>
+              <a:rPr lang="de-DE" sz="1500"/>
+              <a:t>.41</a:t>
+            </a:r>
+            <a:endParaRPr lang="de-DE" sz="1500" dirty="0"/>
           </a:p>
         </p:txBody>
       </p:sp>
@@ -6143,7 +6189,7 @@
         <p:spPr>
           <a:xfrm>
             <a:off x="3322988" y="3355913"/>
-            <a:ext cx="476277" cy="276999"/>
+            <a:ext cx="476277" cy="323165"/>
           </a:xfrm>
           <a:prstGeom prst="rect">
             <a:avLst/>
@@ -6157,9 +6203,10 @@
           <a:lstStyle/>
           <a:p>
             <a:r>
-              <a:rPr lang="de-DE" sz="1200" dirty="0"/>
-              <a:t>.53</a:t>
-            </a:r>
+              <a:rPr lang="de-DE" sz="1500"/>
+              <a:t>.67</a:t>
+            </a:r>
+            <a:endParaRPr lang="de-DE" sz="1500" dirty="0"/>
           </a:p>
         </p:txBody>
       </p:sp>
@@ -6178,7 +6225,7 @@
         <p:spPr>
           <a:xfrm>
             <a:off x="3322987" y="3961375"/>
-            <a:ext cx="476277" cy="276999"/>
+            <a:ext cx="476277" cy="323165"/>
           </a:xfrm>
           <a:prstGeom prst="rect">
             <a:avLst/>
@@ -6192,9 +6239,10 @@
           <a:lstStyle/>
           <a:p>
             <a:r>
-              <a:rPr lang="de-DE" sz="1200" dirty="0"/>
-              <a:t>.32</a:t>
-            </a:r>
+              <a:rPr lang="de-DE" sz="1500"/>
+              <a:t>.51</a:t>
+            </a:r>
+            <a:endParaRPr lang="de-DE" sz="1500" dirty="0"/>
           </a:p>
         </p:txBody>
       </p:sp>
@@ -6213,7 +6261,7 @@
         <p:spPr>
           <a:xfrm>
             <a:off x="3334247" y="4486639"/>
-            <a:ext cx="476277" cy="276999"/>
+            <a:ext cx="476277" cy="323165"/>
           </a:xfrm>
           <a:prstGeom prst="rect">
             <a:avLst/>
@@ -6227,9 +6275,10 @@
           <a:lstStyle/>
           <a:p>
             <a:r>
-              <a:rPr lang="de-DE" sz="1200" dirty="0"/>
-              <a:t>.40</a:t>
-            </a:r>
+              <a:rPr lang="de-DE" sz="1500"/>
+              <a:t>.63</a:t>
+            </a:r>
+            <a:endParaRPr lang="de-DE" sz="1500" dirty="0"/>
           </a:p>
         </p:txBody>
       </p:sp>
@@ -6248,7 +6297,7 @@
         <p:spPr>
           <a:xfrm>
             <a:off x="3322986" y="5023450"/>
-            <a:ext cx="476277" cy="276999"/>
+            <a:ext cx="476277" cy="323165"/>
           </a:xfrm>
           <a:prstGeom prst="rect">
             <a:avLst/>
@@ -6262,18 +6311,19 @@
           <a:lstStyle/>
           <a:p>
             <a:r>
-              <a:rPr lang="de-DE" sz="1200" dirty="0"/>
-              <a:t>.45</a:t>
-            </a:r>
-          </a:p>
-        </p:txBody>
-      </p:sp>
-      <p:sp>
-        <p:nvSpPr>
-          <p:cNvPr id="159" name="TextBox 158">
-            <a:extLst>
-              <a:ext uri="{FF2B5EF4-FFF2-40B4-BE49-F238E27FC236}">
-                <a16:creationId xmlns:a16="http://schemas.microsoft.com/office/drawing/2014/main" id="{EBFA6F6F-0DB2-958B-729A-02BE2EEFCA23}"/>
+              <a:rPr lang="de-DE" sz="1500"/>
+              <a:t>.68</a:t>
+            </a:r>
+            <a:endParaRPr lang="de-DE" sz="1500" dirty="0"/>
+          </a:p>
+        </p:txBody>
+      </p:sp>
+      <p:sp>
+        <p:nvSpPr>
+          <p:cNvPr id="160" name="TextBox 159">
+            <a:extLst>
+              <a:ext uri="{FF2B5EF4-FFF2-40B4-BE49-F238E27FC236}">
+                <a16:creationId xmlns:a16="http://schemas.microsoft.com/office/drawing/2014/main" id="{24D8C87B-23F4-4A9B-18E6-41CB8004BB4E}"/>
               </a:ext>
             </a:extLst>
           </p:cNvPr>
@@ -6282,8 +6332,8 @@
         </p:nvSpPr>
         <p:spPr>
           <a:xfrm>
-            <a:off x="728953" y="4278406"/>
-            <a:ext cx="476277" cy="276999"/>
+            <a:off x="9331394" y="1906751"/>
+            <a:ext cx="476277" cy="323165"/>
           </a:xfrm>
           <a:prstGeom prst="rect">
             <a:avLst/>
@@ -6297,18 +6347,19 @@
           <a:lstStyle/>
           <a:p>
             <a:r>
-              <a:rPr lang="de-DE" sz="1200" dirty="0"/>
-              <a:t>.74</a:t>
-            </a:r>
-          </a:p>
-        </p:txBody>
-      </p:sp>
-      <p:sp>
-        <p:nvSpPr>
-          <p:cNvPr id="160" name="TextBox 159">
-            <a:extLst>
-              <a:ext uri="{FF2B5EF4-FFF2-40B4-BE49-F238E27FC236}">
-                <a16:creationId xmlns:a16="http://schemas.microsoft.com/office/drawing/2014/main" id="{24D8C87B-23F4-4A9B-18E6-41CB8004BB4E}"/>
+              <a:rPr lang="de-DE" sz="1500"/>
+              <a:t>.98</a:t>
+            </a:r>
+            <a:endParaRPr lang="de-DE" sz="1500" dirty="0"/>
+          </a:p>
+        </p:txBody>
+      </p:sp>
+      <p:sp>
+        <p:nvSpPr>
+          <p:cNvPr id="162" name="TextBox 161">
+            <a:extLst>
+              <a:ext uri="{FF2B5EF4-FFF2-40B4-BE49-F238E27FC236}">
+                <a16:creationId xmlns:a16="http://schemas.microsoft.com/office/drawing/2014/main" id="{EA2711D9-FD57-4772-514B-09184915D347}"/>
               </a:ext>
             </a:extLst>
           </p:cNvPr>
@@ -6317,8 +6368,8 @@
         </p:nvSpPr>
         <p:spPr>
           <a:xfrm>
-            <a:off x="9331394" y="1906751"/>
-            <a:ext cx="476277" cy="276999"/>
+            <a:off x="9331394" y="2542742"/>
+            <a:ext cx="476277" cy="323165"/>
           </a:xfrm>
           <a:prstGeom prst="rect">
             <a:avLst/>
@@ -6332,18 +6383,19 @@
           <a:lstStyle/>
           <a:p>
             <a:r>
-              <a:rPr lang="de-DE" sz="1200" dirty="0"/>
-              <a:t>.97</a:t>
-            </a:r>
-          </a:p>
-        </p:txBody>
-      </p:sp>
-      <p:sp>
-        <p:nvSpPr>
-          <p:cNvPr id="162" name="TextBox 161">
-            <a:extLst>
-              <a:ext uri="{FF2B5EF4-FFF2-40B4-BE49-F238E27FC236}">
-                <a16:creationId xmlns:a16="http://schemas.microsoft.com/office/drawing/2014/main" id="{EA2711D9-FD57-4772-514B-09184915D347}"/>
+              <a:rPr lang="de-DE" sz="1500"/>
+              <a:t>.67</a:t>
+            </a:r>
+            <a:endParaRPr lang="de-DE" sz="1500" dirty="0"/>
+          </a:p>
+        </p:txBody>
+      </p:sp>
+      <p:sp>
+        <p:nvSpPr>
+          <p:cNvPr id="163" name="TextBox 162">
+            <a:extLst>
+              <a:ext uri="{FF2B5EF4-FFF2-40B4-BE49-F238E27FC236}">
+                <a16:creationId xmlns:a16="http://schemas.microsoft.com/office/drawing/2014/main" id="{06E78E7F-EE99-CB41-F9DA-BDC3938A4B8D}"/>
               </a:ext>
             </a:extLst>
           </p:cNvPr>
@@ -6352,8 +6404,8 @@
         </p:nvSpPr>
         <p:spPr>
           <a:xfrm>
-            <a:off x="9331394" y="2542742"/>
-            <a:ext cx="476277" cy="276999"/>
+            <a:off x="9331278" y="3109692"/>
+            <a:ext cx="476277" cy="323165"/>
           </a:xfrm>
           <a:prstGeom prst="rect">
             <a:avLst/>
@@ -6367,18 +6419,19 @@
           <a:lstStyle/>
           <a:p>
             <a:r>
-              <a:rPr lang="de-DE" sz="1200" dirty="0"/>
-              <a:t>.68</a:t>
-            </a:r>
-          </a:p>
-        </p:txBody>
-      </p:sp>
-      <p:sp>
-        <p:nvSpPr>
-          <p:cNvPr id="163" name="TextBox 162">
-            <a:extLst>
-              <a:ext uri="{FF2B5EF4-FFF2-40B4-BE49-F238E27FC236}">
-                <a16:creationId xmlns:a16="http://schemas.microsoft.com/office/drawing/2014/main" id="{06E78E7F-EE99-CB41-F9DA-BDC3938A4B8D}"/>
+              <a:rPr lang="de-DE" sz="1500"/>
+              <a:t>.61</a:t>
+            </a:r>
+            <a:endParaRPr lang="de-DE" sz="1500" dirty="0"/>
+          </a:p>
+        </p:txBody>
+      </p:sp>
+      <p:sp>
+        <p:nvSpPr>
+          <p:cNvPr id="164" name="TextBox 163">
+            <a:extLst>
+              <a:ext uri="{FF2B5EF4-FFF2-40B4-BE49-F238E27FC236}">
+                <a16:creationId xmlns:a16="http://schemas.microsoft.com/office/drawing/2014/main" id="{180FA7F8-6221-3565-8AD5-05CFD9271295}"/>
               </a:ext>
             </a:extLst>
           </p:cNvPr>
@@ -6387,8 +6440,8 @@
         </p:nvSpPr>
         <p:spPr>
           <a:xfrm>
-            <a:off x="9331278" y="3109692"/>
-            <a:ext cx="476277" cy="276999"/>
+            <a:off x="9330911" y="3615361"/>
+            <a:ext cx="476277" cy="323165"/>
           </a:xfrm>
           <a:prstGeom prst="rect">
             <a:avLst/>
@@ -6402,18 +6455,19 @@
           <a:lstStyle/>
           <a:p>
             <a:r>
-              <a:rPr lang="de-DE" sz="1200" dirty="0"/>
-              <a:t>.61</a:t>
-            </a:r>
-          </a:p>
-        </p:txBody>
-      </p:sp>
-      <p:sp>
-        <p:nvSpPr>
-          <p:cNvPr id="164" name="TextBox 163">
-            <a:extLst>
-              <a:ext uri="{FF2B5EF4-FFF2-40B4-BE49-F238E27FC236}">
-                <a16:creationId xmlns:a16="http://schemas.microsoft.com/office/drawing/2014/main" id="{180FA7F8-6221-3565-8AD5-05CFD9271295}"/>
+              <a:rPr lang="de-DE" sz="1500"/>
+              <a:t>.65</a:t>
+            </a:r>
+            <a:endParaRPr lang="de-DE" sz="1500" dirty="0"/>
+          </a:p>
+        </p:txBody>
+      </p:sp>
+      <p:sp>
+        <p:nvSpPr>
+          <p:cNvPr id="165" name="TextBox 164">
+            <a:extLst>
+              <a:ext uri="{FF2B5EF4-FFF2-40B4-BE49-F238E27FC236}">
+                <a16:creationId xmlns:a16="http://schemas.microsoft.com/office/drawing/2014/main" id="{2DF5FE90-2705-9239-9C75-62C8428454ED}"/>
               </a:ext>
             </a:extLst>
           </p:cNvPr>
@@ -6422,8 +6476,8 @@
         </p:nvSpPr>
         <p:spPr>
           <a:xfrm>
-            <a:off x="9330911" y="3615361"/>
-            <a:ext cx="476277" cy="276999"/>
+            <a:off x="9343975" y="4135163"/>
+            <a:ext cx="476277" cy="323165"/>
           </a:xfrm>
           <a:prstGeom prst="rect">
             <a:avLst/>
@@ -6437,18 +6491,19 @@
           <a:lstStyle/>
           <a:p>
             <a:r>
-              <a:rPr lang="de-DE" sz="1200" dirty="0"/>
-              <a:t>.65</a:t>
-            </a:r>
-          </a:p>
-        </p:txBody>
-      </p:sp>
-      <p:sp>
-        <p:nvSpPr>
-          <p:cNvPr id="165" name="TextBox 164">
-            <a:extLst>
-              <a:ext uri="{FF2B5EF4-FFF2-40B4-BE49-F238E27FC236}">
-                <a16:creationId xmlns:a16="http://schemas.microsoft.com/office/drawing/2014/main" id="{2DF5FE90-2705-9239-9C75-62C8428454ED}"/>
+              <a:rPr lang="de-DE" sz="1500"/>
+              <a:t>.79</a:t>
+            </a:r>
+            <a:endParaRPr lang="de-DE" sz="1500" dirty="0"/>
+          </a:p>
+        </p:txBody>
+      </p:sp>
+      <p:sp>
+        <p:nvSpPr>
+          <p:cNvPr id="166" name="TextBox 165">
+            <a:extLst>
+              <a:ext uri="{FF2B5EF4-FFF2-40B4-BE49-F238E27FC236}">
+                <a16:creationId xmlns:a16="http://schemas.microsoft.com/office/drawing/2014/main" id="{FF5F5900-3306-12DC-DF87-12309687B847}"/>
               </a:ext>
             </a:extLst>
           </p:cNvPr>
@@ -6457,8 +6512,8 @@
         </p:nvSpPr>
         <p:spPr>
           <a:xfrm>
-            <a:off x="9343975" y="4135163"/>
-            <a:ext cx="476277" cy="276999"/>
+            <a:off x="6278840" y="2403696"/>
+            <a:ext cx="696831" cy="323165"/>
           </a:xfrm>
           <a:prstGeom prst="rect">
             <a:avLst/>
@@ -6472,18 +6527,18 @@
           <a:lstStyle/>
           <a:p>
             <a:r>
-              <a:rPr lang="de-DE" sz="1200" dirty="0"/>
-              <a:t>.79</a:t>
-            </a:r>
-          </a:p>
-        </p:txBody>
-      </p:sp>
-      <p:sp>
-        <p:nvSpPr>
-          <p:cNvPr id="166" name="TextBox 165">
-            <a:extLst>
-              <a:ext uri="{FF2B5EF4-FFF2-40B4-BE49-F238E27FC236}">
-                <a16:creationId xmlns:a16="http://schemas.microsoft.com/office/drawing/2014/main" id="{FF5F5900-3306-12DC-DF87-12309687B847}"/>
+              <a:rPr lang="de-DE" sz="1500" dirty="0"/>
+              <a:t>-.35</a:t>
+            </a:r>
+          </a:p>
+        </p:txBody>
+      </p:sp>
+      <p:sp>
+        <p:nvSpPr>
+          <p:cNvPr id="167" name="TextBox 166">
+            <a:extLst>
+              <a:ext uri="{FF2B5EF4-FFF2-40B4-BE49-F238E27FC236}">
+                <a16:creationId xmlns:a16="http://schemas.microsoft.com/office/drawing/2014/main" id="{8508089A-616A-C0D2-56A6-FFEA870ED105}"/>
               </a:ext>
             </a:extLst>
           </p:cNvPr>
@@ -6492,8 +6547,8 @@
         </p:nvSpPr>
         <p:spPr>
           <a:xfrm>
-            <a:off x="6362260" y="2449508"/>
-            <a:ext cx="476277" cy="276999"/>
+            <a:off x="1723857" y="886044"/>
+            <a:ext cx="476277" cy="323165"/>
           </a:xfrm>
           <a:prstGeom prst="rect">
             <a:avLst/>
@@ -6506,19 +6561,21 @@
           </a:bodyPr>
           <a:lstStyle/>
           <a:p>
-            <a:r>
-              <a:rPr lang="de-DE" sz="1200" dirty="0"/>
-              <a:t>-.44</a:t>
-            </a:r>
-          </a:p>
-        </p:txBody>
-      </p:sp>
-      <p:sp>
-        <p:nvSpPr>
-          <p:cNvPr id="167" name="TextBox 166">
-            <a:extLst>
-              <a:ext uri="{FF2B5EF4-FFF2-40B4-BE49-F238E27FC236}">
-                <a16:creationId xmlns:a16="http://schemas.microsoft.com/office/drawing/2014/main" id="{8508089A-616A-C0D2-56A6-FFEA870ED105}"/>
+            <a:pPr algn="r"/>
+            <a:r>
+              <a:rPr lang="de-DE" sz="1500"/>
+              <a:t>.73</a:t>
+            </a:r>
+            <a:endParaRPr lang="de-DE" sz="1500" dirty="0"/>
+          </a:p>
+        </p:txBody>
+      </p:sp>
+      <p:sp>
+        <p:nvSpPr>
+          <p:cNvPr id="168" name="TextBox 167">
+            <a:extLst>
+              <a:ext uri="{FF2B5EF4-FFF2-40B4-BE49-F238E27FC236}">
+                <a16:creationId xmlns:a16="http://schemas.microsoft.com/office/drawing/2014/main" id="{02AB0721-956C-162C-1953-E5E8780E3EC2}"/>
               </a:ext>
             </a:extLst>
           </p:cNvPr>
@@ -6527,8 +6584,8 @@
         </p:nvSpPr>
         <p:spPr>
           <a:xfrm>
-            <a:off x="1723857" y="886044"/>
-            <a:ext cx="476277" cy="276999"/>
+            <a:off x="1723857" y="1586477"/>
+            <a:ext cx="476277" cy="323165"/>
           </a:xfrm>
           <a:prstGeom prst="rect">
             <a:avLst/>
@@ -6543,18 +6600,19 @@
           <a:p>
             <a:pPr algn="r"/>
             <a:r>
-              <a:rPr lang="de-DE" sz="1200" dirty="0"/>
-              <a:t>.63</a:t>
-            </a:r>
-          </a:p>
-        </p:txBody>
-      </p:sp>
-      <p:sp>
-        <p:nvSpPr>
-          <p:cNvPr id="168" name="TextBox 167">
-            <a:extLst>
-              <a:ext uri="{FF2B5EF4-FFF2-40B4-BE49-F238E27FC236}">
-                <a16:creationId xmlns:a16="http://schemas.microsoft.com/office/drawing/2014/main" id="{02AB0721-956C-162C-1953-E5E8780E3EC2}"/>
+              <a:rPr lang="de-DE" sz="1500"/>
+              <a:t>.65</a:t>
+            </a:r>
+            <a:endParaRPr lang="de-DE" sz="1500" dirty="0"/>
+          </a:p>
+        </p:txBody>
+      </p:sp>
+      <p:sp>
+        <p:nvSpPr>
+          <p:cNvPr id="169" name="TextBox 168">
+            <a:extLst>
+              <a:ext uri="{FF2B5EF4-FFF2-40B4-BE49-F238E27FC236}">
+                <a16:creationId xmlns:a16="http://schemas.microsoft.com/office/drawing/2014/main" id="{F34E5279-2C65-D4A5-C010-48A5A0474507}"/>
               </a:ext>
             </a:extLst>
           </p:cNvPr>
@@ -6563,8 +6621,8 @@
         </p:nvSpPr>
         <p:spPr>
           <a:xfrm>
-            <a:off x="1723857" y="1586477"/>
-            <a:ext cx="476277" cy="276999"/>
+            <a:off x="1723857" y="2286910"/>
+            <a:ext cx="476277" cy="323165"/>
           </a:xfrm>
           <a:prstGeom prst="rect">
             <a:avLst/>
@@ -6579,18 +6637,19 @@
           <a:p>
             <a:pPr algn="r"/>
             <a:r>
-              <a:rPr lang="de-DE" sz="1200" dirty="0"/>
-              <a:t>.63</a:t>
-            </a:r>
-          </a:p>
-        </p:txBody>
-      </p:sp>
-      <p:sp>
-        <p:nvSpPr>
-          <p:cNvPr id="169" name="TextBox 168">
-            <a:extLst>
-              <a:ext uri="{FF2B5EF4-FFF2-40B4-BE49-F238E27FC236}">
-                <a16:creationId xmlns:a16="http://schemas.microsoft.com/office/drawing/2014/main" id="{F34E5279-2C65-D4A5-C010-48A5A0474507}"/>
+              <a:rPr lang="de-DE" sz="1500"/>
+              <a:t>.45</a:t>
+            </a:r>
+            <a:endParaRPr lang="de-DE" sz="1500" dirty="0"/>
+          </a:p>
+        </p:txBody>
+      </p:sp>
+      <p:sp>
+        <p:nvSpPr>
+          <p:cNvPr id="170" name="TextBox 169">
+            <a:extLst>
+              <a:ext uri="{FF2B5EF4-FFF2-40B4-BE49-F238E27FC236}">
+                <a16:creationId xmlns:a16="http://schemas.microsoft.com/office/drawing/2014/main" id="{11185F93-D135-7E0A-C987-EC9A2CCC3B01}"/>
               </a:ext>
             </a:extLst>
           </p:cNvPr>
@@ -6599,8 +6658,8 @@
         </p:nvSpPr>
         <p:spPr>
           <a:xfrm>
-            <a:off x="1723857" y="2286910"/>
-            <a:ext cx="476277" cy="276999"/>
+            <a:off x="1723273" y="2940740"/>
+            <a:ext cx="476277" cy="323165"/>
           </a:xfrm>
           <a:prstGeom prst="rect">
             <a:avLst/>
@@ -6615,18 +6674,19 @@
           <a:p>
             <a:pPr algn="r"/>
             <a:r>
-              <a:rPr lang="de-DE" sz="1200" dirty="0"/>
-              <a:t>.63</a:t>
-            </a:r>
-          </a:p>
-        </p:txBody>
-      </p:sp>
-      <p:sp>
-        <p:nvSpPr>
-          <p:cNvPr id="170" name="TextBox 169">
-            <a:extLst>
-              <a:ext uri="{FF2B5EF4-FFF2-40B4-BE49-F238E27FC236}">
-                <a16:creationId xmlns:a16="http://schemas.microsoft.com/office/drawing/2014/main" id="{11185F93-D135-7E0A-C987-EC9A2CCC3B01}"/>
+              <a:rPr lang="de-DE" sz="1500"/>
+              <a:t>.80</a:t>
+            </a:r>
+            <a:endParaRPr lang="de-DE" sz="1500" dirty="0"/>
+          </a:p>
+        </p:txBody>
+      </p:sp>
+      <p:sp>
+        <p:nvSpPr>
+          <p:cNvPr id="171" name="TextBox 170">
+            <a:extLst>
+              <a:ext uri="{FF2B5EF4-FFF2-40B4-BE49-F238E27FC236}">
+                <a16:creationId xmlns:a16="http://schemas.microsoft.com/office/drawing/2014/main" id="{1B4FA511-5E86-1E46-B672-EC413AE2404B}"/>
               </a:ext>
             </a:extLst>
           </p:cNvPr>
@@ -6635,8 +6695,8 @@
         </p:nvSpPr>
         <p:spPr>
           <a:xfrm>
-            <a:off x="1723273" y="2940740"/>
-            <a:ext cx="476277" cy="276999"/>
+            <a:off x="1718951" y="3640757"/>
+            <a:ext cx="476277" cy="323165"/>
           </a:xfrm>
           <a:prstGeom prst="rect">
             <a:avLst/>
@@ -6651,18 +6711,19 @@
           <a:p>
             <a:pPr algn="r"/>
             <a:r>
-              <a:rPr lang="de-DE" sz="1200" dirty="0"/>
-              <a:t>.68</a:t>
-            </a:r>
-          </a:p>
-        </p:txBody>
-      </p:sp>
-      <p:sp>
-        <p:nvSpPr>
-          <p:cNvPr id="171" name="TextBox 170">
-            <a:extLst>
-              <a:ext uri="{FF2B5EF4-FFF2-40B4-BE49-F238E27FC236}">
-                <a16:creationId xmlns:a16="http://schemas.microsoft.com/office/drawing/2014/main" id="{1B4FA511-5E86-1E46-B672-EC413AE2404B}"/>
+              <a:rPr lang="de-DE" sz="1500"/>
+              <a:t>.51</a:t>
+            </a:r>
+            <a:endParaRPr lang="de-DE" sz="1500" dirty="0"/>
+          </a:p>
+        </p:txBody>
+      </p:sp>
+      <p:sp>
+        <p:nvSpPr>
+          <p:cNvPr id="172" name="TextBox 171">
+            <a:extLst>
+              <a:ext uri="{FF2B5EF4-FFF2-40B4-BE49-F238E27FC236}">
+                <a16:creationId xmlns:a16="http://schemas.microsoft.com/office/drawing/2014/main" id="{BB46F30F-B125-37E0-6DD8-DB0F757E3400}"/>
               </a:ext>
             </a:extLst>
           </p:cNvPr>
@@ -6671,8 +6732,8 @@
         </p:nvSpPr>
         <p:spPr>
           <a:xfrm>
-            <a:off x="1718951" y="3640757"/>
-            <a:ext cx="476277" cy="276999"/>
+            <a:off x="1723273" y="4297576"/>
+            <a:ext cx="476277" cy="323165"/>
           </a:xfrm>
           <a:prstGeom prst="rect">
             <a:avLst/>
@@ -6687,18 +6748,19 @@
           <a:p>
             <a:pPr algn="r"/>
             <a:r>
-              <a:rPr lang="de-DE" sz="1200" dirty="0"/>
-              <a:t>.68</a:t>
-            </a:r>
-          </a:p>
-        </p:txBody>
-      </p:sp>
-      <p:sp>
-        <p:nvSpPr>
-          <p:cNvPr id="172" name="TextBox 171">
-            <a:extLst>
-              <a:ext uri="{FF2B5EF4-FFF2-40B4-BE49-F238E27FC236}">
-                <a16:creationId xmlns:a16="http://schemas.microsoft.com/office/drawing/2014/main" id="{BB46F30F-B125-37E0-6DD8-DB0F757E3400}"/>
+              <a:rPr lang="de-DE" sz="1500"/>
+              <a:t>.69</a:t>
+            </a:r>
+            <a:endParaRPr lang="de-DE" sz="1500" dirty="0"/>
+          </a:p>
+        </p:txBody>
+      </p:sp>
+      <p:sp>
+        <p:nvSpPr>
+          <p:cNvPr id="173" name="TextBox 172">
+            <a:extLst>
+              <a:ext uri="{FF2B5EF4-FFF2-40B4-BE49-F238E27FC236}">
+                <a16:creationId xmlns:a16="http://schemas.microsoft.com/office/drawing/2014/main" id="{E5EFEDE7-9245-B55D-17DC-7D50648172CA}"/>
               </a:ext>
             </a:extLst>
           </p:cNvPr>
@@ -6707,8 +6769,8 @@
         </p:nvSpPr>
         <p:spPr>
           <a:xfrm>
-            <a:off x="1723273" y="4297576"/>
-            <a:ext cx="476277" cy="276999"/>
+            <a:off x="1720269" y="4979444"/>
+            <a:ext cx="476277" cy="323165"/>
           </a:xfrm>
           <a:prstGeom prst="rect">
             <a:avLst/>
@@ -6723,18 +6785,19 @@
           <a:p>
             <a:pPr algn="r"/>
             <a:r>
-              <a:rPr lang="de-DE" sz="1200" dirty="0"/>
-              <a:t>.68</a:t>
-            </a:r>
-          </a:p>
-        </p:txBody>
-      </p:sp>
-      <p:sp>
-        <p:nvSpPr>
-          <p:cNvPr id="173" name="TextBox 172">
-            <a:extLst>
-              <a:ext uri="{FF2B5EF4-FFF2-40B4-BE49-F238E27FC236}">
-                <a16:creationId xmlns:a16="http://schemas.microsoft.com/office/drawing/2014/main" id="{E5EFEDE7-9245-B55D-17DC-7D50648172CA}"/>
+              <a:rPr lang="de-DE" sz="1500"/>
+              <a:t>.41</a:t>
+            </a:r>
+            <a:endParaRPr lang="de-DE" sz="1500" dirty="0"/>
+          </a:p>
+        </p:txBody>
+      </p:sp>
+      <p:sp>
+        <p:nvSpPr>
+          <p:cNvPr id="174" name="TextBox 173">
+            <a:extLst>
+              <a:ext uri="{FF2B5EF4-FFF2-40B4-BE49-F238E27FC236}">
+                <a16:creationId xmlns:a16="http://schemas.microsoft.com/office/drawing/2014/main" id="{78DFB7E6-A67A-1D3B-C10C-D97A600EE12B}"/>
               </a:ext>
             </a:extLst>
           </p:cNvPr>
@@ -6743,8 +6806,8 @@
         </p:nvSpPr>
         <p:spPr>
           <a:xfrm>
-            <a:off x="1720269" y="4979444"/>
-            <a:ext cx="476277" cy="276999"/>
+            <a:off x="1718951" y="5665964"/>
+            <a:ext cx="476277" cy="323165"/>
           </a:xfrm>
           <a:prstGeom prst="rect">
             <a:avLst/>
@@ -6759,18 +6822,19 @@
           <a:p>
             <a:pPr algn="r"/>
             <a:r>
-              <a:rPr lang="de-DE" sz="1200" dirty="0"/>
-              <a:t>.38</a:t>
-            </a:r>
-          </a:p>
-        </p:txBody>
-      </p:sp>
-      <p:sp>
-        <p:nvSpPr>
-          <p:cNvPr id="174" name="TextBox 173">
-            <a:extLst>
-              <a:ext uri="{FF2B5EF4-FFF2-40B4-BE49-F238E27FC236}">
-                <a16:creationId xmlns:a16="http://schemas.microsoft.com/office/drawing/2014/main" id="{78DFB7E6-A67A-1D3B-C10C-D97A600EE12B}"/>
+              <a:rPr lang="de-DE" sz="1500"/>
+              <a:t>.35</a:t>
+            </a:r>
+            <a:endParaRPr lang="de-DE" sz="1500" dirty="0"/>
+          </a:p>
+        </p:txBody>
+      </p:sp>
+      <p:sp>
+        <p:nvSpPr>
+          <p:cNvPr id="2" name="TextBox 1">
+            <a:extLst>
+              <a:ext uri="{FF2B5EF4-FFF2-40B4-BE49-F238E27FC236}">
+                <a16:creationId xmlns:a16="http://schemas.microsoft.com/office/drawing/2014/main" id="{B87C6A82-9020-D70E-7B3F-ED6B0DC8E18E}"/>
               </a:ext>
             </a:extLst>
           </p:cNvPr>
@@ -6779,8 +6843,8 @@
         </p:nvSpPr>
         <p:spPr>
           <a:xfrm>
-            <a:off x="1718951" y="5665964"/>
-            <a:ext cx="476277" cy="276999"/>
+            <a:off x="10905067" y="1873785"/>
+            <a:ext cx="476277" cy="323165"/>
           </a:xfrm>
           <a:prstGeom prst="rect">
             <a:avLst/>
@@ -6793,20 +6857,19 @@
           </a:bodyPr>
           <a:lstStyle/>
           <a:p>
-            <a:pPr algn="r"/>
-            <a:r>
-              <a:rPr lang="de-DE" sz="1200" dirty="0"/>
-              <a:t>. 38</a:t>
-            </a:r>
-          </a:p>
-        </p:txBody>
-      </p:sp>
-      <p:sp>
-        <p:nvSpPr>
-          <p:cNvPr id="2" name="TextBox 1">
-            <a:extLst>
-              <a:ext uri="{FF2B5EF4-FFF2-40B4-BE49-F238E27FC236}">
-                <a16:creationId xmlns:a16="http://schemas.microsoft.com/office/drawing/2014/main" id="{B87C6A82-9020-D70E-7B3F-ED6B0DC8E18E}"/>
+            <a:r>
+              <a:rPr lang="de-DE" sz="1500" dirty="0"/>
+              <a:t>.04</a:t>
+            </a:r>
+          </a:p>
+        </p:txBody>
+      </p:sp>
+      <p:sp>
+        <p:nvSpPr>
+          <p:cNvPr id="3" name="TextBox 2">
+            <a:extLst>
+              <a:ext uri="{FF2B5EF4-FFF2-40B4-BE49-F238E27FC236}">
+                <a16:creationId xmlns:a16="http://schemas.microsoft.com/office/drawing/2014/main" id="{A1D97644-54DA-C04B-CFAB-95FC99C42CFC}"/>
               </a:ext>
             </a:extLst>
           </p:cNvPr>
@@ -6815,8 +6878,8 @@
         </p:nvSpPr>
         <p:spPr>
           <a:xfrm>
-            <a:off x="10905067" y="1873785"/>
-            <a:ext cx="476277" cy="276999"/>
+            <a:off x="10905067" y="2554504"/>
+            <a:ext cx="476277" cy="323165"/>
           </a:xfrm>
           <a:prstGeom prst="rect">
             <a:avLst/>
@@ -6830,18 +6893,19 @@
           <a:lstStyle/>
           <a:p>
             <a:r>
-              <a:rPr lang="de-DE" sz="1200" dirty="0"/>
-              <a:t>.04</a:t>
-            </a:r>
-          </a:p>
-        </p:txBody>
-      </p:sp>
-      <p:sp>
-        <p:nvSpPr>
-          <p:cNvPr id="3" name="TextBox 2">
-            <a:extLst>
-              <a:ext uri="{FF2B5EF4-FFF2-40B4-BE49-F238E27FC236}">
-                <a16:creationId xmlns:a16="http://schemas.microsoft.com/office/drawing/2014/main" id="{A1D97644-54DA-C04B-CFAB-95FC99C42CFC}"/>
+              <a:rPr lang="de-DE" sz="1500"/>
+              <a:t>.54</a:t>
+            </a:r>
+            <a:endParaRPr lang="de-DE" sz="1500" dirty="0"/>
+          </a:p>
+        </p:txBody>
+      </p:sp>
+      <p:sp>
+        <p:nvSpPr>
+          <p:cNvPr id="6" name="TextBox 5">
+            <a:extLst>
+              <a:ext uri="{FF2B5EF4-FFF2-40B4-BE49-F238E27FC236}">
+                <a16:creationId xmlns:a16="http://schemas.microsoft.com/office/drawing/2014/main" id="{E81F3E3A-CE3E-D2BC-EE85-B04080435775}"/>
               </a:ext>
             </a:extLst>
           </p:cNvPr>
@@ -6850,8 +6914,8 @@
         </p:nvSpPr>
         <p:spPr>
           <a:xfrm>
-            <a:off x="10905067" y="2554504"/>
-            <a:ext cx="476277" cy="276999"/>
+            <a:off x="10905067" y="3235223"/>
+            <a:ext cx="476277" cy="323165"/>
           </a:xfrm>
           <a:prstGeom prst="rect">
             <a:avLst/>
@@ -6865,18 +6929,19 @@
           <a:lstStyle/>
           <a:p>
             <a:r>
-              <a:rPr lang="de-DE" sz="1200" dirty="0"/>
-              <a:t>.54</a:t>
-            </a:r>
-          </a:p>
-        </p:txBody>
-      </p:sp>
-      <p:sp>
-        <p:nvSpPr>
-          <p:cNvPr id="6" name="TextBox 5">
-            <a:extLst>
-              <a:ext uri="{FF2B5EF4-FFF2-40B4-BE49-F238E27FC236}">
-                <a16:creationId xmlns:a16="http://schemas.microsoft.com/office/drawing/2014/main" id="{E81F3E3A-CE3E-D2BC-EE85-B04080435775}"/>
+              <a:rPr lang="de-DE" sz="1500"/>
+              <a:t>.62</a:t>
+            </a:r>
+            <a:endParaRPr lang="de-DE" sz="1500" dirty="0"/>
+          </a:p>
+        </p:txBody>
+      </p:sp>
+      <p:sp>
+        <p:nvSpPr>
+          <p:cNvPr id="7" name="TextBox 6">
+            <a:extLst>
+              <a:ext uri="{FF2B5EF4-FFF2-40B4-BE49-F238E27FC236}">
+                <a16:creationId xmlns:a16="http://schemas.microsoft.com/office/drawing/2014/main" id="{ED8F1B94-DF4C-5404-B84A-9637CFF49D9A}"/>
               </a:ext>
             </a:extLst>
           </p:cNvPr>
@@ -6885,8 +6950,8 @@
         </p:nvSpPr>
         <p:spPr>
           <a:xfrm>
-            <a:off x="10905067" y="3235223"/>
-            <a:ext cx="476277" cy="276999"/>
+            <a:off x="10905067" y="3915942"/>
+            <a:ext cx="476277" cy="323165"/>
           </a:xfrm>
           <a:prstGeom prst="rect">
             <a:avLst/>
@@ -6900,18 +6965,19 @@
           <a:lstStyle/>
           <a:p>
             <a:r>
-              <a:rPr lang="de-DE" sz="1200" dirty="0"/>
-              <a:t>.62</a:t>
-            </a:r>
-          </a:p>
-        </p:txBody>
-      </p:sp>
-      <p:sp>
-        <p:nvSpPr>
-          <p:cNvPr id="7" name="TextBox 6">
-            <a:extLst>
-              <a:ext uri="{FF2B5EF4-FFF2-40B4-BE49-F238E27FC236}">
-                <a16:creationId xmlns:a16="http://schemas.microsoft.com/office/drawing/2014/main" id="{ED8F1B94-DF4C-5404-B84A-9637CFF49D9A}"/>
+              <a:rPr lang="de-DE" sz="1500"/>
+              <a:t>.57</a:t>
+            </a:r>
+            <a:endParaRPr lang="de-DE" sz="1500" dirty="0"/>
+          </a:p>
+        </p:txBody>
+      </p:sp>
+      <p:sp>
+        <p:nvSpPr>
+          <p:cNvPr id="8" name="TextBox 7">
+            <a:extLst>
+              <a:ext uri="{FF2B5EF4-FFF2-40B4-BE49-F238E27FC236}">
+                <a16:creationId xmlns:a16="http://schemas.microsoft.com/office/drawing/2014/main" id="{5392118C-C3EE-484E-4EC6-400EC2004D0E}"/>
               </a:ext>
             </a:extLst>
           </p:cNvPr>
@@ -6920,8 +6986,8 @@
         </p:nvSpPr>
         <p:spPr>
           <a:xfrm>
-            <a:off x="10905067" y="3915942"/>
-            <a:ext cx="476277" cy="276999"/>
+            <a:off x="10905067" y="4596661"/>
+            <a:ext cx="476277" cy="323165"/>
           </a:xfrm>
           <a:prstGeom prst="rect">
             <a:avLst/>
@@ -6935,51 +7001,8030 @@
           <a:lstStyle/>
           <a:p>
             <a:r>
-              <a:rPr lang="de-DE" sz="1200" dirty="0"/>
-              <a:t>.57</a:t>
-            </a:r>
-          </a:p>
-        </p:txBody>
-      </p:sp>
-      <p:sp>
-        <p:nvSpPr>
-          <p:cNvPr id="8" name="TextBox 7">
-            <a:extLst>
-              <a:ext uri="{FF2B5EF4-FFF2-40B4-BE49-F238E27FC236}">
-                <a16:creationId xmlns:a16="http://schemas.microsoft.com/office/drawing/2014/main" id="{5392118C-C3EE-484E-4EC6-400EC2004D0E}"/>
-              </a:ext>
-            </a:extLst>
-          </p:cNvPr>
-          <p:cNvSpPr txBox="1"/>
-          <p:nvPr/>
-        </p:nvSpPr>
-        <p:spPr>
-          <a:xfrm>
-            <a:off x="10905067" y="4596661"/>
-            <a:ext cx="476277" cy="276999"/>
-          </a:xfrm>
-          <a:prstGeom prst="rect">
+              <a:rPr lang="de-DE" sz="1500"/>
+              <a:t>.38</a:t>
+            </a:r>
+            <a:endParaRPr lang="de-DE" sz="1500" dirty="0"/>
+          </a:p>
+        </p:txBody>
+      </p:sp>
+      <p:sp>
+        <p:nvSpPr>
+          <p:cNvPr id="85" name="Oval 84">
+            <a:extLst>
+              <a:ext uri="{FF2B5EF4-FFF2-40B4-BE49-F238E27FC236}">
+                <a16:creationId xmlns:a16="http://schemas.microsoft.com/office/drawing/2014/main" id="{A86823DA-4451-42F8-ACB3-3FB975FC0702}"/>
+              </a:ext>
+            </a:extLst>
+          </p:cNvPr>
+          <p:cNvSpPr/>
+          <p:nvPr/>
+        </p:nvSpPr>
+        <p:spPr>
+          <a:xfrm>
+            <a:off x="772977" y="1202530"/>
+            <a:ext cx="1037004" cy="925893"/>
+          </a:xfrm>
+          <a:prstGeom prst="ellipse">
             <a:avLst/>
           </a:prstGeom>
           <a:noFill/>
-        </p:spPr>
-        <p:txBody>
-          <a:bodyPr wrap="square" rtlCol="0">
-            <a:spAutoFit/>
-          </a:bodyPr>
-          <a:lstStyle/>
-          <a:p>
-            <a:r>
-              <a:rPr lang="de-DE" sz="1200" dirty="0"/>
-              <a:t>.38</a:t>
-            </a:r>
-          </a:p>
-        </p:txBody>
-      </p:sp>
+          <a:ln>
+            <a:solidFill>
+              <a:schemeClr val="tx1"/>
+            </a:solidFill>
+          </a:ln>
+        </p:spPr>
+        <p:style>
+          <a:lnRef idx="2">
+            <a:schemeClr val="accent1">
+              <a:shade val="15000"/>
+            </a:schemeClr>
+          </a:lnRef>
+          <a:fillRef idx="1">
+            <a:schemeClr val="accent1"/>
+          </a:fillRef>
+          <a:effectRef idx="0">
+            <a:schemeClr val="accent1"/>
+          </a:effectRef>
+          <a:fontRef idx="minor">
+            <a:schemeClr val="lt1"/>
+          </a:fontRef>
+        </p:style>
+        <p:txBody>
+          <a:bodyPr rtlCol="0" anchor="ctr"/>
+          <a:lstStyle/>
+          <a:p>
+            <a:pPr algn="ctr"/>
+            <a:r>
+              <a:rPr lang="de-DE" sz="1500" dirty="0">
+                <a:solidFill>
+                  <a:schemeClr val="tx1"/>
+                </a:solidFill>
+              </a:rPr>
+              <a:t>Hick</a:t>
+            </a:r>
+          </a:p>
+        </p:txBody>
+      </p:sp>
+      <p:cxnSp>
+        <p:nvCxnSpPr>
+          <p:cNvPr id="86" name="Straight Arrow Connector 85">
+            <a:extLst>
+              <a:ext uri="{FF2B5EF4-FFF2-40B4-BE49-F238E27FC236}">
+                <a16:creationId xmlns:a16="http://schemas.microsoft.com/office/drawing/2014/main" id="{6F230C43-9E36-4F13-854C-0B196A68D55F}"/>
+              </a:ext>
+            </a:extLst>
+          </p:cNvPr>
+          <p:cNvCxnSpPr>
+            <a:cxnSpLocks/>
+            <a:stCxn id="85" idx="6"/>
+            <a:endCxn id="4" idx="1"/>
+          </p:cNvCxnSpPr>
+          <p:nvPr/>
+        </p:nvCxnSpPr>
+        <p:spPr>
+          <a:xfrm flipV="1">
+            <a:off x="1809981" y="1009169"/>
+            <a:ext cx="650344" cy="656308"/>
+          </a:xfrm>
+          <a:prstGeom prst="straightConnector1">
+            <a:avLst/>
+          </a:prstGeom>
+          <a:ln>
+            <a:tailEnd type="triangle"/>
+          </a:ln>
+        </p:spPr>
+        <p:style>
+          <a:lnRef idx="2">
+            <a:schemeClr val="dk1"/>
+          </a:lnRef>
+          <a:fillRef idx="0">
+            <a:schemeClr val="dk1"/>
+          </a:fillRef>
+          <a:effectRef idx="1">
+            <a:schemeClr val="dk1"/>
+          </a:effectRef>
+          <a:fontRef idx="minor">
+            <a:schemeClr val="tx1"/>
+          </a:fontRef>
+        </p:style>
+      </p:cxnSp>
+      <p:cxnSp>
+        <p:nvCxnSpPr>
+          <p:cNvPr id="88" name="Straight Arrow Connector 87">
+            <a:extLst>
+              <a:ext uri="{FF2B5EF4-FFF2-40B4-BE49-F238E27FC236}">
+                <a16:creationId xmlns:a16="http://schemas.microsoft.com/office/drawing/2014/main" id="{71BE763B-056D-4D04-A60C-CB144AAC93F3}"/>
+              </a:ext>
+            </a:extLst>
+          </p:cNvPr>
+          <p:cNvCxnSpPr>
+            <a:cxnSpLocks/>
+            <a:stCxn id="85" idx="6"/>
+            <a:endCxn id="5" idx="1"/>
+          </p:cNvCxnSpPr>
+          <p:nvPr/>
+        </p:nvCxnSpPr>
+        <p:spPr>
+          <a:xfrm>
+            <a:off x="1809981" y="1665477"/>
+            <a:ext cx="650344" cy="27136"/>
+          </a:xfrm>
+          <a:prstGeom prst="straightConnector1">
+            <a:avLst/>
+          </a:prstGeom>
+          <a:ln>
+            <a:tailEnd type="triangle"/>
+          </a:ln>
+        </p:spPr>
+        <p:style>
+          <a:lnRef idx="2">
+            <a:schemeClr val="dk1"/>
+          </a:lnRef>
+          <a:fillRef idx="0">
+            <a:schemeClr val="dk1"/>
+          </a:fillRef>
+          <a:effectRef idx="1">
+            <a:schemeClr val="dk1"/>
+          </a:effectRef>
+          <a:fontRef idx="minor">
+            <a:schemeClr val="tx1"/>
+          </a:fontRef>
+        </p:style>
+      </p:cxnSp>
+      <p:cxnSp>
+        <p:nvCxnSpPr>
+          <p:cNvPr id="91" name="Straight Arrow Connector 90">
+            <a:extLst>
+              <a:ext uri="{FF2B5EF4-FFF2-40B4-BE49-F238E27FC236}">
+                <a16:creationId xmlns:a16="http://schemas.microsoft.com/office/drawing/2014/main" id="{75B5645A-EC78-4D83-8839-2BCEFE83B1AF}"/>
+              </a:ext>
+            </a:extLst>
+          </p:cNvPr>
+          <p:cNvCxnSpPr>
+            <a:cxnSpLocks/>
+            <a:stCxn id="85" idx="6"/>
+            <a:endCxn id="16" idx="1"/>
+          </p:cNvCxnSpPr>
+          <p:nvPr/>
+        </p:nvCxnSpPr>
+        <p:spPr>
+          <a:xfrm>
+            <a:off x="1809981" y="1665477"/>
+            <a:ext cx="650344" cy="710580"/>
+          </a:xfrm>
+          <a:prstGeom prst="straightConnector1">
+            <a:avLst/>
+          </a:prstGeom>
+          <a:ln>
+            <a:tailEnd type="triangle"/>
+          </a:ln>
+        </p:spPr>
+        <p:style>
+          <a:lnRef idx="2">
+            <a:schemeClr val="dk1"/>
+          </a:lnRef>
+          <a:fillRef idx="0">
+            <a:schemeClr val="dk1"/>
+          </a:fillRef>
+          <a:effectRef idx="1">
+            <a:schemeClr val="dk1"/>
+          </a:effectRef>
+          <a:fontRef idx="minor">
+            <a:schemeClr val="tx1"/>
+          </a:fontRef>
+        </p:style>
+      </p:cxnSp>
     </p:spTree>
     <p:extLst>
       <p:ext uri="{BB962C8B-B14F-4D97-AF65-F5344CB8AC3E}">
         <p14:creationId xmlns:p14="http://schemas.microsoft.com/office/powerpoint/2010/main" val="2187847369"/>
+      </p:ext>
+    </p:extLst>
+  </p:cSld>
+  <p:clrMapOvr>
+    <a:masterClrMapping/>
+  </p:clrMapOvr>
+</p:sld>
+</file>
+
+<file path=ppt/slides/slide2.xml><?xml version="1.0" encoding="utf-8"?>
+<p:sld xmlns:a="http://schemas.openxmlformats.org/drawingml/2006/main" xmlns:r="http://schemas.openxmlformats.org/officeDocument/2006/relationships" xmlns:p="http://schemas.openxmlformats.org/presentationml/2006/main">
+  <p:cSld>
+    <p:spTree>
+      <p:nvGrpSpPr>
+        <p:cNvPr id="1" name=""/>
+        <p:cNvGrpSpPr/>
+        <p:nvPr/>
+      </p:nvGrpSpPr>
+      <p:grpSpPr>
+        <a:xfrm>
+          <a:off x="0" y="0"/>
+          <a:ext cx="0" cy="0"/>
+          <a:chOff x="0" y="0"/>
+          <a:chExt cx="0" cy="0"/>
+        </a:xfrm>
+      </p:grpSpPr>
+      <p:sp>
+        <p:nvSpPr>
+          <p:cNvPr id="4" name="Rectangle 3">
+            <a:extLst>
+              <a:ext uri="{FF2B5EF4-FFF2-40B4-BE49-F238E27FC236}">
+                <a16:creationId xmlns:a16="http://schemas.microsoft.com/office/drawing/2014/main" id="{7EC244C8-F661-0768-E8F1-3AC3341EA057}"/>
+              </a:ext>
+            </a:extLst>
+          </p:cNvPr>
+          <p:cNvSpPr/>
+          <p:nvPr/>
+        </p:nvSpPr>
+        <p:spPr>
+          <a:xfrm>
+            <a:off x="2460325" y="760484"/>
+            <a:ext cx="741374" cy="497369"/>
+          </a:xfrm>
+          <a:prstGeom prst="rect">
+            <a:avLst/>
+          </a:prstGeom>
+          <a:noFill/>
+          <a:ln>
+            <a:solidFill>
+              <a:schemeClr val="tx1"/>
+            </a:solidFill>
+          </a:ln>
+        </p:spPr>
+        <p:style>
+          <a:lnRef idx="2">
+            <a:schemeClr val="accent1">
+              <a:shade val="15000"/>
+            </a:schemeClr>
+          </a:lnRef>
+          <a:fillRef idx="1">
+            <a:schemeClr val="accent1"/>
+          </a:fillRef>
+          <a:effectRef idx="0">
+            <a:schemeClr val="accent1"/>
+          </a:effectRef>
+          <a:fontRef idx="minor">
+            <a:schemeClr val="lt1"/>
+          </a:fontRef>
+        </p:style>
+        <p:txBody>
+          <a:bodyPr rtlCol="0" anchor="ctr"/>
+          <a:lstStyle/>
+          <a:p>
+            <a:pPr algn="ctr"/>
+            <a:r>
+              <a:rPr lang="de-DE" sz="1500">
+                <a:solidFill>
+                  <a:schemeClr val="tx1"/>
+                </a:solidFill>
+              </a:rPr>
+              <a:t>SRT</a:t>
+            </a:r>
+            <a:endParaRPr lang="de-DE" sz="1500" dirty="0">
+              <a:solidFill>
+                <a:schemeClr val="tx1"/>
+              </a:solidFill>
+            </a:endParaRPr>
+          </a:p>
+        </p:txBody>
+      </p:sp>
+      <p:sp>
+        <p:nvSpPr>
+          <p:cNvPr id="5" name="Rectangle 4">
+            <a:extLst>
+              <a:ext uri="{FF2B5EF4-FFF2-40B4-BE49-F238E27FC236}">
+                <a16:creationId xmlns:a16="http://schemas.microsoft.com/office/drawing/2014/main" id="{8693D7F0-FD1A-EF69-87DC-8910E583E8BE}"/>
+              </a:ext>
+            </a:extLst>
+          </p:cNvPr>
+          <p:cNvSpPr/>
+          <p:nvPr/>
+        </p:nvSpPr>
+        <p:spPr>
+          <a:xfrm>
+            <a:off x="2460325" y="1443928"/>
+            <a:ext cx="741374" cy="497369"/>
+          </a:xfrm>
+          <a:prstGeom prst="rect">
+            <a:avLst/>
+          </a:prstGeom>
+          <a:noFill/>
+          <a:ln>
+            <a:solidFill>
+              <a:schemeClr val="tx1"/>
+            </a:solidFill>
+          </a:ln>
+        </p:spPr>
+        <p:style>
+          <a:lnRef idx="2">
+            <a:schemeClr val="accent1">
+              <a:shade val="15000"/>
+            </a:schemeClr>
+          </a:lnRef>
+          <a:fillRef idx="1">
+            <a:schemeClr val="accent1"/>
+          </a:fillRef>
+          <a:effectRef idx="0">
+            <a:schemeClr val="accent1"/>
+          </a:effectRef>
+          <a:fontRef idx="minor">
+            <a:schemeClr val="lt1"/>
+          </a:fontRef>
+        </p:style>
+        <p:txBody>
+          <a:bodyPr rtlCol="0" anchor="ctr"/>
+          <a:lstStyle/>
+          <a:p>
+            <a:pPr algn="ctr"/>
+            <a:r>
+              <a:rPr lang="de-DE" sz="1500">
+                <a:solidFill>
+                  <a:schemeClr val="tx1"/>
+                </a:solidFill>
+              </a:rPr>
+              <a:t>CR2</a:t>
+            </a:r>
+            <a:endParaRPr lang="de-DE" sz="1500" dirty="0">
+              <a:solidFill>
+                <a:schemeClr val="tx1"/>
+              </a:solidFill>
+            </a:endParaRPr>
+          </a:p>
+        </p:txBody>
+      </p:sp>
+      <p:sp>
+        <p:nvSpPr>
+          <p:cNvPr id="11" name="Rectangle 10">
+            <a:extLst>
+              <a:ext uri="{FF2B5EF4-FFF2-40B4-BE49-F238E27FC236}">
+                <a16:creationId xmlns:a16="http://schemas.microsoft.com/office/drawing/2014/main" id="{B8AB5BA8-2BD6-D3CB-7A1E-A101F1E6A4DA}"/>
+              </a:ext>
+            </a:extLst>
+          </p:cNvPr>
+          <p:cNvSpPr/>
+          <p:nvPr/>
+        </p:nvSpPr>
+        <p:spPr>
+          <a:xfrm>
+            <a:off x="2460325" y="3494260"/>
+            <a:ext cx="741374" cy="497369"/>
+          </a:xfrm>
+          <a:prstGeom prst="rect">
+            <a:avLst/>
+          </a:prstGeom>
+          <a:noFill/>
+          <a:ln>
+            <a:solidFill>
+              <a:schemeClr val="tx1"/>
+            </a:solidFill>
+          </a:ln>
+        </p:spPr>
+        <p:style>
+          <a:lnRef idx="2">
+            <a:schemeClr val="accent1">
+              <a:shade val="15000"/>
+            </a:schemeClr>
+          </a:lnRef>
+          <a:fillRef idx="1">
+            <a:schemeClr val="accent1"/>
+          </a:fillRef>
+          <a:effectRef idx="0">
+            <a:schemeClr val="accent1"/>
+          </a:effectRef>
+          <a:fontRef idx="minor">
+            <a:schemeClr val="lt1"/>
+          </a:fontRef>
+        </p:style>
+        <p:txBody>
+          <a:bodyPr rtlCol="0" anchor="ctr"/>
+          <a:lstStyle/>
+          <a:p>
+            <a:pPr algn="ctr"/>
+            <a:endParaRPr lang="de-DE" sz="1500"/>
+          </a:p>
+        </p:txBody>
+      </p:sp>
+      <p:sp>
+        <p:nvSpPr>
+          <p:cNvPr id="12" name="Rectangle 11">
+            <a:extLst>
+              <a:ext uri="{FF2B5EF4-FFF2-40B4-BE49-F238E27FC236}">
+                <a16:creationId xmlns:a16="http://schemas.microsoft.com/office/drawing/2014/main" id="{CB891A28-C58A-ED88-348D-766AC65A6E96}"/>
+              </a:ext>
+            </a:extLst>
+          </p:cNvPr>
+          <p:cNvSpPr/>
+          <p:nvPr/>
+        </p:nvSpPr>
+        <p:spPr>
+          <a:xfrm>
+            <a:off x="2460325" y="4177704"/>
+            <a:ext cx="741374" cy="497369"/>
+          </a:xfrm>
+          <a:prstGeom prst="rect">
+            <a:avLst/>
+          </a:prstGeom>
+          <a:noFill/>
+          <a:ln>
+            <a:solidFill>
+              <a:schemeClr val="tx1"/>
+            </a:solidFill>
+          </a:ln>
+        </p:spPr>
+        <p:style>
+          <a:lnRef idx="2">
+            <a:schemeClr val="accent1">
+              <a:shade val="15000"/>
+            </a:schemeClr>
+          </a:lnRef>
+          <a:fillRef idx="1">
+            <a:schemeClr val="accent1"/>
+          </a:fillRef>
+          <a:effectRef idx="0">
+            <a:schemeClr val="accent1"/>
+          </a:effectRef>
+          <a:fontRef idx="minor">
+            <a:schemeClr val="lt1"/>
+          </a:fontRef>
+        </p:style>
+        <p:txBody>
+          <a:bodyPr rtlCol="0" anchor="ctr"/>
+          <a:lstStyle/>
+          <a:p>
+            <a:pPr algn="ctr"/>
+            <a:endParaRPr lang="de-DE" sz="1500"/>
+          </a:p>
+        </p:txBody>
+      </p:sp>
+      <p:sp>
+        <p:nvSpPr>
+          <p:cNvPr id="13" name="Rectangle 12">
+            <a:extLst>
+              <a:ext uri="{FF2B5EF4-FFF2-40B4-BE49-F238E27FC236}">
+                <a16:creationId xmlns:a16="http://schemas.microsoft.com/office/drawing/2014/main" id="{A7D27245-3005-B5B3-8AB2-07EA89957C9A}"/>
+              </a:ext>
+            </a:extLst>
+          </p:cNvPr>
+          <p:cNvSpPr/>
+          <p:nvPr/>
+        </p:nvSpPr>
+        <p:spPr>
+          <a:xfrm>
+            <a:off x="2460325" y="4861148"/>
+            <a:ext cx="741374" cy="497369"/>
+          </a:xfrm>
+          <a:prstGeom prst="rect">
+            <a:avLst/>
+          </a:prstGeom>
+          <a:noFill/>
+          <a:ln>
+            <a:solidFill>
+              <a:schemeClr val="tx1"/>
+            </a:solidFill>
+          </a:ln>
+        </p:spPr>
+        <p:style>
+          <a:lnRef idx="2">
+            <a:schemeClr val="accent1">
+              <a:shade val="15000"/>
+            </a:schemeClr>
+          </a:lnRef>
+          <a:fillRef idx="1">
+            <a:schemeClr val="accent1"/>
+          </a:fillRef>
+          <a:effectRef idx="0">
+            <a:schemeClr val="accent1"/>
+          </a:effectRef>
+          <a:fontRef idx="minor">
+            <a:schemeClr val="lt1"/>
+          </a:fontRef>
+        </p:style>
+        <p:txBody>
+          <a:bodyPr rtlCol="0" anchor="ctr"/>
+          <a:lstStyle/>
+          <a:p>
+            <a:pPr algn="ctr"/>
+            <a:endParaRPr lang="de-DE" sz="1500"/>
+          </a:p>
+        </p:txBody>
+      </p:sp>
+      <p:sp>
+        <p:nvSpPr>
+          <p:cNvPr id="14" name="Rectangle 13">
+            <a:extLst>
+              <a:ext uri="{FF2B5EF4-FFF2-40B4-BE49-F238E27FC236}">
+                <a16:creationId xmlns:a16="http://schemas.microsoft.com/office/drawing/2014/main" id="{D0BB4F1B-DA72-B936-3FF4-93A9DBE9D16C}"/>
+              </a:ext>
+            </a:extLst>
+          </p:cNvPr>
+          <p:cNvSpPr/>
+          <p:nvPr/>
+        </p:nvSpPr>
+        <p:spPr>
+          <a:xfrm>
+            <a:off x="2460325" y="5544592"/>
+            <a:ext cx="741374" cy="497369"/>
+          </a:xfrm>
+          <a:prstGeom prst="rect">
+            <a:avLst/>
+          </a:prstGeom>
+          <a:noFill/>
+          <a:ln>
+            <a:solidFill>
+              <a:schemeClr val="tx1"/>
+            </a:solidFill>
+          </a:ln>
+        </p:spPr>
+        <p:style>
+          <a:lnRef idx="2">
+            <a:schemeClr val="accent1">
+              <a:shade val="15000"/>
+            </a:schemeClr>
+          </a:lnRef>
+          <a:fillRef idx="1">
+            <a:schemeClr val="accent1"/>
+          </a:fillRef>
+          <a:effectRef idx="0">
+            <a:schemeClr val="accent1"/>
+          </a:effectRef>
+          <a:fontRef idx="minor">
+            <a:schemeClr val="lt1"/>
+          </a:fontRef>
+        </p:style>
+        <p:txBody>
+          <a:bodyPr rtlCol="0" anchor="ctr"/>
+          <a:lstStyle/>
+          <a:p>
+            <a:pPr algn="ctr"/>
+            <a:endParaRPr lang="de-DE" sz="1500"/>
+          </a:p>
+        </p:txBody>
+      </p:sp>
+      <p:sp>
+        <p:nvSpPr>
+          <p:cNvPr id="16" name="Rectangle 15">
+            <a:extLst>
+              <a:ext uri="{FF2B5EF4-FFF2-40B4-BE49-F238E27FC236}">
+                <a16:creationId xmlns:a16="http://schemas.microsoft.com/office/drawing/2014/main" id="{CC685E55-6876-4333-7AC0-3508AA35B08C}"/>
+              </a:ext>
+            </a:extLst>
+          </p:cNvPr>
+          <p:cNvSpPr/>
+          <p:nvPr/>
+        </p:nvSpPr>
+        <p:spPr>
+          <a:xfrm>
+            <a:off x="2460325" y="2127372"/>
+            <a:ext cx="741374" cy="497369"/>
+          </a:xfrm>
+          <a:prstGeom prst="rect">
+            <a:avLst/>
+          </a:prstGeom>
+          <a:noFill/>
+          <a:ln>
+            <a:solidFill>
+              <a:schemeClr val="tx1"/>
+            </a:solidFill>
+          </a:ln>
+        </p:spPr>
+        <p:style>
+          <a:lnRef idx="2">
+            <a:schemeClr val="accent1">
+              <a:shade val="15000"/>
+            </a:schemeClr>
+          </a:lnRef>
+          <a:fillRef idx="1">
+            <a:schemeClr val="accent1"/>
+          </a:fillRef>
+          <a:effectRef idx="0">
+            <a:schemeClr val="accent1"/>
+          </a:effectRef>
+          <a:fontRef idx="minor">
+            <a:schemeClr val="lt1"/>
+          </a:fontRef>
+        </p:style>
+        <p:txBody>
+          <a:bodyPr rtlCol="0" anchor="ctr"/>
+          <a:lstStyle/>
+          <a:p>
+            <a:pPr algn="ctr"/>
+            <a:r>
+              <a:rPr lang="de-DE" sz="1500">
+                <a:solidFill>
+                  <a:schemeClr val="tx1"/>
+                </a:solidFill>
+              </a:rPr>
+              <a:t>CR4</a:t>
+            </a:r>
+            <a:endParaRPr lang="de-DE" sz="1500" dirty="0">
+              <a:solidFill>
+                <a:schemeClr val="tx1"/>
+              </a:solidFill>
+            </a:endParaRPr>
+          </a:p>
+        </p:txBody>
+      </p:sp>
+      <p:sp>
+        <p:nvSpPr>
+          <p:cNvPr id="17" name="Rectangle 16">
+            <a:extLst>
+              <a:ext uri="{FF2B5EF4-FFF2-40B4-BE49-F238E27FC236}">
+                <a16:creationId xmlns:a16="http://schemas.microsoft.com/office/drawing/2014/main" id="{309932F5-9B37-6305-8AA9-5B975A9FB0E6}"/>
+              </a:ext>
+            </a:extLst>
+          </p:cNvPr>
+          <p:cNvSpPr/>
+          <p:nvPr/>
+        </p:nvSpPr>
+        <p:spPr>
+          <a:xfrm>
+            <a:off x="2460325" y="2810816"/>
+            <a:ext cx="741374" cy="497369"/>
+          </a:xfrm>
+          <a:prstGeom prst="rect">
+            <a:avLst/>
+          </a:prstGeom>
+          <a:noFill/>
+          <a:ln>
+            <a:solidFill>
+              <a:schemeClr val="tx1"/>
+            </a:solidFill>
+          </a:ln>
+        </p:spPr>
+        <p:style>
+          <a:lnRef idx="2">
+            <a:schemeClr val="accent1">
+              <a:shade val="15000"/>
+            </a:schemeClr>
+          </a:lnRef>
+          <a:fillRef idx="1">
+            <a:schemeClr val="accent1"/>
+          </a:fillRef>
+          <a:effectRef idx="0">
+            <a:schemeClr val="accent1"/>
+          </a:effectRef>
+          <a:fontRef idx="minor">
+            <a:schemeClr val="lt1"/>
+          </a:fontRef>
+        </p:style>
+        <p:txBody>
+          <a:bodyPr rtlCol="0" anchor="ctr"/>
+          <a:lstStyle/>
+          <a:p>
+            <a:pPr algn="ctr"/>
+            <a:r>
+              <a:rPr lang="de-DE" sz="1500">
+                <a:solidFill>
+                  <a:schemeClr val="tx1"/>
+                </a:solidFill>
+              </a:rPr>
+              <a:t>S1</a:t>
+            </a:r>
+            <a:endParaRPr lang="de-DE" sz="1500" dirty="0">
+              <a:solidFill>
+                <a:schemeClr val="tx1"/>
+              </a:solidFill>
+            </a:endParaRPr>
+          </a:p>
+        </p:txBody>
+      </p:sp>
+      <p:sp>
+        <p:nvSpPr>
+          <p:cNvPr id="18" name="Rectangle 17">
+            <a:extLst>
+              <a:ext uri="{FF2B5EF4-FFF2-40B4-BE49-F238E27FC236}">
+                <a16:creationId xmlns:a16="http://schemas.microsoft.com/office/drawing/2014/main" id="{20B80CB3-224D-B048-CB72-DECA67E7F8D5}"/>
+              </a:ext>
+            </a:extLst>
+          </p:cNvPr>
+          <p:cNvSpPr/>
+          <p:nvPr/>
+        </p:nvSpPr>
+        <p:spPr>
+          <a:xfrm>
+            <a:off x="2460325" y="3494260"/>
+            <a:ext cx="741374" cy="497369"/>
+          </a:xfrm>
+          <a:prstGeom prst="rect">
+            <a:avLst/>
+          </a:prstGeom>
+          <a:noFill/>
+          <a:ln>
+            <a:solidFill>
+              <a:schemeClr val="tx1"/>
+            </a:solidFill>
+          </a:ln>
+        </p:spPr>
+        <p:style>
+          <a:lnRef idx="2">
+            <a:schemeClr val="accent1">
+              <a:shade val="15000"/>
+            </a:schemeClr>
+          </a:lnRef>
+          <a:fillRef idx="1">
+            <a:schemeClr val="accent1"/>
+          </a:fillRef>
+          <a:effectRef idx="0">
+            <a:schemeClr val="accent1"/>
+          </a:effectRef>
+          <a:fontRef idx="minor">
+            <a:schemeClr val="lt1"/>
+          </a:fontRef>
+        </p:style>
+        <p:txBody>
+          <a:bodyPr rtlCol="0" anchor="ctr"/>
+          <a:lstStyle/>
+          <a:p>
+            <a:pPr algn="ctr"/>
+            <a:r>
+              <a:rPr lang="de-DE" sz="1500">
+                <a:solidFill>
+                  <a:schemeClr val="tx1"/>
+                </a:solidFill>
+              </a:rPr>
+              <a:t>S3</a:t>
+            </a:r>
+            <a:endParaRPr lang="de-DE" sz="1500" dirty="0">
+              <a:solidFill>
+                <a:schemeClr val="tx1"/>
+              </a:solidFill>
+            </a:endParaRPr>
+          </a:p>
+        </p:txBody>
+      </p:sp>
+      <p:sp>
+        <p:nvSpPr>
+          <p:cNvPr id="19" name="Rectangle 18">
+            <a:extLst>
+              <a:ext uri="{FF2B5EF4-FFF2-40B4-BE49-F238E27FC236}">
+                <a16:creationId xmlns:a16="http://schemas.microsoft.com/office/drawing/2014/main" id="{23DE303B-A16E-72EC-0D21-8307B86AE0AF}"/>
+              </a:ext>
+            </a:extLst>
+          </p:cNvPr>
+          <p:cNvSpPr/>
+          <p:nvPr/>
+        </p:nvSpPr>
+        <p:spPr>
+          <a:xfrm>
+            <a:off x="2460325" y="4177704"/>
+            <a:ext cx="741374" cy="497369"/>
+          </a:xfrm>
+          <a:prstGeom prst="rect">
+            <a:avLst/>
+          </a:prstGeom>
+          <a:noFill/>
+          <a:ln>
+            <a:solidFill>
+              <a:schemeClr val="tx1"/>
+            </a:solidFill>
+          </a:ln>
+        </p:spPr>
+        <p:style>
+          <a:lnRef idx="2">
+            <a:schemeClr val="accent1">
+              <a:shade val="15000"/>
+            </a:schemeClr>
+          </a:lnRef>
+          <a:fillRef idx="1">
+            <a:schemeClr val="accent1"/>
+          </a:fillRef>
+          <a:effectRef idx="0">
+            <a:schemeClr val="accent1"/>
+          </a:effectRef>
+          <a:fontRef idx="minor">
+            <a:schemeClr val="lt1"/>
+          </a:fontRef>
+        </p:style>
+        <p:txBody>
+          <a:bodyPr rtlCol="0" anchor="ctr"/>
+          <a:lstStyle/>
+          <a:p>
+            <a:pPr algn="ctr"/>
+            <a:r>
+              <a:rPr lang="de-DE" sz="1500">
+                <a:solidFill>
+                  <a:schemeClr val="tx1"/>
+                </a:solidFill>
+              </a:rPr>
+              <a:t>S5</a:t>
+            </a:r>
+            <a:endParaRPr lang="de-DE" sz="1500" dirty="0">
+              <a:solidFill>
+                <a:schemeClr val="tx1"/>
+              </a:solidFill>
+            </a:endParaRPr>
+          </a:p>
+        </p:txBody>
+      </p:sp>
+      <p:sp>
+        <p:nvSpPr>
+          <p:cNvPr id="20" name="Rectangle 19">
+            <a:extLst>
+              <a:ext uri="{FF2B5EF4-FFF2-40B4-BE49-F238E27FC236}">
+                <a16:creationId xmlns:a16="http://schemas.microsoft.com/office/drawing/2014/main" id="{C3B18644-5CB3-0C91-56AE-9DA2233389BA}"/>
+              </a:ext>
+            </a:extLst>
+          </p:cNvPr>
+          <p:cNvSpPr/>
+          <p:nvPr/>
+        </p:nvSpPr>
+        <p:spPr>
+          <a:xfrm>
+            <a:off x="2460325" y="4861148"/>
+            <a:ext cx="741374" cy="497369"/>
+          </a:xfrm>
+          <a:prstGeom prst="rect">
+            <a:avLst/>
+          </a:prstGeom>
+          <a:noFill/>
+          <a:ln>
+            <a:solidFill>
+              <a:schemeClr val="tx1"/>
+            </a:solidFill>
+          </a:ln>
+        </p:spPr>
+        <p:style>
+          <a:lnRef idx="2">
+            <a:schemeClr val="accent1">
+              <a:shade val="15000"/>
+            </a:schemeClr>
+          </a:lnRef>
+          <a:fillRef idx="1">
+            <a:schemeClr val="accent1"/>
+          </a:fillRef>
+          <a:effectRef idx="0">
+            <a:schemeClr val="accent1"/>
+          </a:effectRef>
+          <a:fontRef idx="minor">
+            <a:schemeClr val="lt1"/>
+          </a:fontRef>
+        </p:style>
+        <p:txBody>
+          <a:bodyPr rtlCol="0" anchor="ctr"/>
+          <a:lstStyle/>
+          <a:p>
+            <a:pPr algn="ctr"/>
+            <a:r>
+              <a:rPr lang="de-DE" sz="1500">
+                <a:solidFill>
+                  <a:schemeClr val="tx1"/>
+                </a:solidFill>
+              </a:rPr>
+              <a:t>PI</a:t>
+            </a:r>
+            <a:endParaRPr lang="de-DE" sz="1500" dirty="0">
+              <a:solidFill>
+                <a:schemeClr val="tx1"/>
+              </a:solidFill>
+            </a:endParaRPr>
+          </a:p>
+        </p:txBody>
+      </p:sp>
+      <p:sp>
+        <p:nvSpPr>
+          <p:cNvPr id="21" name="Rectangle 20">
+            <a:extLst>
+              <a:ext uri="{FF2B5EF4-FFF2-40B4-BE49-F238E27FC236}">
+                <a16:creationId xmlns:a16="http://schemas.microsoft.com/office/drawing/2014/main" id="{ED9526D7-F69E-0F33-D841-1369966C4A58}"/>
+              </a:ext>
+            </a:extLst>
+          </p:cNvPr>
+          <p:cNvSpPr/>
+          <p:nvPr/>
+        </p:nvSpPr>
+        <p:spPr>
+          <a:xfrm>
+            <a:off x="2460325" y="5544592"/>
+            <a:ext cx="741374" cy="497369"/>
+          </a:xfrm>
+          <a:prstGeom prst="rect">
+            <a:avLst/>
+          </a:prstGeom>
+          <a:noFill/>
+          <a:ln>
+            <a:solidFill>
+              <a:schemeClr val="tx1"/>
+            </a:solidFill>
+          </a:ln>
+        </p:spPr>
+        <p:style>
+          <a:lnRef idx="2">
+            <a:schemeClr val="accent1">
+              <a:shade val="15000"/>
+            </a:schemeClr>
+          </a:lnRef>
+          <a:fillRef idx="1">
+            <a:schemeClr val="accent1"/>
+          </a:fillRef>
+          <a:effectRef idx="0">
+            <a:schemeClr val="accent1"/>
+          </a:effectRef>
+          <a:fontRef idx="minor">
+            <a:schemeClr val="lt1"/>
+          </a:fontRef>
+        </p:style>
+        <p:txBody>
+          <a:bodyPr rtlCol="0" anchor="ctr"/>
+          <a:lstStyle/>
+          <a:p>
+            <a:pPr algn="ctr"/>
+            <a:r>
+              <a:rPr lang="de-DE" sz="1500">
+                <a:solidFill>
+                  <a:schemeClr val="tx1"/>
+                </a:solidFill>
+              </a:rPr>
+              <a:t>NI</a:t>
+            </a:r>
+            <a:endParaRPr lang="de-DE" sz="1500" dirty="0">
+              <a:solidFill>
+                <a:schemeClr val="tx1"/>
+              </a:solidFill>
+            </a:endParaRPr>
+          </a:p>
+        </p:txBody>
+      </p:sp>
+      <p:sp>
+        <p:nvSpPr>
+          <p:cNvPr id="22" name="Oval 21">
+            <a:extLst>
+              <a:ext uri="{FF2B5EF4-FFF2-40B4-BE49-F238E27FC236}">
+                <a16:creationId xmlns:a16="http://schemas.microsoft.com/office/drawing/2014/main" id="{0797FC81-904F-3FF2-EAD1-8C40F0884DBF}"/>
+              </a:ext>
+            </a:extLst>
+          </p:cNvPr>
+          <p:cNvSpPr/>
+          <p:nvPr/>
+        </p:nvSpPr>
+        <p:spPr>
+          <a:xfrm>
+            <a:off x="777050" y="3044835"/>
+            <a:ext cx="1037005" cy="900343"/>
+          </a:xfrm>
+          <a:prstGeom prst="ellipse">
+            <a:avLst/>
+          </a:prstGeom>
+          <a:noFill/>
+          <a:ln>
+            <a:solidFill>
+              <a:schemeClr val="tx1"/>
+            </a:solidFill>
+          </a:ln>
+        </p:spPr>
+        <p:style>
+          <a:lnRef idx="2">
+            <a:schemeClr val="accent1">
+              <a:shade val="15000"/>
+            </a:schemeClr>
+          </a:lnRef>
+          <a:fillRef idx="1">
+            <a:schemeClr val="accent1"/>
+          </a:fillRef>
+          <a:effectRef idx="0">
+            <a:schemeClr val="accent1"/>
+          </a:effectRef>
+          <a:fontRef idx="minor">
+            <a:schemeClr val="lt1"/>
+          </a:fontRef>
+        </p:style>
+        <p:txBody>
+          <a:bodyPr rtlCol="0" anchor="ctr"/>
+          <a:lstStyle/>
+          <a:p>
+            <a:pPr algn="ctr"/>
+            <a:r>
+              <a:rPr lang="de-DE" sz="1500">
+                <a:solidFill>
+                  <a:schemeClr val="tx1"/>
+                </a:solidFill>
+              </a:rPr>
+              <a:t>Stern-berg</a:t>
+            </a:r>
+            <a:endParaRPr lang="de-DE" sz="1500" dirty="0">
+              <a:solidFill>
+                <a:schemeClr val="tx1"/>
+              </a:solidFill>
+            </a:endParaRPr>
+          </a:p>
+        </p:txBody>
+      </p:sp>
+      <p:sp>
+        <p:nvSpPr>
+          <p:cNvPr id="23" name="Oval 22">
+            <a:extLst>
+              <a:ext uri="{FF2B5EF4-FFF2-40B4-BE49-F238E27FC236}">
+                <a16:creationId xmlns:a16="http://schemas.microsoft.com/office/drawing/2014/main" id="{C4AB0E6D-422A-89A9-A139-41F78989EABD}"/>
+              </a:ext>
+            </a:extLst>
+          </p:cNvPr>
+          <p:cNvSpPr/>
+          <p:nvPr/>
+        </p:nvSpPr>
+        <p:spPr>
+          <a:xfrm>
+            <a:off x="777051" y="4809805"/>
+            <a:ext cx="1037004" cy="910982"/>
+          </a:xfrm>
+          <a:prstGeom prst="ellipse">
+            <a:avLst/>
+          </a:prstGeom>
+          <a:noFill/>
+          <a:ln>
+            <a:solidFill>
+              <a:schemeClr val="tx1"/>
+            </a:solidFill>
+          </a:ln>
+        </p:spPr>
+        <p:style>
+          <a:lnRef idx="2">
+            <a:schemeClr val="accent1">
+              <a:shade val="15000"/>
+            </a:schemeClr>
+          </a:lnRef>
+          <a:fillRef idx="1">
+            <a:schemeClr val="accent1"/>
+          </a:fillRef>
+          <a:effectRef idx="0">
+            <a:schemeClr val="accent1"/>
+          </a:effectRef>
+          <a:fontRef idx="minor">
+            <a:schemeClr val="lt1"/>
+          </a:fontRef>
+        </p:style>
+        <p:txBody>
+          <a:bodyPr rtlCol="0" anchor="ctr"/>
+          <a:lstStyle/>
+          <a:p>
+            <a:pPr algn="ctr"/>
+            <a:r>
+              <a:rPr lang="de-DE" sz="1500" dirty="0">
+                <a:solidFill>
+                  <a:schemeClr val="tx1"/>
+                </a:solidFill>
+              </a:rPr>
+              <a:t>Posner</a:t>
+            </a:r>
+          </a:p>
+        </p:txBody>
+      </p:sp>
+      <p:sp>
+        <p:nvSpPr>
+          <p:cNvPr id="24" name="Oval 23">
+            <a:extLst>
+              <a:ext uri="{FF2B5EF4-FFF2-40B4-BE49-F238E27FC236}">
+                <a16:creationId xmlns:a16="http://schemas.microsoft.com/office/drawing/2014/main" id="{F1F147DD-A511-EB51-9918-87D729719CCA}"/>
+              </a:ext>
+            </a:extLst>
+          </p:cNvPr>
+          <p:cNvSpPr/>
+          <p:nvPr/>
+        </p:nvSpPr>
+        <p:spPr>
+          <a:xfrm>
+            <a:off x="4964037" y="2965284"/>
+            <a:ext cx="941901" cy="862931"/>
+          </a:xfrm>
+          <a:prstGeom prst="ellipse">
+            <a:avLst/>
+          </a:prstGeom>
+          <a:noFill/>
+          <a:ln>
+            <a:solidFill>
+              <a:schemeClr val="tx1"/>
+            </a:solidFill>
+          </a:ln>
+        </p:spPr>
+        <p:style>
+          <a:lnRef idx="2">
+            <a:schemeClr val="accent1">
+              <a:shade val="15000"/>
+            </a:schemeClr>
+          </a:lnRef>
+          <a:fillRef idx="1">
+            <a:schemeClr val="accent1"/>
+          </a:fillRef>
+          <a:effectRef idx="0">
+            <a:schemeClr val="accent1"/>
+          </a:effectRef>
+          <a:fontRef idx="minor">
+            <a:schemeClr val="lt1"/>
+          </a:fontRef>
+        </p:style>
+        <p:txBody>
+          <a:bodyPr rtlCol="0" anchor="ctr"/>
+          <a:lstStyle/>
+          <a:p>
+            <a:pPr algn="ctr"/>
+            <a:r>
+              <a:rPr lang="de-DE" sz="1500" dirty="0">
+                <a:solidFill>
+                  <a:schemeClr val="tx1"/>
+                </a:solidFill>
+              </a:rPr>
+              <a:t>v</a:t>
+            </a:r>
+          </a:p>
+        </p:txBody>
+      </p:sp>
+      <p:cxnSp>
+        <p:nvCxnSpPr>
+          <p:cNvPr id="26" name="Straight Arrow Connector 25">
+            <a:extLst>
+              <a:ext uri="{FF2B5EF4-FFF2-40B4-BE49-F238E27FC236}">
+                <a16:creationId xmlns:a16="http://schemas.microsoft.com/office/drawing/2014/main" id="{EC72ED22-08C2-AAD7-6B8A-91952CE0E45D}"/>
+              </a:ext>
+            </a:extLst>
+          </p:cNvPr>
+          <p:cNvCxnSpPr>
+            <a:cxnSpLocks/>
+            <a:endCxn id="4" idx="1"/>
+          </p:cNvCxnSpPr>
+          <p:nvPr/>
+        </p:nvCxnSpPr>
+        <p:spPr>
+          <a:xfrm>
+            <a:off x="2200134" y="1009169"/>
+            <a:ext cx="260191" cy="0"/>
+          </a:xfrm>
+          <a:prstGeom prst="straightConnector1">
+            <a:avLst/>
+          </a:prstGeom>
+          <a:ln>
+            <a:solidFill>
+              <a:schemeClr val="tx1"/>
+            </a:solidFill>
+            <a:tailEnd type="triangle"/>
+          </a:ln>
+        </p:spPr>
+        <p:style>
+          <a:lnRef idx="2">
+            <a:schemeClr val="accent1"/>
+          </a:lnRef>
+          <a:fillRef idx="0">
+            <a:schemeClr val="accent1"/>
+          </a:fillRef>
+          <a:effectRef idx="1">
+            <a:schemeClr val="accent1"/>
+          </a:effectRef>
+          <a:fontRef idx="minor">
+            <a:schemeClr val="tx1"/>
+          </a:fontRef>
+        </p:style>
+      </p:cxnSp>
+      <p:cxnSp>
+        <p:nvCxnSpPr>
+          <p:cNvPr id="31" name="Straight Arrow Connector 30">
+            <a:extLst>
+              <a:ext uri="{FF2B5EF4-FFF2-40B4-BE49-F238E27FC236}">
+                <a16:creationId xmlns:a16="http://schemas.microsoft.com/office/drawing/2014/main" id="{3F486BDA-DB30-F924-5D29-2A86F08B5D04}"/>
+              </a:ext>
+            </a:extLst>
+          </p:cNvPr>
+          <p:cNvCxnSpPr>
+            <a:cxnSpLocks/>
+            <a:endCxn id="5" idx="1"/>
+          </p:cNvCxnSpPr>
+          <p:nvPr/>
+        </p:nvCxnSpPr>
+        <p:spPr>
+          <a:xfrm>
+            <a:off x="2184334" y="1692601"/>
+            <a:ext cx="275991" cy="12"/>
+          </a:xfrm>
+          <a:prstGeom prst="straightConnector1">
+            <a:avLst/>
+          </a:prstGeom>
+          <a:ln>
+            <a:solidFill>
+              <a:schemeClr val="tx1"/>
+            </a:solidFill>
+            <a:tailEnd type="triangle"/>
+          </a:ln>
+        </p:spPr>
+        <p:style>
+          <a:lnRef idx="2">
+            <a:schemeClr val="accent1"/>
+          </a:lnRef>
+          <a:fillRef idx="0">
+            <a:schemeClr val="accent1"/>
+          </a:fillRef>
+          <a:effectRef idx="1">
+            <a:schemeClr val="accent1"/>
+          </a:effectRef>
+          <a:fontRef idx="minor">
+            <a:schemeClr val="tx1"/>
+          </a:fontRef>
+        </p:style>
+      </p:cxnSp>
+      <p:cxnSp>
+        <p:nvCxnSpPr>
+          <p:cNvPr id="33" name="Straight Arrow Connector 32">
+            <a:extLst>
+              <a:ext uri="{FF2B5EF4-FFF2-40B4-BE49-F238E27FC236}">
+                <a16:creationId xmlns:a16="http://schemas.microsoft.com/office/drawing/2014/main" id="{DE8DE3BF-A4D8-09B8-6E75-A46AF7C23AAF}"/>
+              </a:ext>
+            </a:extLst>
+          </p:cNvPr>
+          <p:cNvCxnSpPr>
+            <a:cxnSpLocks/>
+          </p:cNvCxnSpPr>
+          <p:nvPr/>
+        </p:nvCxnSpPr>
+        <p:spPr>
+          <a:xfrm>
+            <a:off x="2184334" y="2376045"/>
+            <a:ext cx="275990" cy="10"/>
+          </a:xfrm>
+          <a:prstGeom prst="straightConnector1">
+            <a:avLst/>
+          </a:prstGeom>
+          <a:ln>
+            <a:solidFill>
+              <a:schemeClr val="tx1"/>
+            </a:solidFill>
+            <a:tailEnd type="triangle"/>
+          </a:ln>
+        </p:spPr>
+        <p:style>
+          <a:lnRef idx="2">
+            <a:schemeClr val="accent1"/>
+          </a:lnRef>
+          <a:fillRef idx="0">
+            <a:schemeClr val="accent1"/>
+          </a:fillRef>
+          <a:effectRef idx="1">
+            <a:schemeClr val="accent1"/>
+          </a:effectRef>
+          <a:fontRef idx="minor">
+            <a:schemeClr val="tx1"/>
+          </a:fontRef>
+        </p:style>
+      </p:cxnSp>
+      <p:cxnSp>
+        <p:nvCxnSpPr>
+          <p:cNvPr id="35" name="Straight Arrow Connector 34">
+            <a:extLst>
+              <a:ext uri="{FF2B5EF4-FFF2-40B4-BE49-F238E27FC236}">
+                <a16:creationId xmlns:a16="http://schemas.microsoft.com/office/drawing/2014/main" id="{841BAFD9-5089-64BA-AE25-7E712335DC6D}"/>
+              </a:ext>
+            </a:extLst>
+          </p:cNvPr>
+          <p:cNvCxnSpPr>
+            <a:cxnSpLocks/>
+          </p:cNvCxnSpPr>
+          <p:nvPr/>
+        </p:nvCxnSpPr>
+        <p:spPr>
+          <a:xfrm>
+            <a:off x="2170419" y="3059489"/>
+            <a:ext cx="289905" cy="8"/>
+          </a:xfrm>
+          <a:prstGeom prst="straightConnector1">
+            <a:avLst/>
+          </a:prstGeom>
+          <a:ln>
+            <a:solidFill>
+              <a:schemeClr val="tx1"/>
+            </a:solidFill>
+            <a:tailEnd type="triangle"/>
+          </a:ln>
+        </p:spPr>
+        <p:style>
+          <a:lnRef idx="2">
+            <a:schemeClr val="accent1"/>
+          </a:lnRef>
+          <a:fillRef idx="0">
+            <a:schemeClr val="accent1"/>
+          </a:fillRef>
+          <a:effectRef idx="1">
+            <a:schemeClr val="accent1"/>
+          </a:effectRef>
+          <a:fontRef idx="minor">
+            <a:schemeClr val="tx1"/>
+          </a:fontRef>
+        </p:style>
+      </p:cxnSp>
+      <p:cxnSp>
+        <p:nvCxnSpPr>
+          <p:cNvPr id="36" name="Straight Arrow Connector 35">
+            <a:extLst>
+              <a:ext uri="{FF2B5EF4-FFF2-40B4-BE49-F238E27FC236}">
+                <a16:creationId xmlns:a16="http://schemas.microsoft.com/office/drawing/2014/main" id="{F9C0AFBA-87F7-5813-02E2-F28B1A06D48F}"/>
+              </a:ext>
+            </a:extLst>
+          </p:cNvPr>
+          <p:cNvCxnSpPr>
+            <a:cxnSpLocks/>
+          </p:cNvCxnSpPr>
+          <p:nvPr/>
+        </p:nvCxnSpPr>
+        <p:spPr>
+          <a:xfrm>
+            <a:off x="2170419" y="3742939"/>
+            <a:ext cx="289905" cy="0"/>
+          </a:xfrm>
+          <a:prstGeom prst="straightConnector1">
+            <a:avLst/>
+          </a:prstGeom>
+          <a:ln>
+            <a:solidFill>
+              <a:schemeClr val="tx1"/>
+            </a:solidFill>
+            <a:tailEnd type="triangle"/>
+          </a:ln>
+        </p:spPr>
+        <p:style>
+          <a:lnRef idx="2">
+            <a:schemeClr val="accent1"/>
+          </a:lnRef>
+          <a:fillRef idx="0">
+            <a:schemeClr val="accent1"/>
+          </a:fillRef>
+          <a:effectRef idx="1">
+            <a:schemeClr val="accent1"/>
+          </a:effectRef>
+          <a:fontRef idx="minor">
+            <a:schemeClr val="tx1"/>
+          </a:fontRef>
+        </p:style>
+      </p:cxnSp>
+      <p:cxnSp>
+        <p:nvCxnSpPr>
+          <p:cNvPr id="37" name="Straight Arrow Connector 36">
+            <a:extLst>
+              <a:ext uri="{FF2B5EF4-FFF2-40B4-BE49-F238E27FC236}">
+                <a16:creationId xmlns:a16="http://schemas.microsoft.com/office/drawing/2014/main" id="{23C11049-F3EC-79C3-3EDF-6AFBB056331C}"/>
+              </a:ext>
+            </a:extLst>
+          </p:cNvPr>
+          <p:cNvCxnSpPr>
+            <a:cxnSpLocks/>
+          </p:cNvCxnSpPr>
+          <p:nvPr/>
+        </p:nvCxnSpPr>
+        <p:spPr>
+          <a:xfrm>
+            <a:off x="2170419" y="4426373"/>
+            <a:ext cx="289905" cy="8"/>
+          </a:xfrm>
+          <a:prstGeom prst="straightConnector1">
+            <a:avLst/>
+          </a:prstGeom>
+          <a:ln>
+            <a:solidFill>
+              <a:schemeClr val="tx1"/>
+            </a:solidFill>
+            <a:tailEnd type="triangle"/>
+          </a:ln>
+        </p:spPr>
+        <p:style>
+          <a:lnRef idx="2">
+            <a:schemeClr val="accent1"/>
+          </a:lnRef>
+          <a:fillRef idx="0">
+            <a:schemeClr val="accent1"/>
+          </a:fillRef>
+          <a:effectRef idx="1">
+            <a:schemeClr val="accent1"/>
+          </a:effectRef>
+          <a:fontRef idx="minor">
+            <a:schemeClr val="tx1"/>
+          </a:fontRef>
+        </p:style>
+      </p:cxnSp>
+      <p:cxnSp>
+        <p:nvCxnSpPr>
+          <p:cNvPr id="38" name="Straight Arrow Connector 37">
+            <a:extLst>
+              <a:ext uri="{FF2B5EF4-FFF2-40B4-BE49-F238E27FC236}">
+                <a16:creationId xmlns:a16="http://schemas.microsoft.com/office/drawing/2014/main" id="{658C2F19-040A-0D23-2F5F-E967525E5746}"/>
+              </a:ext>
+            </a:extLst>
+          </p:cNvPr>
+          <p:cNvCxnSpPr>
+            <a:cxnSpLocks/>
+          </p:cNvCxnSpPr>
+          <p:nvPr/>
+        </p:nvCxnSpPr>
+        <p:spPr>
+          <a:xfrm>
+            <a:off x="2170419" y="5109823"/>
+            <a:ext cx="289905" cy="0"/>
+          </a:xfrm>
+          <a:prstGeom prst="straightConnector1">
+            <a:avLst/>
+          </a:prstGeom>
+          <a:ln>
+            <a:solidFill>
+              <a:schemeClr val="tx1"/>
+            </a:solidFill>
+            <a:tailEnd type="triangle"/>
+          </a:ln>
+        </p:spPr>
+        <p:style>
+          <a:lnRef idx="2">
+            <a:schemeClr val="accent1"/>
+          </a:lnRef>
+          <a:fillRef idx="0">
+            <a:schemeClr val="accent1"/>
+          </a:fillRef>
+          <a:effectRef idx="1">
+            <a:schemeClr val="accent1"/>
+          </a:effectRef>
+          <a:fontRef idx="minor">
+            <a:schemeClr val="tx1"/>
+          </a:fontRef>
+        </p:style>
+      </p:cxnSp>
+      <p:cxnSp>
+        <p:nvCxnSpPr>
+          <p:cNvPr id="39" name="Straight Arrow Connector 38">
+            <a:extLst>
+              <a:ext uri="{FF2B5EF4-FFF2-40B4-BE49-F238E27FC236}">
+                <a16:creationId xmlns:a16="http://schemas.microsoft.com/office/drawing/2014/main" id="{17551AF4-668F-443E-020B-D46B9872C3D8}"/>
+              </a:ext>
+            </a:extLst>
+          </p:cNvPr>
+          <p:cNvCxnSpPr>
+            <a:cxnSpLocks/>
+          </p:cNvCxnSpPr>
+          <p:nvPr/>
+        </p:nvCxnSpPr>
+        <p:spPr>
+          <a:xfrm>
+            <a:off x="2170419" y="5793265"/>
+            <a:ext cx="289905" cy="0"/>
+          </a:xfrm>
+          <a:prstGeom prst="straightConnector1">
+            <a:avLst/>
+          </a:prstGeom>
+          <a:ln>
+            <a:solidFill>
+              <a:schemeClr val="tx1"/>
+            </a:solidFill>
+            <a:tailEnd type="triangle"/>
+          </a:ln>
+        </p:spPr>
+        <p:style>
+          <a:lnRef idx="2">
+            <a:schemeClr val="accent1"/>
+          </a:lnRef>
+          <a:fillRef idx="0">
+            <a:schemeClr val="accent1"/>
+          </a:fillRef>
+          <a:effectRef idx="1">
+            <a:schemeClr val="accent1"/>
+          </a:effectRef>
+          <a:fontRef idx="minor">
+            <a:schemeClr val="tx1"/>
+          </a:fontRef>
+        </p:style>
+      </p:cxnSp>
+      <p:cxnSp>
+        <p:nvCxnSpPr>
+          <p:cNvPr id="51" name="Straight Arrow Connector 50">
+            <a:extLst>
+              <a:ext uri="{FF2B5EF4-FFF2-40B4-BE49-F238E27FC236}">
+                <a16:creationId xmlns:a16="http://schemas.microsoft.com/office/drawing/2014/main" id="{94D3E2E2-102A-B26D-0B3C-933A4E946D77}"/>
+              </a:ext>
+            </a:extLst>
+          </p:cNvPr>
+          <p:cNvCxnSpPr>
+            <a:cxnSpLocks/>
+            <a:stCxn id="23" idx="6"/>
+            <a:endCxn id="20" idx="1"/>
+          </p:cNvCxnSpPr>
+          <p:nvPr/>
+        </p:nvCxnSpPr>
+        <p:spPr>
+          <a:xfrm flipV="1">
+            <a:off x="1814055" y="5109833"/>
+            <a:ext cx="646270" cy="155463"/>
+          </a:xfrm>
+          <a:prstGeom prst="straightConnector1">
+            <a:avLst/>
+          </a:prstGeom>
+          <a:ln>
+            <a:tailEnd type="triangle"/>
+          </a:ln>
+        </p:spPr>
+        <p:style>
+          <a:lnRef idx="2">
+            <a:schemeClr val="dk1"/>
+          </a:lnRef>
+          <a:fillRef idx="0">
+            <a:schemeClr val="dk1"/>
+          </a:fillRef>
+          <a:effectRef idx="1">
+            <a:schemeClr val="dk1"/>
+          </a:effectRef>
+          <a:fontRef idx="minor">
+            <a:schemeClr val="tx1"/>
+          </a:fontRef>
+        </p:style>
+      </p:cxnSp>
+      <p:cxnSp>
+        <p:nvCxnSpPr>
+          <p:cNvPr id="53" name="Straight Arrow Connector 52">
+            <a:extLst>
+              <a:ext uri="{FF2B5EF4-FFF2-40B4-BE49-F238E27FC236}">
+                <a16:creationId xmlns:a16="http://schemas.microsoft.com/office/drawing/2014/main" id="{84D70CAC-8089-C222-C7D9-3F8095444E7C}"/>
+              </a:ext>
+            </a:extLst>
+          </p:cNvPr>
+          <p:cNvCxnSpPr>
+            <a:cxnSpLocks/>
+            <a:stCxn id="23" idx="6"/>
+            <a:endCxn id="21" idx="1"/>
+          </p:cNvCxnSpPr>
+          <p:nvPr/>
+        </p:nvCxnSpPr>
+        <p:spPr>
+          <a:xfrm>
+            <a:off x="1814055" y="5265296"/>
+            <a:ext cx="646270" cy="527981"/>
+          </a:xfrm>
+          <a:prstGeom prst="straightConnector1">
+            <a:avLst/>
+          </a:prstGeom>
+          <a:ln>
+            <a:tailEnd type="triangle"/>
+          </a:ln>
+        </p:spPr>
+        <p:style>
+          <a:lnRef idx="2">
+            <a:schemeClr val="dk1"/>
+          </a:lnRef>
+          <a:fillRef idx="0">
+            <a:schemeClr val="dk1"/>
+          </a:fillRef>
+          <a:effectRef idx="1">
+            <a:schemeClr val="dk1"/>
+          </a:effectRef>
+          <a:fontRef idx="minor">
+            <a:schemeClr val="tx1"/>
+          </a:fontRef>
+        </p:style>
+      </p:cxnSp>
+      <p:cxnSp>
+        <p:nvCxnSpPr>
+          <p:cNvPr id="55" name="Straight Arrow Connector 54">
+            <a:extLst>
+              <a:ext uri="{FF2B5EF4-FFF2-40B4-BE49-F238E27FC236}">
+                <a16:creationId xmlns:a16="http://schemas.microsoft.com/office/drawing/2014/main" id="{130096E3-78F4-4E71-E5F3-213DC4A73295}"/>
+              </a:ext>
+            </a:extLst>
+          </p:cNvPr>
+          <p:cNvCxnSpPr>
+            <a:cxnSpLocks/>
+            <a:stCxn id="22" idx="6"/>
+            <a:endCxn id="17" idx="1"/>
+          </p:cNvCxnSpPr>
+          <p:nvPr/>
+        </p:nvCxnSpPr>
+        <p:spPr>
+          <a:xfrm flipV="1">
+            <a:off x="1814055" y="3059501"/>
+            <a:ext cx="646270" cy="435506"/>
+          </a:xfrm>
+          <a:prstGeom prst="straightConnector1">
+            <a:avLst/>
+          </a:prstGeom>
+          <a:ln>
+            <a:tailEnd type="triangle"/>
+          </a:ln>
+        </p:spPr>
+        <p:style>
+          <a:lnRef idx="2">
+            <a:schemeClr val="dk1"/>
+          </a:lnRef>
+          <a:fillRef idx="0">
+            <a:schemeClr val="dk1"/>
+          </a:fillRef>
+          <a:effectRef idx="1">
+            <a:schemeClr val="dk1"/>
+          </a:effectRef>
+          <a:fontRef idx="minor">
+            <a:schemeClr val="tx1"/>
+          </a:fontRef>
+        </p:style>
+      </p:cxnSp>
+      <p:cxnSp>
+        <p:nvCxnSpPr>
+          <p:cNvPr id="57" name="Straight Arrow Connector 56">
+            <a:extLst>
+              <a:ext uri="{FF2B5EF4-FFF2-40B4-BE49-F238E27FC236}">
+                <a16:creationId xmlns:a16="http://schemas.microsoft.com/office/drawing/2014/main" id="{99634F62-E44C-C90D-DF5E-BB630C65DD5B}"/>
+              </a:ext>
+            </a:extLst>
+          </p:cNvPr>
+          <p:cNvCxnSpPr>
+            <a:cxnSpLocks/>
+            <a:stCxn id="22" idx="6"/>
+            <a:endCxn id="18" idx="1"/>
+          </p:cNvCxnSpPr>
+          <p:nvPr/>
+        </p:nvCxnSpPr>
+        <p:spPr>
+          <a:xfrm>
+            <a:off x="1814055" y="3495007"/>
+            <a:ext cx="646270" cy="247938"/>
+          </a:xfrm>
+          <a:prstGeom prst="straightConnector1">
+            <a:avLst/>
+          </a:prstGeom>
+          <a:ln>
+            <a:tailEnd type="triangle"/>
+          </a:ln>
+        </p:spPr>
+        <p:style>
+          <a:lnRef idx="2">
+            <a:schemeClr val="dk1"/>
+          </a:lnRef>
+          <a:fillRef idx="0">
+            <a:schemeClr val="dk1"/>
+          </a:fillRef>
+          <a:effectRef idx="1">
+            <a:schemeClr val="dk1"/>
+          </a:effectRef>
+          <a:fontRef idx="minor">
+            <a:schemeClr val="tx1"/>
+          </a:fontRef>
+        </p:style>
+      </p:cxnSp>
+      <p:cxnSp>
+        <p:nvCxnSpPr>
+          <p:cNvPr id="59" name="Straight Arrow Connector 58">
+            <a:extLst>
+              <a:ext uri="{FF2B5EF4-FFF2-40B4-BE49-F238E27FC236}">
+                <a16:creationId xmlns:a16="http://schemas.microsoft.com/office/drawing/2014/main" id="{BD933C42-9D15-7A37-67D8-4D6D815EDD48}"/>
+              </a:ext>
+            </a:extLst>
+          </p:cNvPr>
+          <p:cNvCxnSpPr>
+            <a:cxnSpLocks/>
+            <a:stCxn id="22" idx="6"/>
+            <a:endCxn id="19" idx="1"/>
+          </p:cNvCxnSpPr>
+          <p:nvPr/>
+        </p:nvCxnSpPr>
+        <p:spPr>
+          <a:xfrm>
+            <a:off x="1814055" y="3495007"/>
+            <a:ext cx="646270" cy="931382"/>
+          </a:xfrm>
+          <a:prstGeom prst="straightConnector1">
+            <a:avLst/>
+          </a:prstGeom>
+          <a:ln>
+            <a:tailEnd type="triangle"/>
+          </a:ln>
+        </p:spPr>
+        <p:style>
+          <a:lnRef idx="2">
+            <a:schemeClr val="dk1"/>
+          </a:lnRef>
+          <a:fillRef idx="0">
+            <a:schemeClr val="dk1"/>
+          </a:fillRef>
+          <a:effectRef idx="1">
+            <a:schemeClr val="dk1"/>
+          </a:effectRef>
+          <a:fontRef idx="minor">
+            <a:schemeClr val="tx1"/>
+          </a:fontRef>
+        </p:style>
+      </p:cxnSp>
+      <p:cxnSp>
+        <p:nvCxnSpPr>
+          <p:cNvPr id="66" name="Straight Arrow Connector 65">
+            <a:extLst>
+              <a:ext uri="{FF2B5EF4-FFF2-40B4-BE49-F238E27FC236}">
+                <a16:creationId xmlns:a16="http://schemas.microsoft.com/office/drawing/2014/main" id="{7F62F60F-9274-4729-DFFA-F21407FC0B5C}"/>
+              </a:ext>
+            </a:extLst>
+          </p:cNvPr>
+          <p:cNvCxnSpPr>
+            <a:stCxn id="24" idx="2"/>
+            <a:endCxn id="4" idx="3"/>
+          </p:cNvCxnSpPr>
+          <p:nvPr/>
+        </p:nvCxnSpPr>
+        <p:spPr>
+          <a:xfrm flipH="1" flipV="1">
+            <a:off x="3201699" y="1009169"/>
+            <a:ext cx="1762338" cy="2387581"/>
+          </a:xfrm>
+          <a:prstGeom prst="straightConnector1">
+            <a:avLst/>
+          </a:prstGeom>
+          <a:ln>
+            <a:tailEnd type="triangle"/>
+          </a:ln>
+        </p:spPr>
+        <p:style>
+          <a:lnRef idx="2">
+            <a:schemeClr val="dk1"/>
+          </a:lnRef>
+          <a:fillRef idx="0">
+            <a:schemeClr val="dk1"/>
+          </a:fillRef>
+          <a:effectRef idx="1">
+            <a:schemeClr val="dk1"/>
+          </a:effectRef>
+          <a:fontRef idx="minor">
+            <a:schemeClr val="tx1"/>
+          </a:fontRef>
+        </p:style>
+      </p:cxnSp>
+      <p:cxnSp>
+        <p:nvCxnSpPr>
+          <p:cNvPr id="68" name="Straight Arrow Connector 67">
+            <a:extLst>
+              <a:ext uri="{FF2B5EF4-FFF2-40B4-BE49-F238E27FC236}">
+                <a16:creationId xmlns:a16="http://schemas.microsoft.com/office/drawing/2014/main" id="{0A0C5E9A-9B47-FA13-607F-26D8557A820C}"/>
+              </a:ext>
+            </a:extLst>
+          </p:cNvPr>
+          <p:cNvCxnSpPr>
+            <a:stCxn id="24" idx="2"/>
+            <a:endCxn id="5" idx="3"/>
+          </p:cNvCxnSpPr>
+          <p:nvPr/>
+        </p:nvCxnSpPr>
+        <p:spPr>
+          <a:xfrm flipH="1" flipV="1">
+            <a:off x="3201699" y="1692613"/>
+            <a:ext cx="1762338" cy="1704137"/>
+          </a:xfrm>
+          <a:prstGeom prst="straightConnector1">
+            <a:avLst/>
+          </a:prstGeom>
+          <a:ln>
+            <a:tailEnd type="triangle"/>
+          </a:ln>
+        </p:spPr>
+        <p:style>
+          <a:lnRef idx="2">
+            <a:schemeClr val="dk1"/>
+          </a:lnRef>
+          <a:fillRef idx="0">
+            <a:schemeClr val="dk1"/>
+          </a:fillRef>
+          <a:effectRef idx="1">
+            <a:schemeClr val="dk1"/>
+          </a:effectRef>
+          <a:fontRef idx="minor">
+            <a:schemeClr val="tx1"/>
+          </a:fontRef>
+        </p:style>
+      </p:cxnSp>
+      <p:cxnSp>
+        <p:nvCxnSpPr>
+          <p:cNvPr id="70" name="Straight Arrow Connector 69">
+            <a:extLst>
+              <a:ext uri="{FF2B5EF4-FFF2-40B4-BE49-F238E27FC236}">
+                <a16:creationId xmlns:a16="http://schemas.microsoft.com/office/drawing/2014/main" id="{8E9CF901-999F-43D6-C91E-0BA0837BF540}"/>
+              </a:ext>
+            </a:extLst>
+          </p:cNvPr>
+          <p:cNvCxnSpPr>
+            <a:stCxn id="24" idx="2"/>
+            <a:endCxn id="16" idx="3"/>
+          </p:cNvCxnSpPr>
+          <p:nvPr/>
+        </p:nvCxnSpPr>
+        <p:spPr>
+          <a:xfrm flipH="1" flipV="1">
+            <a:off x="3201699" y="2376057"/>
+            <a:ext cx="1762338" cy="1020693"/>
+          </a:xfrm>
+          <a:prstGeom prst="straightConnector1">
+            <a:avLst/>
+          </a:prstGeom>
+          <a:ln>
+            <a:tailEnd type="triangle"/>
+          </a:ln>
+        </p:spPr>
+        <p:style>
+          <a:lnRef idx="2">
+            <a:schemeClr val="dk1"/>
+          </a:lnRef>
+          <a:fillRef idx="0">
+            <a:schemeClr val="dk1"/>
+          </a:fillRef>
+          <a:effectRef idx="1">
+            <a:schemeClr val="dk1"/>
+          </a:effectRef>
+          <a:fontRef idx="minor">
+            <a:schemeClr val="tx1"/>
+          </a:fontRef>
+        </p:style>
+      </p:cxnSp>
+      <p:cxnSp>
+        <p:nvCxnSpPr>
+          <p:cNvPr id="72" name="Straight Arrow Connector 71">
+            <a:extLst>
+              <a:ext uri="{FF2B5EF4-FFF2-40B4-BE49-F238E27FC236}">
+                <a16:creationId xmlns:a16="http://schemas.microsoft.com/office/drawing/2014/main" id="{9E4EDFAC-1B65-214D-3602-470017F4F582}"/>
+              </a:ext>
+            </a:extLst>
+          </p:cNvPr>
+          <p:cNvCxnSpPr>
+            <a:stCxn id="24" idx="2"/>
+            <a:endCxn id="17" idx="3"/>
+          </p:cNvCxnSpPr>
+          <p:nvPr/>
+        </p:nvCxnSpPr>
+        <p:spPr>
+          <a:xfrm flipH="1" flipV="1">
+            <a:off x="3201699" y="3059501"/>
+            <a:ext cx="1762338" cy="337249"/>
+          </a:xfrm>
+          <a:prstGeom prst="straightConnector1">
+            <a:avLst/>
+          </a:prstGeom>
+          <a:ln>
+            <a:tailEnd type="triangle"/>
+          </a:ln>
+        </p:spPr>
+        <p:style>
+          <a:lnRef idx="2">
+            <a:schemeClr val="dk1"/>
+          </a:lnRef>
+          <a:fillRef idx="0">
+            <a:schemeClr val="dk1"/>
+          </a:fillRef>
+          <a:effectRef idx="1">
+            <a:schemeClr val="dk1"/>
+          </a:effectRef>
+          <a:fontRef idx="minor">
+            <a:schemeClr val="tx1"/>
+          </a:fontRef>
+        </p:style>
+      </p:cxnSp>
+      <p:cxnSp>
+        <p:nvCxnSpPr>
+          <p:cNvPr id="74" name="Straight Arrow Connector 73">
+            <a:extLst>
+              <a:ext uri="{FF2B5EF4-FFF2-40B4-BE49-F238E27FC236}">
+                <a16:creationId xmlns:a16="http://schemas.microsoft.com/office/drawing/2014/main" id="{1ED4004F-2D02-EF7B-73A5-36F3474C1252}"/>
+              </a:ext>
+            </a:extLst>
+          </p:cNvPr>
+          <p:cNvCxnSpPr>
+            <a:stCxn id="24" idx="2"/>
+            <a:endCxn id="18" idx="3"/>
+          </p:cNvCxnSpPr>
+          <p:nvPr/>
+        </p:nvCxnSpPr>
+        <p:spPr>
+          <a:xfrm flipH="1">
+            <a:off x="3201699" y="3396750"/>
+            <a:ext cx="1762338" cy="346195"/>
+          </a:xfrm>
+          <a:prstGeom prst="straightConnector1">
+            <a:avLst/>
+          </a:prstGeom>
+          <a:ln>
+            <a:tailEnd type="triangle"/>
+          </a:ln>
+        </p:spPr>
+        <p:style>
+          <a:lnRef idx="2">
+            <a:schemeClr val="dk1"/>
+          </a:lnRef>
+          <a:fillRef idx="0">
+            <a:schemeClr val="dk1"/>
+          </a:fillRef>
+          <a:effectRef idx="1">
+            <a:schemeClr val="dk1"/>
+          </a:effectRef>
+          <a:fontRef idx="minor">
+            <a:schemeClr val="tx1"/>
+          </a:fontRef>
+        </p:style>
+      </p:cxnSp>
+      <p:cxnSp>
+        <p:nvCxnSpPr>
+          <p:cNvPr id="76" name="Straight Arrow Connector 75">
+            <a:extLst>
+              <a:ext uri="{FF2B5EF4-FFF2-40B4-BE49-F238E27FC236}">
+                <a16:creationId xmlns:a16="http://schemas.microsoft.com/office/drawing/2014/main" id="{20EF0ED9-19B9-B904-80E5-A51244BF4017}"/>
+              </a:ext>
+            </a:extLst>
+          </p:cNvPr>
+          <p:cNvCxnSpPr>
+            <a:stCxn id="24" idx="2"/>
+            <a:endCxn id="19" idx="3"/>
+          </p:cNvCxnSpPr>
+          <p:nvPr/>
+        </p:nvCxnSpPr>
+        <p:spPr>
+          <a:xfrm flipH="1">
+            <a:off x="3201699" y="3396750"/>
+            <a:ext cx="1762338" cy="1029639"/>
+          </a:xfrm>
+          <a:prstGeom prst="straightConnector1">
+            <a:avLst/>
+          </a:prstGeom>
+          <a:ln>
+            <a:tailEnd type="triangle"/>
+          </a:ln>
+        </p:spPr>
+        <p:style>
+          <a:lnRef idx="2">
+            <a:schemeClr val="dk1"/>
+          </a:lnRef>
+          <a:fillRef idx="0">
+            <a:schemeClr val="dk1"/>
+          </a:fillRef>
+          <a:effectRef idx="1">
+            <a:schemeClr val="dk1"/>
+          </a:effectRef>
+          <a:fontRef idx="minor">
+            <a:schemeClr val="tx1"/>
+          </a:fontRef>
+        </p:style>
+      </p:cxnSp>
+      <p:cxnSp>
+        <p:nvCxnSpPr>
+          <p:cNvPr id="78" name="Straight Arrow Connector 77">
+            <a:extLst>
+              <a:ext uri="{FF2B5EF4-FFF2-40B4-BE49-F238E27FC236}">
+                <a16:creationId xmlns:a16="http://schemas.microsoft.com/office/drawing/2014/main" id="{BF19EEF8-0550-4C7F-8998-27C81F10003B}"/>
+              </a:ext>
+            </a:extLst>
+          </p:cNvPr>
+          <p:cNvCxnSpPr>
+            <a:stCxn id="24" idx="2"/>
+            <a:endCxn id="20" idx="3"/>
+          </p:cNvCxnSpPr>
+          <p:nvPr/>
+        </p:nvCxnSpPr>
+        <p:spPr>
+          <a:xfrm flipH="1">
+            <a:off x="3201699" y="3396750"/>
+            <a:ext cx="1762338" cy="1713083"/>
+          </a:xfrm>
+          <a:prstGeom prst="straightConnector1">
+            <a:avLst/>
+          </a:prstGeom>
+          <a:ln>
+            <a:tailEnd type="triangle"/>
+          </a:ln>
+        </p:spPr>
+        <p:style>
+          <a:lnRef idx="2">
+            <a:schemeClr val="dk1"/>
+          </a:lnRef>
+          <a:fillRef idx="0">
+            <a:schemeClr val="dk1"/>
+          </a:fillRef>
+          <a:effectRef idx="1">
+            <a:schemeClr val="dk1"/>
+          </a:effectRef>
+          <a:fontRef idx="minor">
+            <a:schemeClr val="tx1"/>
+          </a:fontRef>
+        </p:style>
+      </p:cxnSp>
+      <p:cxnSp>
+        <p:nvCxnSpPr>
+          <p:cNvPr id="80" name="Straight Arrow Connector 79">
+            <a:extLst>
+              <a:ext uri="{FF2B5EF4-FFF2-40B4-BE49-F238E27FC236}">
+                <a16:creationId xmlns:a16="http://schemas.microsoft.com/office/drawing/2014/main" id="{F0A2168B-93C6-0736-63BE-B9E902DEAF41}"/>
+              </a:ext>
+            </a:extLst>
+          </p:cNvPr>
+          <p:cNvCxnSpPr>
+            <a:stCxn id="24" idx="2"/>
+            <a:endCxn id="21" idx="3"/>
+          </p:cNvCxnSpPr>
+          <p:nvPr/>
+        </p:nvCxnSpPr>
+        <p:spPr>
+          <a:xfrm flipH="1">
+            <a:off x="3201699" y="3396750"/>
+            <a:ext cx="1762338" cy="2396527"/>
+          </a:xfrm>
+          <a:prstGeom prst="straightConnector1">
+            <a:avLst/>
+          </a:prstGeom>
+          <a:ln>
+            <a:tailEnd type="triangle"/>
+          </a:ln>
+        </p:spPr>
+        <p:style>
+          <a:lnRef idx="2">
+            <a:schemeClr val="dk1"/>
+          </a:lnRef>
+          <a:fillRef idx="0">
+            <a:schemeClr val="dk1"/>
+          </a:fillRef>
+          <a:effectRef idx="1">
+            <a:schemeClr val="dk1"/>
+          </a:effectRef>
+          <a:fontRef idx="minor">
+            <a:schemeClr val="tx1"/>
+          </a:fontRef>
+        </p:style>
+      </p:cxnSp>
+      <p:sp>
+        <p:nvSpPr>
+          <p:cNvPr id="96" name="Rectangle 95">
+            <a:extLst>
+              <a:ext uri="{FF2B5EF4-FFF2-40B4-BE49-F238E27FC236}">
+                <a16:creationId xmlns:a16="http://schemas.microsoft.com/office/drawing/2014/main" id="{9471F040-7A4C-D930-4108-D1F90737C84B}"/>
+              </a:ext>
+            </a:extLst>
+          </p:cNvPr>
+          <p:cNvSpPr/>
+          <p:nvPr/>
+        </p:nvSpPr>
+        <p:spPr>
+          <a:xfrm>
+            <a:off x="9927925" y="1766324"/>
+            <a:ext cx="741374" cy="497369"/>
+          </a:xfrm>
+          <a:prstGeom prst="rect">
+            <a:avLst/>
+          </a:prstGeom>
+          <a:noFill/>
+          <a:ln>
+            <a:solidFill>
+              <a:schemeClr val="tx1"/>
+            </a:solidFill>
+          </a:ln>
+        </p:spPr>
+        <p:style>
+          <a:lnRef idx="2">
+            <a:schemeClr val="accent1">
+              <a:shade val="15000"/>
+            </a:schemeClr>
+          </a:lnRef>
+          <a:fillRef idx="1">
+            <a:schemeClr val="accent1"/>
+          </a:fillRef>
+          <a:effectRef idx="0">
+            <a:schemeClr val="accent1"/>
+          </a:effectRef>
+          <a:fontRef idx="minor">
+            <a:schemeClr val="lt1"/>
+          </a:fontRef>
+        </p:style>
+        <p:txBody>
+          <a:bodyPr rtlCol="0" anchor="ctr"/>
+          <a:lstStyle/>
+          <a:p>
+            <a:pPr algn="ctr"/>
+            <a:r>
+              <a:rPr lang="de-DE" sz="1500">
+                <a:solidFill>
+                  <a:schemeClr val="tx1"/>
+                </a:solidFill>
+              </a:rPr>
+              <a:t>PC</a:t>
+            </a:r>
+            <a:endParaRPr lang="de-DE" sz="1500" dirty="0">
+              <a:solidFill>
+                <a:schemeClr val="tx1"/>
+              </a:solidFill>
+            </a:endParaRPr>
+          </a:p>
+        </p:txBody>
+      </p:sp>
+      <p:sp>
+        <p:nvSpPr>
+          <p:cNvPr id="97" name="Rectangle 96">
+            <a:extLst>
+              <a:ext uri="{FF2B5EF4-FFF2-40B4-BE49-F238E27FC236}">
+                <a16:creationId xmlns:a16="http://schemas.microsoft.com/office/drawing/2014/main" id="{7BD20C36-8ECB-1970-88F3-44131CEE57E9}"/>
+              </a:ext>
+            </a:extLst>
+          </p:cNvPr>
+          <p:cNvSpPr/>
+          <p:nvPr/>
+        </p:nvSpPr>
+        <p:spPr>
+          <a:xfrm>
+            <a:off x="9927925" y="2449768"/>
+            <a:ext cx="741374" cy="497369"/>
+          </a:xfrm>
+          <a:prstGeom prst="rect">
+            <a:avLst/>
+          </a:prstGeom>
+          <a:noFill/>
+          <a:ln>
+            <a:solidFill>
+              <a:schemeClr val="tx1"/>
+            </a:solidFill>
+          </a:ln>
+        </p:spPr>
+        <p:style>
+          <a:lnRef idx="2">
+            <a:schemeClr val="accent1">
+              <a:shade val="15000"/>
+            </a:schemeClr>
+          </a:lnRef>
+          <a:fillRef idx="1">
+            <a:schemeClr val="accent1"/>
+          </a:fillRef>
+          <a:effectRef idx="0">
+            <a:schemeClr val="accent1"/>
+          </a:effectRef>
+          <a:fontRef idx="minor">
+            <a:schemeClr val="lt1"/>
+          </a:fontRef>
+        </p:style>
+        <p:txBody>
+          <a:bodyPr rtlCol="0" anchor="ctr"/>
+          <a:lstStyle/>
+          <a:p>
+            <a:pPr algn="ctr"/>
+            <a:r>
+              <a:rPr lang="de-DE" sz="1500">
+                <a:solidFill>
+                  <a:schemeClr val="tx1"/>
+                </a:solidFill>
+              </a:rPr>
+              <a:t>PS</a:t>
+            </a:r>
+            <a:endParaRPr lang="de-DE" sz="1500" dirty="0">
+              <a:solidFill>
+                <a:schemeClr val="tx1"/>
+              </a:solidFill>
+            </a:endParaRPr>
+          </a:p>
+        </p:txBody>
+      </p:sp>
+      <p:sp>
+        <p:nvSpPr>
+          <p:cNvPr id="98" name="Rectangle 97">
+            <a:extLst>
+              <a:ext uri="{FF2B5EF4-FFF2-40B4-BE49-F238E27FC236}">
+                <a16:creationId xmlns:a16="http://schemas.microsoft.com/office/drawing/2014/main" id="{C6DC6B2C-BBEF-A58C-8C6D-0B7AEFC80093}"/>
+              </a:ext>
+            </a:extLst>
+          </p:cNvPr>
+          <p:cNvSpPr/>
+          <p:nvPr/>
+        </p:nvSpPr>
+        <p:spPr>
+          <a:xfrm>
+            <a:off x="9927925" y="3133212"/>
+            <a:ext cx="741374" cy="497369"/>
+          </a:xfrm>
+          <a:prstGeom prst="rect">
+            <a:avLst/>
+          </a:prstGeom>
+          <a:noFill/>
+          <a:ln>
+            <a:solidFill>
+              <a:schemeClr val="tx1"/>
+            </a:solidFill>
+          </a:ln>
+        </p:spPr>
+        <p:style>
+          <a:lnRef idx="2">
+            <a:schemeClr val="accent1">
+              <a:shade val="15000"/>
+            </a:schemeClr>
+          </a:lnRef>
+          <a:fillRef idx="1">
+            <a:schemeClr val="accent1"/>
+          </a:fillRef>
+          <a:effectRef idx="0">
+            <a:schemeClr val="accent1"/>
+          </a:effectRef>
+          <a:fontRef idx="minor">
+            <a:schemeClr val="lt1"/>
+          </a:fontRef>
+        </p:style>
+        <p:txBody>
+          <a:bodyPr rtlCol="0" anchor="ctr"/>
+          <a:lstStyle/>
+          <a:p>
+            <a:pPr algn="ctr"/>
+            <a:r>
+              <a:rPr lang="de-DE" sz="1500">
+                <a:solidFill>
+                  <a:schemeClr val="tx1"/>
+                </a:solidFill>
+              </a:rPr>
+              <a:t>C</a:t>
+            </a:r>
+            <a:endParaRPr lang="de-DE" sz="1500" dirty="0">
+              <a:solidFill>
+                <a:schemeClr val="tx1"/>
+              </a:solidFill>
+            </a:endParaRPr>
+          </a:p>
+        </p:txBody>
+      </p:sp>
+      <p:sp>
+        <p:nvSpPr>
+          <p:cNvPr id="99" name="Rectangle 98">
+            <a:extLst>
+              <a:ext uri="{FF2B5EF4-FFF2-40B4-BE49-F238E27FC236}">
+                <a16:creationId xmlns:a16="http://schemas.microsoft.com/office/drawing/2014/main" id="{2D6B6CDA-7B02-87CF-58E1-2D48B5D7C835}"/>
+              </a:ext>
+            </a:extLst>
+          </p:cNvPr>
+          <p:cNvSpPr/>
+          <p:nvPr/>
+        </p:nvSpPr>
+        <p:spPr>
+          <a:xfrm>
+            <a:off x="9927925" y="3816656"/>
+            <a:ext cx="741374" cy="497369"/>
+          </a:xfrm>
+          <a:prstGeom prst="rect">
+            <a:avLst/>
+          </a:prstGeom>
+          <a:noFill/>
+          <a:ln>
+            <a:solidFill>
+              <a:schemeClr val="tx1"/>
+            </a:solidFill>
+          </a:ln>
+        </p:spPr>
+        <p:style>
+          <a:lnRef idx="2">
+            <a:schemeClr val="accent1">
+              <a:shade val="15000"/>
+            </a:schemeClr>
+          </a:lnRef>
+          <a:fillRef idx="1">
+            <a:schemeClr val="accent1"/>
+          </a:fillRef>
+          <a:effectRef idx="0">
+            <a:schemeClr val="accent1"/>
+          </a:effectRef>
+          <a:fontRef idx="minor">
+            <a:schemeClr val="lt1"/>
+          </a:fontRef>
+        </p:style>
+        <p:txBody>
+          <a:bodyPr rtlCol="0" anchor="ctr"/>
+          <a:lstStyle/>
+          <a:p>
+            <a:pPr algn="ctr"/>
+            <a:r>
+              <a:rPr lang="de-DE" sz="1500">
+                <a:solidFill>
+                  <a:schemeClr val="tx1"/>
+                </a:solidFill>
+              </a:rPr>
+              <a:t>M</a:t>
+            </a:r>
+            <a:endParaRPr lang="de-DE" sz="1500" dirty="0">
+              <a:solidFill>
+                <a:schemeClr val="tx1"/>
+              </a:solidFill>
+            </a:endParaRPr>
+          </a:p>
+        </p:txBody>
+      </p:sp>
+      <p:sp>
+        <p:nvSpPr>
+          <p:cNvPr id="100" name="Rectangle 99">
+            <a:extLst>
+              <a:ext uri="{FF2B5EF4-FFF2-40B4-BE49-F238E27FC236}">
+                <a16:creationId xmlns:a16="http://schemas.microsoft.com/office/drawing/2014/main" id="{14CCB358-2D7B-FC3C-23BC-F30426893437}"/>
+              </a:ext>
+            </a:extLst>
+          </p:cNvPr>
+          <p:cNvSpPr/>
+          <p:nvPr/>
+        </p:nvSpPr>
+        <p:spPr>
+          <a:xfrm>
+            <a:off x="9927925" y="4500100"/>
+            <a:ext cx="741374" cy="497369"/>
+          </a:xfrm>
+          <a:prstGeom prst="rect">
+            <a:avLst/>
+          </a:prstGeom>
+          <a:noFill/>
+          <a:ln>
+            <a:solidFill>
+              <a:schemeClr val="tx1"/>
+            </a:solidFill>
+          </a:ln>
+        </p:spPr>
+        <p:style>
+          <a:lnRef idx="2">
+            <a:schemeClr val="accent1">
+              <a:shade val="15000"/>
+            </a:schemeClr>
+          </a:lnRef>
+          <a:fillRef idx="1">
+            <a:schemeClr val="accent1"/>
+          </a:fillRef>
+          <a:effectRef idx="0">
+            <a:schemeClr val="accent1"/>
+          </a:effectRef>
+          <a:fontRef idx="minor">
+            <a:schemeClr val="lt1"/>
+          </a:fontRef>
+        </p:style>
+        <p:txBody>
+          <a:bodyPr rtlCol="0" anchor="ctr"/>
+          <a:lstStyle/>
+          <a:p>
+            <a:pPr algn="ctr"/>
+            <a:r>
+              <a:rPr lang="de-DE" sz="1500">
+                <a:solidFill>
+                  <a:schemeClr val="tx1"/>
+                </a:solidFill>
+              </a:rPr>
+              <a:t>APM</a:t>
+            </a:r>
+            <a:endParaRPr lang="de-DE" sz="1500" dirty="0">
+              <a:solidFill>
+                <a:schemeClr val="tx1"/>
+              </a:solidFill>
+            </a:endParaRPr>
+          </a:p>
+        </p:txBody>
+      </p:sp>
+      <p:cxnSp>
+        <p:nvCxnSpPr>
+          <p:cNvPr id="101" name="Straight Arrow Connector 100">
+            <a:extLst>
+              <a:ext uri="{FF2B5EF4-FFF2-40B4-BE49-F238E27FC236}">
+                <a16:creationId xmlns:a16="http://schemas.microsoft.com/office/drawing/2014/main" id="{2B245052-DCB8-6A56-E565-8FC84230BA57}"/>
+              </a:ext>
+            </a:extLst>
+          </p:cNvPr>
+          <p:cNvCxnSpPr>
+            <a:cxnSpLocks/>
+            <a:endCxn id="96" idx="3"/>
+          </p:cNvCxnSpPr>
+          <p:nvPr/>
+        </p:nvCxnSpPr>
+        <p:spPr>
+          <a:xfrm flipH="1">
+            <a:off x="10669299" y="2015009"/>
+            <a:ext cx="235768" cy="0"/>
+          </a:xfrm>
+          <a:prstGeom prst="straightConnector1">
+            <a:avLst/>
+          </a:prstGeom>
+          <a:ln>
+            <a:solidFill>
+              <a:schemeClr val="tx1"/>
+            </a:solidFill>
+            <a:tailEnd type="triangle"/>
+          </a:ln>
+        </p:spPr>
+        <p:style>
+          <a:lnRef idx="2">
+            <a:schemeClr val="accent1"/>
+          </a:lnRef>
+          <a:fillRef idx="0">
+            <a:schemeClr val="accent1"/>
+          </a:fillRef>
+          <a:effectRef idx="1">
+            <a:schemeClr val="accent1"/>
+          </a:effectRef>
+          <a:fontRef idx="minor">
+            <a:schemeClr val="tx1"/>
+          </a:fontRef>
+        </p:style>
+      </p:cxnSp>
+      <p:cxnSp>
+        <p:nvCxnSpPr>
+          <p:cNvPr id="108" name="Straight Arrow Connector 107">
+            <a:extLst>
+              <a:ext uri="{FF2B5EF4-FFF2-40B4-BE49-F238E27FC236}">
+                <a16:creationId xmlns:a16="http://schemas.microsoft.com/office/drawing/2014/main" id="{824BD270-FFC8-72F9-1E7E-94FE3903FAA5}"/>
+              </a:ext>
+            </a:extLst>
+          </p:cNvPr>
+          <p:cNvCxnSpPr>
+            <a:cxnSpLocks/>
+            <a:endCxn id="97" idx="3"/>
+          </p:cNvCxnSpPr>
+          <p:nvPr/>
+        </p:nvCxnSpPr>
+        <p:spPr>
+          <a:xfrm flipH="1">
+            <a:off x="10669299" y="2695729"/>
+            <a:ext cx="235768" cy="2724"/>
+          </a:xfrm>
+          <a:prstGeom prst="straightConnector1">
+            <a:avLst/>
+          </a:prstGeom>
+          <a:ln>
+            <a:solidFill>
+              <a:schemeClr val="tx1"/>
+            </a:solidFill>
+            <a:tailEnd type="triangle"/>
+          </a:ln>
+        </p:spPr>
+        <p:style>
+          <a:lnRef idx="2">
+            <a:schemeClr val="accent1"/>
+          </a:lnRef>
+          <a:fillRef idx="0">
+            <a:schemeClr val="accent1"/>
+          </a:fillRef>
+          <a:effectRef idx="1">
+            <a:schemeClr val="accent1"/>
+          </a:effectRef>
+          <a:fontRef idx="minor">
+            <a:schemeClr val="tx1"/>
+          </a:fontRef>
+        </p:style>
+      </p:cxnSp>
+      <p:cxnSp>
+        <p:nvCxnSpPr>
+          <p:cNvPr id="110" name="Straight Arrow Connector 109">
+            <a:extLst>
+              <a:ext uri="{FF2B5EF4-FFF2-40B4-BE49-F238E27FC236}">
+                <a16:creationId xmlns:a16="http://schemas.microsoft.com/office/drawing/2014/main" id="{446D8874-8A65-8C47-0238-68B9274C0AEB}"/>
+              </a:ext>
+            </a:extLst>
+          </p:cNvPr>
+          <p:cNvCxnSpPr>
+            <a:cxnSpLocks/>
+            <a:endCxn id="98" idx="3"/>
+          </p:cNvCxnSpPr>
+          <p:nvPr/>
+        </p:nvCxnSpPr>
+        <p:spPr>
+          <a:xfrm flipH="1">
+            <a:off x="10669299" y="3379172"/>
+            <a:ext cx="222222" cy="2725"/>
+          </a:xfrm>
+          <a:prstGeom prst="straightConnector1">
+            <a:avLst/>
+          </a:prstGeom>
+          <a:ln>
+            <a:solidFill>
+              <a:schemeClr val="tx1"/>
+            </a:solidFill>
+            <a:tailEnd type="triangle"/>
+          </a:ln>
+        </p:spPr>
+        <p:style>
+          <a:lnRef idx="2">
+            <a:schemeClr val="accent1"/>
+          </a:lnRef>
+          <a:fillRef idx="0">
+            <a:schemeClr val="accent1"/>
+          </a:fillRef>
+          <a:effectRef idx="1">
+            <a:schemeClr val="accent1"/>
+          </a:effectRef>
+          <a:fontRef idx="minor">
+            <a:schemeClr val="tx1"/>
+          </a:fontRef>
+        </p:style>
+      </p:cxnSp>
+      <p:cxnSp>
+        <p:nvCxnSpPr>
+          <p:cNvPr id="112" name="Straight Arrow Connector 111">
+            <a:extLst>
+              <a:ext uri="{FF2B5EF4-FFF2-40B4-BE49-F238E27FC236}">
+                <a16:creationId xmlns:a16="http://schemas.microsoft.com/office/drawing/2014/main" id="{5C306DC7-9EFA-76AF-18EA-161BEBA29FE1}"/>
+              </a:ext>
+            </a:extLst>
+          </p:cNvPr>
+          <p:cNvCxnSpPr>
+            <a:cxnSpLocks/>
+            <a:endCxn id="99" idx="3"/>
+          </p:cNvCxnSpPr>
+          <p:nvPr/>
+        </p:nvCxnSpPr>
+        <p:spPr>
+          <a:xfrm flipH="1">
+            <a:off x="10669299" y="4062616"/>
+            <a:ext cx="235768" cy="2725"/>
+          </a:xfrm>
+          <a:prstGeom prst="straightConnector1">
+            <a:avLst/>
+          </a:prstGeom>
+          <a:ln>
+            <a:solidFill>
+              <a:schemeClr val="tx1"/>
+            </a:solidFill>
+            <a:tailEnd type="triangle"/>
+          </a:ln>
+        </p:spPr>
+        <p:style>
+          <a:lnRef idx="2">
+            <a:schemeClr val="accent1"/>
+          </a:lnRef>
+          <a:fillRef idx="0">
+            <a:schemeClr val="accent1"/>
+          </a:fillRef>
+          <a:effectRef idx="1">
+            <a:schemeClr val="accent1"/>
+          </a:effectRef>
+          <a:fontRef idx="minor">
+            <a:schemeClr val="tx1"/>
+          </a:fontRef>
+        </p:style>
+      </p:cxnSp>
+      <p:cxnSp>
+        <p:nvCxnSpPr>
+          <p:cNvPr id="114" name="Straight Arrow Connector 113">
+            <a:extLst>
+              <a:ext uri="{FF2B5EF4-FFF2-40B4-BE49-F238E27FC236}">
+                <a16:creationId xmlns:a16="http://schemas.microsoft.com/office/drawing/2014/main" id="{AEF969E7-EB86-EB7F-4DDC-F935763D0AB9}"/>
+              </a:ext>
+            </a:extLst>
+          </p:cNvPr>
+          <p:cNvCxnSpPr>
+            <a:cxnSpLocks/>
+            <a:endCxn id="100" idx="3"/>
+          </p:cNvCxnSpPr>
+          <p:nvPr/>
+        </p:nvCxnSpPr>
+        <p:spPr>
+          <a:xfrm flipH="1">
+            <a:off x="10669299" y="4748785"/>
+            <a:ext cx="222222" cy="0"/>
+          </a:xfrm>
+          <a:prstGeom prst="straightConnector1">
+            <a:avLst/>
+          </a:prstGeom>
+          <a:ln>
+            <a:solidFill>
+              <a:schemeClr val="tx1"/>
+            </a:solidFill>
+            <a:tailEnd type="triangle"/>
+          </a:ln>
+        </p:spPr>
+        <p:style>
+          <a:lnRef idx="2">
+            <a:schemeClr val="accent1"/>
+          </a:lnRef>
+          <a:fillRef idx="0">
+            <a:schemeClr val="accent1"/>
+          </a:fillRef>
+          <a:effectRef idx="1">
+            <a:schemeClr val="accent1"/>
+          </a:effectRef>
+          <a:fontRef idx="minor">
+            <a:schemeClr val="tx1"/>
+          </a:fontRef>
+        </p:style>
+      </p:cxnSp>
+      <p:sp>
+        <p:nvSpPr>
+          <p:cNvPr id="120" name="Oval 119">
+            <a:extLst>
+              <a:ext uri="{FF2B5EF4-FFF2-40B4-BE49-F238E27FC236}">
+                <a16:creationId xmlns:a16="http://schemas.microsoft.com/office/drawing/2014/main" id="{60A45E20-56FE-6AC5-AD0F-937569D25868}"/>
+              </a:ext>
+            </a:extLst>
+          </p:cNvPr>
+          <p:cNvSpPr/>
+          <p:nvPr/>
+        </p:nvSpPr>
+        <p:spPr>
+          <a:xfrm>
+            <a:off x="7197325" y="2965284"/>
+            <a:ext cx="941901" cy="862931"/>
+          </a:xfrm>
+          <a:prstGeom prst="ellipse">
+            <a:avLst/>
+          </a:prstGeom>
+          <a:noFill/>
+          <a:ln>
+            <a:solidFill>
+              <a:schemeClr val="tx1"/>
+            </a:solidFill>
+          </a:ln>
+        </p:spPr>
+        <p:style>
+          <a:lnRef idx="2">
+            <a:schemeClr val="accent1">
+              <a:shade val="15000"/>
+            </a:schemeClr>
+          </a:lnRef>
+          <a:fillRef idx="1">
+            <a:schemeClr val="accent1"/>
+          </a:fillRef>
+          <a:effectRef idx="0">
+            <a:schemeClr val="accent1"/>
+          </a:effectRef>
+          <a:fontRef idx="minor">
+            <a:schemeClr val="lt1"/>
+          </a:fontRef>
+        </p:style>
+        <p:txBody>
+          <a:bodyPr rtlCol="0" anchor="ctr"/>
+          <a:lstStyle/>
+          <a:p>
+            <a:pPr algn="ctr"/>
+            <a:r>
+              <a:rPr lang="de-DE" sz="1500">
+                <a:solidFill>
+                  <a:schemeClr val="tx1"/>
+                </a:solidFill>
+              </a:rPr>
+              <a:t>g</a:t>
+            </a:r>
+            <a:endParaRPr lang="de-DE" sz="1500" dirty="0">
+              <a:solidFill>
+                <a:schemeClr val="tx1"/>
+              </a:solidFill>
+            </a:endParaRPr>
+          </a:p>
+        </p:txBody>
+      </p:sp>
+      <p:cxnSp>
+        <p:nvCxnSpPr>
+          <p:cNvPr id="121" name="Straight Arrow Connector 120">
+            <a:extLst>
+              <a:ext uri="{FF2B5EF4-FFF2-40B4-BE49-F238E27FC236}">
+                <a16:creationId xmlns:a16="http://schemas.microsoft.com/office/drawing/2014/main" id="{F908E196-CCD0-09B8-2F6B-33C64C961F72}"/>
+              </a:ext>
+            </a:extLst>
+          </p:cNvPr>
+          <p:cNvCxnSpPr>
+            <a:cxnSpLocks/>
+            <a:stCxn id="120" idx="6"/>
+            <a:endCxn id="96" idx="1"/>
+          </p:cNvCxnSpPr>
+          <p:nvPr/>
+        </p:nvCxnSpPr>
+        <p:spPr>
+          <a:xfrm flipV="1">
+            <a:off x="8139226" y="2015009"/>
+            <a:ext cx="1788699" cy="1381741"/>
+          </a:xfrm>
+          <a:prstGeom prst="straightConnector1">
+            <a:avLst/>
+          </a:prstGeom>
+          <a:ln>
+            <a:tailEnd type="triangle"/>
+          </a:ln>
+        </p:spPr>
+        <p:style>
+          <a:lnRef idx="2">
+            <a:schemeClr val="dk1"/>
+          </a:lnRef>
+          <a:fillRef idx="0">
+            <a:schemeClr val="dk1"/>
+          </a:fillRef>
+          <a:effectRef idx="1">
+            <a:schemeClr val="dk1"/>
+          </a:effectRef>
+          <a:fontRef idx="minor">
+            <a:schemeClr val="tx1"/>
+          </a:fontRef>
+        </p:style>
+      </p:cxnSp>
+      <p:cxnSp>
+        <p:nvCxnSpPr>
+          <p:cNvPr id="124" name="Straight Arrow Connector 123">
+            <a:extLst>
+              <a:ext uri="{FF2B5EF4-FFF2-40B4-BE49-F238E27FC236}">
+                <a16:creationId xmlns:a16="http://schemas.microsoft.com/office/drawing/2014/main" id="{6F2E83DC-C9D1-BF2B-E568-04CEBA081059}"/>
+              </a:ext>
+            </a:extLst>
+          </p:cNvPr>
+          <p:cNvCxnSpPr>
+            <a:cxnSpLocks/>
+            <a:stCxn id="120" idx="6"/>
+            <a:endCxn id="97" idx="1"/>
+          </p:cNvCxnSpPr>
+          <p:nvPr/>
+        </p:nvCxnSpPr>
+        <p:spPr>
+          <a:xfrm flipV="1">
+            <a:off x="8139226" y="2698453"/>
+            <a:ext cx="1788699" cy="698297"/>
+          </a:xfrm>
+          <a:prstGeom prst="straightConnector1">
+            <a:avLst/>
+          </a:prstGeom>
+          <a:ln>
+            <a:tailEnd type="triangle"/>
+          </a:ln>
+        </p:spPr>
+        <p:style>
+          <a:lnRef idx="2">
+            <a:schemeClr val="dk1"/>
+          </a:lnRef>
+          <a:fillRef idx="0">
+            <a:schemeClr val="dk1"/>
+          </a:fillRef>
+          <a:effectRef idx="1">
+            <a:schemeClr val="dk1"/>
+          </a:effectRef>
+          <a:fontRef idx="minor">
+            <a:schemeClr val="tx1"/>
+          </a:fontRef>
+        </p:style>
+      </p:cxnSp>
+      <p:cxnSp>
+        <p:nvCxnSpPr>
+          <p:cNvPr id="127" name="Straight Arrow Connector 126">
+            <a:extLst>
+              <a:ext uri="{FF2B5EF4-FFF2-40B4-BE49-F238E27FC236}">
+                <a16:creationId xmlns:a16="http://schemas.microsoft.com/office/drawing/2014/main" id="{1D7DE8A4-8C1C-4F5B-A71F-BB0E098094BC}"/>
+              </a:ext>
+            </a:extLst>
+          </p:cNvPr>
+          <p:cNvCxnSpPr>
+            <a:cxnSpLocks/>
+            <a:stCxn id="120" idx="6"/>
+            <a:endCxn id="98" idx="1"/>
+          </p:cNvCxnSpPr>
+          <p:nvPr/>
+        </p:nvCxnSpPr>
+        <p:spPr>
+          <a:xfrm flipV="1">
+            <a:off x="8139226" y="3381897"/>
+            <a:ext cx="1788699" cy="14853"/>
+          </a:xfrm>
+          <a:prstGeom prst="straightConnector1">
+            <a:avLst/>
+          </a:prstGeom>
+          <a:ln>
+            <a:tailEnd type="triangle"/>
+          </a:ln>
+        </p:spPr>
+        <p:style>
+          <a:lnRef idx="2">
+            <a:schemeClr val="dk1"/>
+          </a:lnRef>
+          <a:fillRef idx="0">
+            <a:schemeClr val="dk1"/>
+          </a:fillRef>
+          <a:effectRef idx="1">
+            <a:schemeClr val="dk1"/>
+          </a:effectRef>
+          <a:fontRef idx="minor">
+            <a:schemeClr val="tx1"/>
+          </a:fontRef>
+        </p:style>
+      </p:cxnSp>
+      <p:cxnSp>
+        <p:nvCxnSpPr>
+          <p:cNvPr id="130" name="Straight Arrow Connector 129">
+            <a:extLst>
+              <a:ext uri="{FF2B5EF4-FFF2-40B4-BE49-F238E27FC236}">
+                <a16:creationId xmlns:a16="http://schemas.microsoft.com/office/drawing/2014/main" id="{FF22C9E5-75D5-A2B8-D65A-4544E70D0145}"/>
+              </a:ext>
+            </a:extLst>
+          </p:cNvPr>
+          <p:cNvCxnSpPr>
+            <a:cxnSpLocks/>
+            <a:stCxn id="120" idx="6"/>
+            <a:endCxn id="99" idx="1"/>
+          </p:cNvCxnSpPr>
+          <p:nvPr/>
+        </p:nvCxnSpPr>
+        <p:spPr>
+          <a:xfrm>
+            <a:off x="8139226" y="3396750"/>
+            <a:ext cx="1788699" cy="668591"/>
+          </a:xfrm>
+          <a:prstGeom prst="straightConnector1">
+            <a:avLst/>
+          </a:prstGeom>
+          <a:ln>
+            <a:tailEnd type="triangle"/>
+          </a:ln>
+        </p:spPr>
+        <p:style>
+          <a:lnRef idx="2">
+            <a:schemeClr val="dk1"/>
+          </a:lnRef>
+          <a:fillRef idx="0">
+            <a:schemeClr val="dk1"/>
+          </a:fillRef>
+          <a:effectRef idx="1">
+            <a:schemeClr val="dk1"/>
+          </a:effectRef>
+          <a:fontRef idx="minor">
+            <a:schemeClr val="tx1"/>
+          </a:fontRef>
+        </p:style>
+      </p:cxnSp>
+      <p:cxnSp>
+        <p:nvCxnSpPr>
+          <p:cNvPr id="134" name="Straight Arrow Connector 133">
+            <a:extLst>
+              <a:ext uri="{FF2B5EF4-FFF2-40B4-BE49-F238E27FC236}">
+                <a16:creationId xmlns:a16="http://schemas.microsoft.com/office/drawing/2014/main" id="{957C400D-E0A0-F61A-6DE7-C856C70AC4C2}"/>
+              </a:ext>
+            </a:extLst>
+          </p:cNvPr>
+          <p:cNvCxnSpPr>
+            <a:cxnSpLocks/>
+            <a:stCxn id="120" idx="6"/>
+            <a:endCxn id="100" idx="1"/>
+          </p:cNvCxnSpPr>
+          <p:nvPr/>
+        </p:nvCxnSpPr>
+        <p:spPr>
+          <a:xfrm>
+            <a:off x="8139226" y="3396750"/>
+            <a:ext cx="1788699" cy="1352035"/>
+          </a:xfrm>
+          <a:prstGeom prst="straightConnector1">
+            <a:avLst/>
+          </a:prstGeom>
+          <a:ln>
+            <a:tailEnd type="triangle"/>
+          </a:ln>
+        </p:spPr>
+        <p:style>
+          <a:lnRef idx="2">
+            <a:schemeClr val="dk1"/>
+          </a:lnRef>
+          <a:fillRef idx="0">
+            <a:schemeClr val="dk1"/>
+          </a:fillRef>
+          <a:effectRef idx="1">
+            <a:schemeClr val="dk1"/>
+          </a:effectRef>
+          <a:fontRef idx="minor">
+            <a:schemeClr val="tx1"/>
+          </a:fontRef>
+        </p:style>
+      </p:cxnSp>
+      <p:cxnSp>
+        <p:nvCxnSpPr>
+          <p:cNvPr id="148" name="Connector: Curved 147">
+            <a:extLst>
+              <a:ext uri="{FF2B5EF4-FFF2-40B4-BE49-F238E27FC236}">
+                <a16:creationId xmlns:a16="http://schemas.microsoft.com/office/drawing/2014/main" id="{1D1E8439-F248-C4EB-4C84-42CD79BA7FD4}"/>
+              </a:ext>
+            </a:extLst>
+          </p:cNvPr>
+          <p:cNvCxnSpPr>
+            <a:stCxn id="24" idx="7"/>
+            <a:endCxn id="120" idx="1"/>
+          </p:cNvCxnSpPr>
+          <p:nvPr/>
+        </p:nvCxnSpPr>
+        <p:spPr>
+          <a:xfrm rot="5400000" flipH="1" flipV="1">
+            <a:off x="6551631" y="2308026"/>
+            <a:ext cx="12700" cy="1567263"/>
+          </a:xfrm>
+          <a:prstGeom prst="curvedConnector3">
+            <a:avLst>
+              <a:gd name="adj1" fmla="val 2795063"/>
+            </a:avLst>
+          </a:prstGeom>
+          <a:ln>
+            <a:headEnd type="triangle"/>
+            <a:tailEnd type="triangle"/>
+          </a:ln>
+        </p:spPr>
+        <p:style>
+          <a:lnRef idx="2">
+            <a:schemeClr val="dk1"/>
+          </a:lnRef>
+          <a:fillRef idx="0">
+            <a:schemeClr val="dk1"/>
+          </a:fillRef>
+          <a:effectRef idx="1">
+            <a:schemeClr val="dk1"/>
+          </a:effectRef>
+          <a:fontRef idx="minor">
+            <a:schemeClr val="tx1"/>
+          </a:fontRef>
+        </p:style>
+      </p:cxnSp>
+      <p:sp>
+        <p:nvSpPr>
+          <p:cNvPr id="149" name="TextBox 148">
+            <a:extLst>
+              <a:ext uri="{FF2B5EF4-FFF2-40B4-BE49-F238E27FC236}">
+                <a16:creationId xmlns:a16="http://schemas.microsoft.com/office/drawing/2014/main" id="{499DC01A-2CA4-AD0A-2018-D74D9864203B}"/>
+              </a:ext>
+            </a:extLst>
+          </p:cNvPr>
+          <p:cNvSpPr txBox="1"/>
+          <p:nvPr/>
+        </p:nvSpPr>
+        <p:spPr>
+          <a:xfrm>
+            <a:off x="3324205" y="1013534"/>
+            <a:ext cx="476277" cy="323165"/>
+          </a:xfrm>
+          <a:prstGeom prst="rect">
+            <a:avLst/>
+          </a:prstGeom>
+          <a:noFill/>
+        </p:spPr>
+        <p:txBody>
+          <a:bodyPr wrap="square" rtlCol="0">
+            <a:spAutoFit/>
+          </a:bodyPr>
+          <a:lstStyle/>
+          <a:p>
+            <a:r>
+              <a:rPr lang="de-DE" sz="1500" dirty="0"/>
+              <a:t>.63</a:t>
+            </a:r>
+          </a:p>
+        </p:txBody>
+      </p:sp>
+      <p:sp>
+        <p:nvSpPr>
+          <p:cNvPr id="150" name="TextBox 149">
+            <a:extLst>
+              <a:ext uri="{FF2B5EF4-FFF2-40B4-BE49-F238E27FC236}">
+                <a16:creationId xmlns:a16="http://schemas.microsoft.com/office/drawing/2014/main" id="{BB0F4E85-79CD-4427-10E1-8941CEF8C72D}"/>
+              </a:ext>
+            </a:extLst>
+          </p:cNvPr>
+          <p:cNvSpPr txBox="1"/>
+          <p:nvPr/>
+        </p:nvSpPr>
+        <p:spPr>
+          <a:xfrm>
+            <a:off x="3324405" y="1670525"/>
+            <a:ext cx="476277" cy="323165"/>
+          </a:xfrm>
+          <a:prstGeom prst="rect">
+            <a:avLst/>
+          </a:prstGeom>
+          <a:noFill/>
+        </p:spPr>
+        <p:txBody>
+          <a:bodyPr wrap="square" rtlCol="0">
+            <a:spAutoFit/>
+          </a:bodyPr>
+          <a:lstStyle/>
+          <a:p>
+            <a:r>
+              <a:rPr lang="de-DE" sz="1500" dirty="0"/>
+              <a:t>.70</a:t>
+            </a:r>
+          </a:p>
+        </p:txBody>
+      </p:sp>
+      <p:sp>
+        <p:nvSpPr>
+          <p:cNvPr id="151" name="TextBox 150">
+            <a:extLst>
+              <a:ext uri="{FF2B5EF4-FFF2-40B4-BE49-F238E27FC236}">
+                <a16:creationId xmlns:a16="http://schemas.microsoft.com/office/drawing/2014/main" id="{6FD349BA-E7C9-8372-8019-BA258D56E6B2}"/>
+              </a:ext>
+            </a:extLst>
+          </p:cNvPr>
+          <p:cNvSpPr txBox="1"/>
+          <p:nvPr/>
+        </p:nvSpPr>
+        <p:spPr>
+          <a:xfrm>
+            <a:off x="3324205" y="2236966"/>
+            <a:ext cx="476277" cy="323165"/>
+          </a:xfrm>
+          <a:prstGeom prst="rect">
+            <a:avLst/>
+          </a:prstGeom>
+          <a:noFill/>
+        </p:spPr>
+        <p:txBody>
+          <a:bodyPr wrap="square" rtlCol="0">
+            <a:spAutoFit/>
+          </a:bodyPr>
+          <a:lstStyle/>
+          <a:p>
+            <a:r>
+              <a:rPr lang="de-DE" sz="1500" dirty="0"/>
+              <a:t>.54</a:t>
+            </a:r>
+          </a:p>
+        </p:txBody>
+      </p:sp>
+      <p:sp>
+        <p:nvSpPr>
+          <p:cNvPr id="152" name="TextBox 151">
+            <a:extLst>
+              <a:ext uri="{FF2B5EF4-FFF2-40B4-BE49-F238E27FC236}">
+                <a16:creationId xmlns:a16="http://schemas.microsoft.com/office/drawing/2014/main" id="{65F56C43-61E4-1D0D-1317-64B1DD5F55F7}"/>
+              </a:ext>
+            </a:extLst>
+          </p:cNvPr>
+          <p:cNvSpPr txBox="1"/>
+          <p:nvPr/>
+        </p:nvSpPr>
+        <p:spPr>
+          <a:xfrm>
+            <a:off x="3324204" y="2788963"/>
+            <a:ext cx="476277" cy="323165"/>
+          </a:xfrm>
+          <a:prstGeom prst="rect">
+            <a:avLst/>
+          </a:prstGeom>
+          <a:noFill/>
+        </p:spPr>
+        <p:txBody>
+          <a:bodyPr wrap="square" rtlCol="0">
+            <a:spAutoFit/>
+          </a:bodyPr>
+          <a:lstStyle/>
+          <a:p>
+            <a:r>
+              <a:rPr lang="de-DE" sz="1500" dirty="0"/>
+              <a:t>.74</a:t>
+            </a:r>
+          </a:p>
+        </p:txBody>
+      </p:sp>
+      <p:sp>
+        <p:nvSpPr>
+          <p:cNvPr id="153" name="TextBox 152">
+            <a:extLst>
+              <a:ext uri="{FF2B5EF4-FFF2-40B4-BE49-F238E27FC236}">
+                <a16:creationId xmlns:a16="http://schemas.microsoft.com/office/drawing/2014/main" id="{D6435012-8EC4-39A6-DC12-4E44F5D42F25}"/>
+              </a:ext>
+            </a:extLst>
+          </p:cNvPr>
+          <p:cNvSpPr txBox="1"/>
+          <p:nvPr/>
+        </p:nvSpPr>
+        <p:spPr>
+          <a:xfrm>
+            <a:off x="3322988" y="3355913"/>
+            <a:ext cx="476277" cy="323165"/>
+          </a:xfrm>
+          <a:prstGeom prst="rect">
+            <a:avLst/>
+          </a:prstGeom>
+          <a:noFill/>
+        </p:spPr>
+        <p:txBody>
+          <a:bodyPr wrap="square" rtlCol="0">
+            <a:spAutoFit/>
+          </a:bodyPr>
+          <a:lstStyle/>
+          <a:p>
+            <a:r>
+              <a:rPr lang="de-DE" sz="1500" dirty="0"/>
+              <a:t>.80</a:t>
+            </a:r>
+          </a:p>
+        </p:txBody>
+      </p:sp>
+      <p:sp>
+        <p:nvSpPr>
+          <p:cNvPr id="154" name="TextBox 153">
+            <a:extLst>
+              <a:ext uri="{FF2B5EF4-FFF2-40B4-BE49-F238E27FC236}">
+                <a16:creationId xmlns:a16="http://schemas.microsoft.com/office/drawing/2014/main" id="{203D24AB-6F42-9F49-8D30-B213DDA7E8B3}"/>
+              </a:ext>
+            </a:extLst>
+          </p:cNvPr>
+          <p:cNvSpPr txBox="1"/>
+          <p:nvPr/>
+        </p:nvSpPr>
+        <p:spPr>
+          <a:xfrm>
+            <a:off x="3322987" y="3961375"/>
+            <a:ext cx="476277" cy="323165"/>
+          </a:xfrm>
+          <a:prstGeom prst="rect">
+            <a:avLst/>
+          </a:prstGeom>
+          <a:noFill/>
+        </p:spPr>
+        <p:txBody>
+          <a:bodyPr wrap="square" rtlCol="0">
+            <a:spAutoFit/>
+          </a:bodyPr>
+          <a:lstStyle/>
+          <a:p>
+            <a:r>
+              <a:rPr lang="de-DE" sz="1500" dirty="0"/>
+              <a:t>.64</a:t>
+            </a:r>
+          </a:p>
+        </p:txBody>
+      </p:sp>
+      <p:sp>
+        <p:nvSpPr>
+          <p:cNvPr id="155" name="TextBox 154">
+            <a:extLst>
+              <a:ext uri="{FF2B5EF4-FFF2-40B4-BE49-F238E27FC236}">
+                <a16:creationId xmlns:a16="http://schemas.microsoft.com/office/drawing/2014/main" id="{B2221983-98C8-832C-F913-623B1616D29B}"/>
+              </a:ext>
+            </a:extLst>
+          </p:cNvPr>
+          <p:cNvSpPr txBox="1"/>
+          <p:nvPr/>
+        </p:nvSpPr>
+        <p:spPr>
+          <a:xfrm>
+            <a:off x="3334247" y="4486639"/>
+            <a:ext cx="476277" cy="323165"/>
+          </a:xfrm>
+          <a:prstGeom prst="rect">
+            <a:avLst/>
+          </a:prstGeom>
+          <a:noFill/>
+        </p:spPr>
+        <p:txBody>
+          <a:bodyPr wrap="square" rtlCol="0">
+            <a:spAutoFit/>
+          </a:bodyPr>
+          <a:lstStyle/>
+          <a:p>
+            <a:r>
+              <a:rPr lang="de-DE" sz="1500" dirty="0"/>
+              <a:t>.84</a:t>
+            </a:r>
+          </a:p>
+        </p:txBody>
+      </p:sp>
+      <p:sp>
+        <p:nvSpPr>
+          <p:cNvPr id="156" name="TextBox 155">
+            <a:extLst>
+              <a:ext uri="{FF2B5EF4-FFF2-40B4-BE49-F238E27FC236}">
+                <a16:creationId xmlns:a16="http://schemas.microsoft.com/office/drawing/2014/main" id="{23302CD2-A32F-D6D5-C47D-B1802BF9BA36}"/>
+              </a:ext>
+            </a:extLst>
+          </p:cNvPr>
+          <p:cNvSpPr txBox="1"/>
+          <p:nvPr/>
+        </p:nvSpPr>
+        <p:spPr>
+          <a:xfrm>
+            <a:off x="3322986" y="5023450"/>
+            <a:ext cx="476277" cy="323165"/>
+          </a:xfrm>
+          <a:prstGeom prst="rect">
+            <a:avLst/>
+          </a:prstGeom>
+          <a:noFill/>
+        </p:spPr>
+        <p:txBody>
+          <a:bodyPr wrap="square" rtlCol="0">
+            <a:spAutoFit/>
+          </a:bodyPr>
+          <a:lstStyle/>
+          <a:p>
+            <a:r>
+              <a:rPr lang="de-DE" sz="1500" dirty="0"/>
+              <a:t>.79</a:t>
+            </a:r>
+          </a:p>
+        </p:txBody>
+      </p:sp>
+      <p:sp>
+        <p:nvSpPr>
+          <p:cNvPr id="160" name="TextBox 159">
+            <a:extLst>
+              <a:ext uri="{FF2B5EF4-FFF2-40B4-BE49-F238E27FC236}">
+                <a16:creationId xmlns:a16="http://schemas.microsoft.com/office/drawing/2014/main" id="{24D8C87B-23F4-4A9B-18E6-41CB8004BB4E}"/>
+              </a:ext>
+            </a:extLst>
+          </p:cNvPr>
+          <p:cNvSpPr txBox="1"/>
+          <p:nvPr/>
+        </p:nvSpPr>
+        <p:spPr>
+          <a:xfrm>
+            <a:off x="9331394" y="1906751"/>
+            <a:ext cx="476277" cy="323165"/>
+          </a:xfrm>
+          <a:prstGeom prst="rect">
+            <a:avLst/>
+          </a:prstGeom>
+          <a:noFill/>
+        </p:spPr>
+        <p:txBody>
+          <a:bodyPr wrap="square" rtlCol="0">
+            <a:spAutoFit/>
+          </a:bodyPr>
+          <a:lstStyle/>
+          <a:p>
+            <a:r>
+              <a:rPr lang="de-DE" sz="1500" dirty="0"/>
+              <a:t>.96</a:t>
+            </a:r>
+          </a:p>
+        </p:txBody>
+      </p:sp>
+      <p:sp>
+        <p:nvSpPr>
+          <p:cNvPr id="162" name="TextBox 161">
+            <a:extLst>
+              <a:ext uri="{FF2B5EF4-FFF2-40B4-BE49-F238E27FC236}">
+                <a16:creationId xmlns:a16="http://schemas.microsoft.com/office/drawing/2014/main" id="{EA2711D9-FD57-4772-514B-09184915D347}"/>
+              </a:ext>
+            </a:extLst>
+          </p:cNvPr>
+          <p:cNvSpPr txBox="1"/>
+          <p:nvPr/>
+        </p:nvSpPr>
+        <p:spPr>
+          <a:xfrm>
+            <a:off x="9331394" y="2542742"/>
+            <a:ext cx="476277" cy="323165"/>
+          </a:xfrm>
+          <a:prstGeom prst="rect">
+            <a:avLst/>
+          </a:prstGeom>
+          <a:noFill/>
+        </p:spPr>
+        <p:txBody>
+          <a:bodyPr wrap="square" rtlCol="0">
+            <a:spAutoFit/>
+          </a:bodyPr>
+          <a:lstStyle/>
+          <a:p>
+            <a:r>
+              <a:rPr lang="de-DE" sz="1500" dirty="0"/>
+              <a:t>.69</a:t>
+            </a:r>
+          </a:p>
+        </p:txBody>
+      </p:sp>
+      <p:sp>
+        <p:nvSpPr>
+          <p:cNvPr id="163" name="TextBox 162">
+            <a:extLst>
+              <a:ext uri="{FF2B5EF4-FFF2-40B4-BE49-F238E27FC236}">
+                <a16:creationId xmlns:a16="http://schemas.microsoft.com/office/drawing/2014/main" id="{06E78E7F-EE99-CB41-F9DA-BDC3938A4B8D}"/>
+              </a:ext>
+            </a:extLst>
+          </p:cNvPr>
+          <p:cNvSpPr txBox="1"/>
+          <p:nvPr/>
+        </p:nvSpPr>
+        <p:spPr>
+          <a:xfrm>
+            <a:off x="9331278" y="3109692"/>
+            <a:ext cx="476277" cy="323165"/>
+          </a:xfrm>
+          <a:prstGeom prst="rect">
+            <a:avLst/>
+          </a:prstGeom>
+          <a:noFill/>
+        </p:spPr>
+        <p:txBody>
+          <a:bodyPr wrap="square" rtlCol="0">
+            <a:spAutoFit/>
+          </a:bodyPr>
+          <a:lstStyle/>
+          <a:p>
+            <a:r>
+              <a:rPr lang="de-DE" sz="1500" dirty="0"/>
+              <a:t>.62</a:t>
+            </a:r>
+          </a:p>
+        </p:txBody>
+      </p:sp>
+      <p:sp>
+        <p:nvSpPr>
+          <p:cNvPr id="164" name="TextBox 163">
+            <a:extLst>
+              <a:ext uri="{FF2B5EF4-FFF2-40B4-BE49-F238E27FC236}">
+                <a16:creationId xmlns:a16="http://schemas.microsoft.com/office/drawing/2014/main" id="{180FA7F8-6221-3565-8AD5-05CFD9271295}"/>
+              </a:ext>
+            </a:extLst>
+          </p:cNvPr>
+          <p:cNvSpPr txBox="1"/>
+          <p:nvPr/>
+        </p:nvSpPr>
+        <p:spPr>
+          <a:xfrm>
+            <a:off x="9330911" y="3615361"/>
+            <a:ext cx="476277" cy="323165"/>
+          </a:xfrm>
+          <a:prstGeom prst="rect">
+            <a:avLst/>
+          </a:prstGeom>
+          <a:noFill/>
+        </p:spPr>
+        <p:txBody>
+          <a:bodyPr wrap="square" rtlCol="0">
+            <a:spAutoFit/>
+          </a:bodyPr>
+          <a:lstStyle/>
+          <a:p>
+            <a:r>
+              <a:rPr lang="de-DE" sz="1500" dirty="0"/>
+              <a:t>.66</a:t>
+            </a:r>
+          </a:p>
+        </p:txBody>
+      </p:sp>
+      <p:sp>
+        <p:nvSpPr>
+          <p:cNvPr id="165" name="TextBox 164">
+            <a:extLst>
+              <a:ext uri="{FF2B5EF4-FFF2-40B4-BE49-F238E27FC236}">
+                <a16:creationId xmlns:a16="http://schemas.microsoft.com/office/drawing/2014/main" id="{2DF5FE90-2705-9239-9C75-62C8428454ED}"/>
+              </a:ext>
+            </a:extLst>
+          </p:cNvPr>
+          <p:cNvSpPr txBox="1"/>
+          <p:nvPr/>
+        </p:nvSpPr>
+        <p:spPr>
+          <a:xfrm>
+            <a:off x="9343975" y="4135163"/>
+            <a:ext cx="476277" cy="323165"/>
+          </a:xfrm>
+          <a:prstGeom prst="rect">
+            <a:avLst/>
+          </a:prstGeom>
+          <a:noFill/>
+        </p:spPr>
+        <p:txBody>
+          <a:bodyPr wrap="square" rtlCol="0">
+            <a:spAutoFit/>
+          </a:bodyPr>
+          <a:lstStyle/>
+          <a:p>
+            <a:r>
+              <a:rPr lang="de-DE" sz="1500" dirty="0"/>
+              <a:t>.79</a:t>
+            </a:r>
+          </a:p>
+        </p:txBody>
+      </p:sp>
+      <p:sp>
+        <p:nvSpPr>
+          <p:cNvPr id="166" name="TextBox 165">
+            <a:extLst>
+              <a:ext uri="{FF2B5EF4-FFF2-40B4-BE49-F238E27FC236}">
+                <a16:creationId xmlns:a16="http://schemas.microsoft.com/office/drawing/2014/main" id="{FF5F5900-3306-12DC-DF87-12309687B847}"/>
+              </a:ext>
+            </a:extLst>
+          </p:cNvPr>
+          <p:cNvSpPr txBox="1"/>
+          <p:nvPr/>
+        </p:nvSpPr>
+        <p:spPr>
+          <a:xfrm>
+            <a:off x="6278840" y="2403696"/>
+            <a:ext cx="696831" cy="323165"/>
+          </a:xfrm>
+          <a:prstGeom prst="rect">
+            <a:avLst/>
+          </a:prstGeom>
+          <a:noFill/>
+        </p:spPr>
+        <p:txBody>
+          <a:bodyPr wrap="square" rtlCol="0">
+            <a:spAutoFit/>
+          </a:bodyPr>
+          <a:lstStyle/>
+          <a:p>
+            <a:r>
+              <a:rPr lang="de-DE" sz="1500" dirty="0"/>
+              <a:t>.35</a:t>
+            </a:r>
+          </a:p>
+        </p:txBody>
+      </p:sp>
+      <p:sp>
+        <p:nvSpPr>
+          <p:cNvPr id="167" name="TextBox 166">
+            <a:extLst>
+              <a:ext uri="{FF2B5EF4-FFF2-40B4-BE49-F238E27FC236}">
+                <a16:creationId xmlns:a16="http://schemas.microsoft.com/office/drawing/2014/main" id="{8508089A-616A-C0D2-56A6-FFEA870ED105}"/>
+              </a:ext>
+            </a:extLst>
+          </p:cNvPr>
+          <p:cNvSpPr txBox="1"/>
+          <p:nvPr/>
+        </p:nvSpPr>
+        <p:spPr>
+          <a:xfrm>
+            <a:off x="1723857" y="886044"/>
+            <a:ext cx="476277" cy="323165"/>
+          </a:xfrm>
+          <a:prstGeom prst="rect">
+            <a:avLst/>
+          </a:prstGeom>
+          <a:noFill/>
+        </p:spPr>
+        <p:txBody>
+          <a:bodyPr wrap="square" rtlCol="0">
+            <a:spAutoFit/>
+          </a:bodyPr>
+          <a:lstStyle/>
+          <a:p>
+            <a:pPr algn="r"/>
+            <a:r>
+              <a:rPr lang="de-DE" sz="1500" dirty="0"/>
+              <a:t>.33</a:t>
+            </a:r>
+          </a:p>
+        </p:txBody>
+      </p:sp>
+      <p:sp>
+        <p:nvSpPr>
+          <p:cNvPr id="168" name="TextBox 167">
+            <a:extLst>
+              <a:ext uri="{FF2B5EF4-FFF2-40B4-BE49-F238E27FC236}">
+                <a16:creationId xmlns:a16="http://schemas.microsoft.com/office/drawing/2014/main" id="{02AB0721-956C-162C-1953-E5E8780E3EC2}"/>
+              </a:ext>
+            </a:extLst>
+          </p:cNvPr>
+          <p:cNvSpPr txBox="1"/>
+          <p:nvPr/>
+        </p:nvSpPr>
+        <p:spPr>
+          <a:xfrm>
+            <a:off x="1723857" y="1586477"/>
+            <a:ext cx="476277" cy="323165"/>
+          </a:xfrm>
+          <a:prstGeom prst="rect">
+            <a:avLst/>
+          </a:prstGeom>
+          <a:noFill/>
+        </p:spPr>
+        <p:txBody>
+          <a:bodyPr wrap="square" rtlCol="0">
+            <a:spAutoFit/>
+          </a:bodyPr>
+          <a:lstStyle/>
+          <a:p>
+            <a:pPr algn="r"/>
+            <a:r>
+              <a:rPr lang="de-DE" sz="1500" dirty="0"/>
+              <a:t>.23</a:t>
+            </a:r>
+          </a:p>
+        </p:txBody>
+      </p:sp>
+      <p:sp>
+        <p:nvSpPr>
+          <p:cNvPr id="169" name="TextBox 168">
+            <a:extLst>
+              <a:ext uri="{FF2B5EF4-FFF2-40B4-BE49-F238E27FC236}">
+                <a16:creationId xmlns:a16="http://schemas.microsoft.com/office/drawing/2014/main" id="{F34E5279-2C65-D4A5-C010-48A5A0474507}"/>
+              </a:ext>
+            </a:extLst>
+          </p:cNvPr>
+          <p:cNvSpPr txBox="1"/>
+          <p:nvPr/>
+        </p:nvSpPr>
+        <p:spPr>
+          <a:xfrm>
+            <a:off x="1723857" y="2286910"/>
+            <a:ext cx="476277" cy="323165"/>
+          </a:xfrm>
+          <a:prstGeom prst="rect">
+            <a:avLst/>
+          </a:prstGeom>
+          <a:noFill/>
+        </p:spPr>
+        <p:txBody>
+          <a:bodyPr wrap="square" rtlCol="0">
+            <a:spAutoFit/>
+          </a:bodyPr>
+          <a:lstStyle/>
+          <a:p>
+            <a:pPr algn="r"/>
+            <a:r>
+              <a:rPr lang="de-DE" sz="1500" dirty="0"/>
+              <a:t>.35</a:t>
+            </a:r>
+          </a:p>
+        </p:txBody>
+      </p:sp>
+      <p:sp>
+        <p:nvSpPr>
+          <p:cNvPr id="170" name="TextBox 169">
+            <a:extLst>
+              <a:ext uri="{FF2B5EF4-FFF2-40B4-BE49-F238E27FC236}">
+                <a16:creationId xmlns:a16="http://schemas.microsoft.com/office/drawing/2014/main" id="{11185F93-D135-7E0A-C987-EC9A2CCC3B01}"/>
+              </a:ext>
+            </a:extLst>
+          </p:cNvPr>
+          <p:cNvSpPr txBox="1"/>
+          <p:nvPr/>
+        </p:nvSpPr>
+        <p:spPr>
+          <a:xfrm>
+            <a:off x="1723273" y="2940740"/>
+            <a:ext cx="476277" cy="323165"/>
+          </a:xfrm>
+          <a:prstGeom prst="rect">
+            <a:avLst/>
+          </a:prstGeom>
+          <a:noFill/>
+        </p:spPr>
+        <p:txBody>
+          <a:bodyPr wrap="square" rtlCol="0">
+            <a:spAutoFit/>
+          </a:bodyPr>
+          <a:lstStyle/>
+          <a:p>
+            <a:pPr algn="r"/>
+            <a:r>
+              <a:rPr lang="de-DE" sz="1500" dirty="0"/>
+              <a:t>.30</a:t>
+            </a:r>
+          </a:p>
+        </p:txBody>
+      </p:sp>
+      <p:sp>
+        <p:nvSpPr>
+          <p:cNvPr id="171" name="TextBox 170">
+            <a:extLst>
+              <a:ext uri="{FF2B5EF4-FFF2-40B4-BE49-F238E27FC236}">
+                <a16:creationId xmlns:a16="http://schemas.microsoft.com/office/drawing/2014/main" id="{1B4FA511-5E86-1E46-B672-EC413AE2404B}"/>
+              </a:ext>
+            </a:extLst>
+          </p:cNvPr>
+          <p:cNvSpPr txBox="1"/>
+          <p:nvPr/>
+        </p:nvSpPr>
+        <p:spPr>
+          <a:xfrm>
+            <a:off x="1718951" y="3640757"/>
+            <a:ext cx="476277" cy="323165"/>
+          </a:xfrm>
+          <a:prstGeom prst="rect">
+            <a:avLst/>
+          </a:prstGeom>
+          <a:noFill/>
+        </p:spPr>
+        <p:txBody>
+          <a:bodyPr wrap="square" rtlCol="0">
+            <a:spAutoFit/>
+          </a:bodyPr>
+          <a:lstStyle/>
+          <a:p>
+            <a:pPr algn="r"/>
+            <a:r>
+              <a:rPr lang="de-DE" sz="1500" dirty="0"/>
+              <a:t>.19</a:t>
+            </a:r>
+          </a:p>
+        </p:txBody>
+      </p:sp>
+      <p:sp>
+        <p:nvSpPr>
+          <p:cNvPr id="172" name="TextBox 171">
+            <a:extLst>
+              <a:ext uri="{FF2B5EF4-FFF2-40B4-BE49-F238E27FC236}">
+                <a16:creationId xmlns:a16="http://schemas.microsoft.com/office/drawing/2014/main" id="{BB46F30F-B125-37E0-6DD8-DB0F757E3400}"/>
+              </a:ext>
+            </a:extLst>
+          </p:cNvPr>
+          <p:cNvSpPr txBox="1"/>
+          <p:nvPr/>
+        </p:nvSpPr>
+        <p:spPr>
+          <a:xfrm>
+            <a:off x="1723273" y="4297576"/>
+            <a:ext cx="476277" cy="323165"/>
+          </a:xfrm>
+          <a:prstGeom prst="rect">
+            <a:avLst/>
+          </a:prstGeom>
+          <a:noFill/>
+        </p:spPr>
+        <p:txBody>
+          <a:bodyPr wrap="square" rtlCol="0">
+            <a:spAutoFit/>
+          </a:bodyPr>
+          <a:lstStyle/>
+          <a:p>
+            <a:pPr algn="r"/>
+            <a:r>
+              <a:rPr lang="de-DE" sz="1500" dirty="0"/>
+              <a:t>.47</a:t>
+            </a:r>
+          </a:p>
+        </p:txBody>
+      </p:sp>
+      <p:sp>
+        <p:nvSpPr>
+          <p:cNvPr id="173" name="TextBox 172">
+            <a:extLst>
+              <a:ext uri="{FF2B5EF4-FFF2-40B4-BE49-F238E27FC236}">
+                <a16:creationId xmlns:a16="http://schemas.microsoft.com/office/drawing/2014/main" id="{E5EFEDE7-9245-B55D-17DC-7D50648172CA}"/>
+              </a:ext>
+            </a:extLst>
+          </p:cNvPr>
+          <p:cNvSpPr txBox="1"/>
+          <p:nvPr/>
+        </p:nvSpPr>
+        <p:spPr>
+          <a:xfrm>
+            <a:off x="1720269" y="4979444"/>
+            <a:ext cx="476277" cy="323165"/>
+          </a:xfrm>
+          <a:prstGeom prst="rect">
+            <a:avLst/>
+          </a:prstGeom>
+          <a:noFill/>
+        </p:spPr>
+        <p:txBody>
+          <a:bodyPr wrap="square" rtlCol="0">
+            <a:spAutoFit/>
+          </a:bodyPr>
+          <a:lstStyle/>
+          <a:p>
+            <a:pPr algn="r"/>
+            <a:r>
+              <a:rPr lang="de-DE" sz="1500" dirty="0"/>
+              <a:t>.21</a:t>
+            </a:r>
+          </a:p>
+        </p:txBody>
+      </p:sp>
+      <p:sp>
+        <p:nvSpPr>
+          <p:cNvPr id="174" name="TextBox 173">
+            <a:extLst>
+              <a:ext uri="{FF2B5EF4-FFF2-40B4-BE49-F238E27FC236}">
+                <a16:creationId xmlns:a16="http://schemas.microsoft.com/office/drawing/2014/main" id="{78DFB7E6-A67A-1D3B-C10C-D97A600EE12B}"/>
+              </a:ext>
+            </a:extLst>
+          </p:cNvPr>
+          <p:cNvSpPr txBox="1"/>
+          <p:nvPr/>
+        </p:nvSpPr>
+        <p:spPr>
+          <a:xfrm>
+            <a:off x="1718951" y="5665964"/>
+            <a:ext cx="476277" cy="323165"/>
+          </a:xfrm>
+          <a:prstGeom prst="rect">
+            <a:avLst/>
+          </a:prstGeom>
+          <a:noFill/>
+        </p:spPr>
+        <p:txBody>
+          <a:bodyPr wrap="square" rtlCol="0">
+            <a:spAutoFit/>
+          </a:bodyPr>
+          <a:lstStyle/>
+          <a:p>
+            <a:pPr algn="r"/>
+            <a:r>
+              <a:rPr lang="de-DE" sz="1500" dirty="0"/>
+              <a:t>.30</a:t>
+            </a:r>
+          </a:p>
+        </p:txBody>
+      </p:sp>
+      <p:sp>
+        <p:nvSpPr>
+          <p:cNvPr id="2" name="TextBox 1">
+            <a:extLst>
+              <a:ext uri="{FF2B5EF4-FFF2-40B4-BE49-F238E27FC236}">
+                <a16:creationId xmlns:a16="http://schemas.microsoft.com/office/drawing/2014/main" id="{B87C6A82-9020-D70E-7B3F-ED6B0DC8E18E}"/>
+              </a:ext>
+            </a:extLst>
+          </p:cNvPr>
+          <p:cNvSpPr txBox="1"/>
+          <p:nvPr/>
+        </p:nvSpPr>
+        <p:spPr>
+          <a:xfrm>
+            <a:off x="10905067" y="1873785"/>
+            <a:ext cx="476277" cy="323165"/>
+          </a:xfrm>
+          <a:prstGeom prst="rect">
+            <a:avLst/>
+          </a:prstGeom>
+          <a:noFill/>
+        </p:spPr>
+        <p:txBody>
+          <a:bodyPr wrap="square" rtlCol="0">
+            <a:spAutoFit/>
+          </a:bodyPr>
+          <a:lstStyle/>
+          <a:p>
+            <a:r>
+              <a:rPr lang="de-DE" sz="1500" dirty="0"/>
+              <a:t>.07</a:t>
+            </a:r>
+          </a:p>
+        </p:txBody>
+      </p:sp>
+      <p:sp>
+        <p:nvSpPr>
+          <p:cNvPr id="3" name="TextBox 2">
+            <a:extLst>
+              <a:ext uri="{FF2B5EF4-FFF2-40B4-BE49-F238E27FC236}">
+                <a16:creationId xmlns:a16="http://schemas.microsoft.com/office/drawing/2014/main" id="{A1D97644-54DA-C04B-CFAB-95FC99C42CFC}"/>
+              </a:ext>
+            </a:extLst>
+          </p:cNvPr>
+          <p:cNvSpPr txBox="1"/>
+          <p:nvPr/>
+        </p:nvSpPr>
+        <p:spPr>
+          <a:xfrm>
+            <a:off x="10905067" y="2554504"/>
+            <a:ext cx="476277" cy="323165"/>
+          </a:xfrm>
+          <a:prstGeom prst="rect">
+            <a:avLst/>
+          </a:prstGeom>
+          <a:noFill/>
+        </p:spPr>
+        <p:txBody>
+          <a:bodyPr wrap="square" rtlCol="0">
+            <a:spAutoFit/>
+          </a:bodyPr>
+          <a:lstStyle/>
+          <a:p>
+            <a:r>
+              <a:rPr lang="de-DE" sz="1500" dirty="0"/>
+              <a:t>.52</a:t>
+            </a:r>
+          </a:p>
+        </p:txBody>
+      </p:sp>
+      <p:sp>
+        <p:nvSpPr>
+          <p:cNvPr id="6" name="TextBox 5">
+            <a:extLst>
+              <a:ext uri="{FF2B5EF4-FFF2-40B4-BE49-F238E27FC236}">
+                <a16:creationId xmlns:a16="http://schemas.microsoft.com/office/drawing/2014/main" id="{E81F3E3A-CE3E-D2BC-EE85-B04080435775}"/>
+              </a:ext>
+            </a:extLst>
+          </p:cNvPr>
+          <p:cNvSpPr txBox="1"/>
+          <p:nvPr/>
+        </p:nvSpPr>
+        <p:spPr>
+          <a:xfrm>
+            <a:off x="10905067" y="3235223"/>
+            <a:ext cx="476277" cy="323165"/>
+          </a:xfrm>
+          <a:prstGeom prst="rect">
+            <a:avLst/>
+          </a:prstGeom>
+          <a:noFill/>
+        </p:spPr>
+        <p:txBody>
+          <a:bodyPr wrap="square" rtlCol="0">
+            <a:spAutoFit/>
+          </a:bodyPr>
+          <a:lstStyle/>
+          <a:p>
+            <a:r>
+              <a:rPr lang="de-DE" sz="1500" dirty="0"/>
+              <a:t>.61</a:t>
+            </a:r>
+          </a:p>
+        </p:txBody>
+      </p:sp>
+      <p:sp>
+        <p:nvSpPr>
+          <p:cNvPr id="7" name="TextBox 6">
+            <a:extLst>
+              <a:ext uri="{FF2B5EF4-FFF2-40B4-BE49-F238E27FC236}">
+                <a16:creationId xmlns:a16="http://schemas.microsoft.com/office/drawing/2014/main" id="{ED8F1B94-DF4C-5404-B84A-9637CFF49D9A}"/>
+              </a:ext>
+            </a:extLst>
+          </p:cNvPr>
+          <p:cNvSpPr txBox="1"/>
+          <p:nvPr/>
+        </p:nvSpPr>
+        <p:spPr>
+          <a:xfrm>
+            <a:off x="10905067" y="3915942"/>
+            <a:ext cx="476277" cy="323165"/>
+          </a:xfrm>
+          <a:prstGeom prst="rect">
+            <a:avLst/>
+          </a:prstGeom>
+          <a:noFill/>
+        </p:spPr>
+        <p:txBody>
+          <a:bodyPr wrap="square" rtlCol="0">
+            <a:spAutoFit/>
+          </a:bodyPr>
+          <a:lstStyle/>
+          <a:p>
+            <a:r>
+              <a:rPr lang="de-DE" sz="1500" dirty="0"/>
+              <a:t>.56</a:t>
+            </a:r>
+          </a:p>
+        </p:txBody>
+      </p:sp>
+      <p:sp>
+        <p:nvSpPr>
+          <p:cNvPr id="8" name="TextBox 7">
+            <a:extLst>
+              <a:ext uri="{FF2B5EF4-FFF2-40B4-BE49-F238E27FC236}">
+                <a16:creationId xmlns:a16="http://schemas.microsoft.com/office/drawing/2014/main" id="{5392118C-C3EE-484E-4EC6-400EC2004D0E}"/>
+              </a:ext>
+            </a:extLst>
+          </p:cNvPr>
+          <p:cNvSpPr txBox="1"/>
+          <p:nvPr/>
+        </p:nvSpPr>
+        <p:spPr>
+          <a:xfrm>
+            <a:off x="10905067" y="4596661"/>
+            <a:ext cx="476277" cy="323165"/>
+          </a:xfrm>
+          <a:prstGeom prst="rect">
+            <a:avLst/>
+          </a:prstGeom>
+          <a:noFill/>
+        </p:spPr>
+        <p:txBody>
+          <a:bodyPr wrap="square" rtlCol="0">
+            <a:spAutoFit/>
+          </a:bodyPr>
+          <a:lstStyle/>
+          <a:p>
+            <a:r>
+              <a:rPr lang="de-DE" sz="1500" dirty="0"/>
+              <a:t>.37</a:t>
+            </a:r>
+          </a:p>
+        </p:txBody>
+      </p:sp>
+      <p:sp>
+        <p:nvSpPr>
+          <p:cNvPr id="85" name="Oval 84">
+            <a:extLst>
+              <a:ext uri="{FF2B5EF4-FFF2-40B4-BE49-F238E27FC236}">
+                <a16:creationId xmlns:a16="http://schemas.microsoft.com/office/drawing/2014/main" id="{A86823DA-4451-42F8-ACB3-3FB975FC0702}"/>
+              </a:ext>
+            </a:extLst>
+          </p:cNvPr>
+          <p:cNvSpPr/>
+          <p:nvPr/>
+        </p:nvSpPr>
+        <p:spPr>
+          <a:xfrm>
+            <a:off x="772977" y="1202530"/>
+            <a:ext cx="1037004" cy="925893"/>
+          </a:xfrm>
+          <a:prstGeom prst="ellipse">
+            <a:avLst/>
+          </a:prstGeom>
+          <a:noFill/>
+          <a:ln>
+            <a:solidFill>
+              <a:schemeClr val="tx1"/>
+            </a:solidFill>
+          </a:ln>
+        </p:spPr>
+        <p:style>
+          <a:lnRef idx="2">
+            <a:schemeClr val="accent1">
+              <a:shade val="15000"/>
+            </a:schemeClr>
+          </a:lnRef>
+          <a:fillRef idx="1">
+            <a:schemeClr val="accent1"/>
+          </a:fillRef>
+          <a:effectRef idx="0">
+            <a:schemeClr val="accent1"/>
+          </a:effectRef>
+          <a:fontRef idx="minor">
+            <a:schemeClr val="lt1"/>
+          </a:fontRef>
+        </p:style>
+        <p:txBody>
+          <a:bodyPr rtlCol="0" anchor="ctr"/>
+          <a:lstStyle/>
+          <a:p>
+            <a:pPr algn="ctr"/>
+            <a:r>
+              <a:rPr lang="de-DE" sz="1500" dirty="0">
+                <a:solidFill>
+                  <a:schemeClr val="tx1"/>
+                </a:solidFill>
+              </a:rPr>
+              <a:t>Hick</a:t>
+            </a:r>
+          </a:p>
+        </p:txBody>
+      </p:sp>
+      <p:cxnSp>
+        <p:nvCxnSpPr>
+          <p:cNvPr id="86" name="Straight Arrow Connector 85">
+            <a:extLst>
+              <a:ext uri="{FF2B5EF4-FFF2-40B4-BE49-F238E27FC236}">
+                <a16:creationId xmlns:a16="http://schemas.microsoft.com/office/drawing/2014/main" id="{6F230C43-9E36-4F13-854C-0B196A68D55F}"/>
+              </a:ext>
+            </a:extLst>
+          </p:cNvPr>
+          <p:cNvCxnSpPr>
+            <a:cxnSpLocks/>
+            <a:stCxn id="85" idx="6"/>
+            <a:endCxn id="4" idx="1"/>
+          </p:cNvCxnSpPr>
+          <p:nvPr/>
+        </p:nvCxnSpPr>
+        <p:spPr>
+          <a:xfrm flipV="1">
+            <a:off x="1809981" y="1009169"/>
+            <a:ext cx="650344" cy="656308"/>
+          </a:xfrm>
+          <a:prstGeom prst="straightConnector1">
+            <a:avLst/>
+          </a:prstGeom>
+          <a:ln>
+            <a:tailEnd type="triangle"/>
+          </a:ln>
+        </p:spPr>
+        <p:style>
+          <a:lnRef idx="2">
+            <a:schemeClr val="dk1"/>
+          </a:lnRef>
+          <a:fillRef idx="0">
+            <a:schemeClr val="dk1"/>
+          </a:fillRef>
+          <a:effectRef idx="1">
+            <a:schemeClr val="dk1"/>
+          </a:effectRef>
+          <a:fontRef idx="minor">
+            <a:schemeClr val="tx1"/>
+          </a:fontRef>
+        </p:style>
+      </p:cxnSp>
+      <p:cxnSp>
+        <p:nvCxnSpPr>
+          <p:cNvPr id="88" name="Straight Arrow Connector 87">
+            <a:extLst>
+              <a:ext uri="{FF2B5EF4-FFF2-40B4-BE49-F238E27FC236}">
+                <a16:creationId xmlns:a16="http://schemas.microsoft.com/office/drawing/2014/main" id="{71BE763B-056D-4D04-A60C-CB144AAC93F3}"/>
+              </a:ext>
+            </a:extLst>
+          </p:cNvPr>
+          <p:cNvCxnSpPr>
+            <a:cxnSpLocks/>
+            <a:stCxn id="85" idx="6"/>
+            <a:endCxn id="5" idx="1"/>
+          </p:cNvCxnSpPr>
+          <p:nvPr/>
+        </p:nvCxnSpPr>
+        <p:spPr>
+          <a:xfrm>
+            <a:off x="1809981" y="1665477"/>
+            <a:ext cx="650344" cy="27136"/>
+          </a:xfrm>
+          <a:prstGeom prst="straightConnector1">
+            <a:avLst/>
+          </a:prstGeom>
+          <a:ln>
+            <a:tailEnd type="triangle"/>
+          </a:ln>
+        </p:spPr>
+        <p:style>
+          <a:lnRef idx="2">
+            <a:schemeClr val="dk1"/>
+          </a:lnRef>
+          <a:fillRef idx="0">
+            <a:schemeClr val="dk1"/>
+          </a:fillRef>
+          <a:effectRef idx="1">
+            <a:schemeClr val="dk1"/>
+          </a:effectRef>
+          <a:fontRef idx="minor">
+            <a:schemeClr val="tx1"/>
+          </a:fontRef>
+        </p:style>
+      </p:cxnSp>
+      <p:cxnSp>
+        <p:nvCxnSpPr>
+          <p:cNvPr id="91" name="Straight Arrow Connector 90">
+            <a:extLst>
+              <a:ext uri="{FF2B5EF4-FFF2-40B4-BE49-F238E27FC236}">
+                <a16:creationId xmlns:a16="http://schemas.microsoft.com/office/drawing/2014/main" id="{75B5645A-EC78-4D83-8839-2BCEFE83B1AF}"/>
+              </a:ext>
+            </a:extLst>
+          </p:cNvPr>
+          <p:cNvCxnSpPr>
+            <a:cxnSpLocks/>
+            <a:stCxn id="85" idx="6"/>
+            <a:endCxn id="16" idx="1"/>
+          </p:cNvCxnSpPr>
+          <p:nvPr/>
+        </p:nvCxnSpPr>
+        <p:spPr>
+          <a:xfrm>
+            <a:off x="1809981" y="1665477"/>
+            <a:ext cx="650344" cy="710580"/>
+          </a:xfrm>
+          <a:prstGeom prst="straightConnector1">
+            <a:avLst/>
+          </a:prstGeom>
+          <a:ln>
+            <a:tailEnd type="triangle"/>
+          </a:ln>
+        </p:spPr>
+        <p:style>
+          <a:lnRef idx="2">
+            <a:schemeClr val="dk1"/>
+          </a:lnRef>
+          <a:fillRef idx="0">
+            <a:schemeClr val="dk1"/>
+          </a:fillRef>
+          <a:effectRef idx="1">
+            <a:schemeClr val="dk1"/>
+          </a:effectRef>
+          <a:fontRef idx="minor">
+            <a:schemeClr val="tx1"/>
+          </a:fontRef>
+        </p:style>
+      </p:cxnSp>
+    </p:spTree>
+    <p:extLst>
+      <p:ext uri="{BB962C8B-B14F-4D97-AF65-F5344CB8AC3E}">
+        <p14:creationId xmlns:p14="http://schemas.microsoft.com/office/powerpoint/2010/main" val="2056419852"/>
+      </p:ext>
+    </p:extLst>
+  </p:cSld>
+  <p:clrMapOvr>
+    <a:masterClrMapping/>
+  </p:clrMapOvr>
+</p:sld>
+</file>
+
+<file path=ppt/slides/slide3.xml><?xml version="1.0" encoding="utf-8"?>
+<p:sld xmlns:a="http://schemas.openxmlformats.org/drawingml/2006/main" xmlns:r="http://schemas.openxmlformats.org/officeDocument/2006/relationships" xmlns:p="http://schemas.openxmlformats.org/presentationml/2006/main">
+  <p:cSld>
+    <p:spTree>
+      <p:nvGrpSpPr>
+        <p:cNvPr id="1" name=""/>
+        <p:cNvGrpSpPr/>
+        <p:nvPr/>
+      </p:nvGrpSpPr>
+      <p:grpSpPr>
+        <a:xfrm>
+          <a:off x="0" y="0"/>
+          <a:ext cx="0" cy="0"/>
+          <a:chOff x="0" y="0"/>
+          <a:chExt cx="0" cy="0"/>
+        </a:xfrm>
+      </p:grpSpPr>
+      <p:sp>
+        <p:nvSpPr>
+          <p:cNvPr id="96" name="Rectangle 95">
+            <a:extLst>
+              <a:ext uri="{FF2B5EF4-FFF2-40B4-BE49-F238E27FC236}">
+                <a16:creationId xmlns:a16="http://schemas.microsoft.com/office/drawing/2014/main" id="{9471F040-7A4C-D930-4108-D1F90737C84B}"/>
+              </a:ext>
+            </a:extLst>
+          </p:cNvPr>
+          <p:cNvSpPr/>
+          <p:nvPr/>
+        </p:nvSpPr>
+        <p:spPr>
+          <a:xfrm>
+            <a:off x="9927925" y="1766324"/>
+            <a:ext cx="741374" cy="497369"/>
+          </a:xfrm>
+          <a:prstGeom prst="rect">
+            <a:avLst/>
+          </a:prstGeom>
+          <a:noFill/>
+          <a:ln>
+            <a:solidFill>
+              <a:schemeClr val="tx1"/>
+            </a:solidFill>
+          </a:ln>
+        </p:spPr>
+        <p:style>
+          <a:lnRef idx="2">
+            <a:schemeClr val="accent1">
+              <a:shade val="15000"/>
+            </a:schemeClr>
+          </a:lnRef>
+          <a:fillRef idx="1">
+            <a:schemeClr val="accent1"/>
+          </a:fillRef>
+          <a:effectRef idx="0">
+            <a:schemeClr val="accent1"/>
+          </a:effectRef>
+          <a:fontRef idx="minor">
+            <a:schemeClr val="lt1"/>
+          </a:fontRef>
+        </p:style>
+        <p:txBody>
+          <a:bodyPr rtlCol="0" anchor="ctr"/>
+          <a:lstStyle/>
+          <a:p>
+            <a:pPr algn="ctr"/>
+            <a:r>
+              <a:rPr lang="de-DE" sz="1500">
+                <a:solidFill>
+                  <a:schemeClr val="tx1"/>
+                </a:solidFill>
+              </a:rPr>
+              <a:t>PC</a:t>
+            </a:r>
+            <a:endParaRPr lang="de-DE" sz="1500" dirty="0">
+              <a:solidFill>
+                <a:schemeClr val="tx1"/>
+              </a:solidFill>
+            </a:endParaRPr>
+          </a:p>
+        </p:txBody>
+      </p:sp>
+      <p:sp>
+        <p:nvSpPr>
+          <p:cNvPr id="97" name="Rectangle 96">
+            <a:extLst>
+              <a:ext uri="{FF2B5EF4-FFF2-40B4-BE49-F238E27FC236}">
+                <a16:creationId xmlns:a16="http://schemas.microsoft.com/office/drawing/2014/main" id="{7BD20C36-8ECB-1970-88F3-44131CEE57E9}"/>
+              </a:ext>
+            </a:extLst>
+          </p:cNvPr>
+          <p:cNvSpPr/>
+          <p:nvPr/>
+        </p:nvSpPr>
+        <p:spPr>
+          <a:xfrm>
+            <a:off x="9927925" y="2449768"/>
+            <a:ext cx="741374" cy="497369"/>
+          </a:xfrm>
+          <a:prstGeom prst="rect">
+            <a:avLst/>
+          </a:prstGeom>
+          <a:noFill/>
+          <a:ln>
+            <a:solidFill>
+              <a:schemeClr val="tx1"/>
+            </a:solidFill>
+          </a:ln>
+        </p:spPr>
+        <p:style>
+          <a:lnRef idx="2">
+            <a:schemeClr val="accent1">
+              <a:shade val="15000"/>
+            </a:schemeClr>
+          </a:lnRef>
+          <a:fillRef idx="1">
+            <a:schemeClr val="accent1"/>
+          </a:fillRef>
+          <a:effectRef idx="0">
+            <a:schemeClr val="accent1"/>
+          </a:effectRef>
+          <a:fontRef idx="minor">
+            <a:schemeClr val="lt1"/>
+          </a:fontRef>
+        </p:style>
+        <p:txBody>
+          <a:bodyPr rtlCol="0" anchor="ctr"/>
+          <a:lstStyle/>
+          <a:p>
+            <a:pPr algn="ctr"/>
+            <a:r>
+              <a:rPr lang="de-DE" sz="1500">
+                <a:solidFill>
+                  <a:schemeClr val="tx1"/>
+                </a:solidFill>
+              </a:rPr>
+              <a:t>PS</a:t>
+            </a:r>
+            <a:endParaRPr lang="de-DE" sz="1500" dirty="0">
+              <a:solidFill>
+                <a:schemeClr val="tx1"/>
+              </a:solidFill>
+            </a:endParaRPr>
+          </a:p>
+        </p:txBody>
+      </p:sp>
+      <p:sp>
+        <p:nvSpPr>
+          <p:cNvPr id="98" name="Rectangle 97">
+            <a:extLst>
+              <a:ext uri="{FF2B5EF4-FFF2-40B4-BE49-F238E27FC236}">
+                <a16:creationId xmlns:a16="http://schemas.microsoft.com/office/drawing/2014/main" id="{C6DC6B2C-BBEF-A58C-8C6D-0B7AEFC80093}"/>
+              </a:ext>
+            </a:extLst>
+          </p:cNvPr>
+          <p:cNvSpPr/>
+          <p:nvPr/>
+        </p:nvSpPr>
+        <p:spPr>
+          <a:xfrm>
+            <a:off x="9927925" y="3133212"/>
+            <a:ext cx="741374" cy="497369"/>
+          </a:xfrm>
+          <a:prstGeom prst="rect">
+            <a:avLst/>
+          </a:prstGeom>
+          <a:noFill/>
+          <a:ln>
+            <a:solidFill>
+              <a:schemeClr val="tx1"/>
+            </a:solidFill>
+          </a:ln>
+        </p:spPr>
+        <p:style>
+          <a:lnRef idx="2">
+            <a:schemeClr val="accent1">
+              <a:shade val="15000"/>
+            </a:schemeClr>
+          </a:lnRef>
+          <a:fillRef idx="1">
+            <a:schemeClr val="accent1"/>
+          </a:fillRef>
+          <a:effectRef idx="0">
+            <a:schemeClr val="accent1"/>
+          </a:effectRef>
+          <a:fontRef idx="minor">
+            <a:schemeClr val="lt1"/>
+          </a:fontRef>
+        </p:style>
+        <p:txBody>
+          <a:bodyPr rtlCol="0" anchor="ctr"/>
+          <a:lstStyle/>
+          <a:p>
+            <a:pPr algn="ctr"/>
+            <a:r>
+              <a:rPr lang="de-DE" sz="1500">
+                <a:solidFill>
+                  <a:schemeClr val="tx1"/>
+                </a:solidFill>
+              </a:rPr>
+              <a:t>C</a:t>
+            </a:r>
+            <a:endParaRPr lang="de-DE" sz="1500" dirty="0">
+              <a:solidFill>
+                <a:schemeClr val="tx1"/>
+              </a:solidFill>
+            </a:endParaRPr>
+          </a:p>
+        </p:txBody>
+      </p:sp>
+      <p:sp>
+        <p:nvSpPr>
+          <p:cNvPr id="99" name="Rectangle 98">
+            <a:extLst>
+              <a:ext uri="{FF2B5EF4-FFF2-40B4-BE49-F238E27FC236}">
+                <a16:creationId xmlns:a16="http://schemas.microsoft.com/office/drawing/2014/main" id="{2D6B6CDA-7B02-87CF-58E1-2D48B5D7C835}"/>
+              </a:ext>
+            </a:extLst>
+          </p:cNvPr>
+          <p:cNvSpPr/>
+          <p:nvPr/>
+        </p:nvSpPr>
+        <p:spPr>
+          <a:xfrm>
+            <a:off x="9927925" y="3816656"/>
+            <a:ext cx="741374" cy="497369"/>
+          </a:xfrm>
+          <a:prstGeom prst="rect">
+            <a:avLst/>
+          </a:prstGeom>
+          <a:noFill/>
+          <a:ln>
+            <a:solidFill>
+              <a:schemeClr val="tx1"/>
+            </a:solidFill>
+          </a:ln>
+        </p:spPr>
+        <p:style>
+          <a:lnRef idx="2">
+            <a:schemeClr val="accent1">
+              <a:shade val="15000"/>
+            </a:schemeClr>
+          </a:lnRef>
+          <a:fillRef idx="1">
+            <a:schemeClr val="accent1"/>
+          </a:fillRef>
+          <a:effectRef idx="0">
+            <a:schemeClr val="accent1"/>
+          </a:effectRef>
+          <a:fontRef idx="minor">
+            <a:schemeClr val="lt1"/>
+          </a:fontRef>
+        </p:style>
+        <p:txBody>
+          <a:bodyPr rtlCol="0" anchor="ctr"/>
+          <a:lstStyle/>
+          <a:p>
+            <a:pPr algn="ctr"/>
+            <a:r>
+              <a:rPr lang="de-DE" sz="1500">
+                <a:solidFill>
+                  <a:schemeClr val="tx1"/>
+                </a:solidFill>
+              </a:rPr>
+              <a:t>M</a:t>
+            </a:r>
+            <a:endParaRPr lang="de-DE" sz="1500" dirty="0">
+              <a:solidFill>
+                <a:schemeClr val="tx1"/>
+              </a:solidFill>
+            </a:endParaRPr>
+          </a:p>
+        </p:txBody>
+      </p:sp>
+      <p:sp>
+        <p:nvSpPr>
+          <p:cNvPr id="100" name="Rectangle 99">
+            <a:extLst>
+              <a:ext uri="{FF2B5EF4-FFF2-40B4-BE49-F238E27FC236}">
+                <a16:creationId xmlns:a16="http://schemas.microsoft.com/office/drawing/2014/main" id="{14CCB358-2D7B-FC3C-23BC-F30426893437}"/>
+              </a:ext>
+            </a:extLst>
+          </p:cNvPr>
+          <p:cNvSpPr/>
+          <p:nvPr/>
+        </p:nvSpPr>
+        <p:spPr>
+          <a:xfrm>
+            <a:off x="9927925" y="4500100"/>
+            <a:ext cx="741374" cy="497369"/>
+          </a:xfrm>
+          <a:prstGeom prst="rect">
+            <a:avLst/>
+          </a:prstGeom>
+          <a:noFill/>
+          <a:ln>
+            <a:solidFill>
+              <a:schemeClr val="tx1"/>
+            </a:solidFill>
+          </a:ln>
+        </p:spPr>
+        <p:style>
+          <a:lnRef idx="2">
+            <a:schemeClr val="accent1">
+              <a:shade val="15000"/>
+            </a:schemeClr>
+          </a:lnRef>
+          <a:fillRef idx="1">
+            <a:schemeClr val="accent1"/>
+          </a:fillRef>
+          <a:effectRef idx="0">
+            <a:schemeClr val="accent1"/>
+          </a:effectRef>
+          <a:fontRef idx="minor">
+            <a:schemeClr val="lt1"/>
+          </a:fontRef>
+        </p:style>
+        <p:txBody>
+          <a:bodyPr rtlCol="0" anchor="ctr"/>
+          <a:lstStyle/>
+          <a:p>
+            <a:pPr algn="ctr"/>
+            <a:r>
+              <a:rPr lang="de-DE" sz="1500">
+                <a:solidFill>
+                  <a:schemeClr val="tx1"/>
+                </a:solidFill>
+              </a:rPr>
+              <a:t>APM</a:t>
+            </a:r>
+            <a:endParaRPr lang="de-DE" sz="1500" dirty="0">
+              <a:solidFill>
+                <a:schemeClr val="tx1"/>
+              </a:solidFill>
+            </a:endParaRPr>
+          </a:p>
+        </p:txBody>
+      </p:sp>
+      <p:sp>
+        <p:nvSpPr>
+          <p:cNvPr id="120" name="Oval 119">
+            <a:extLst>
+              <a:ext uri="{FF2B5EF4-FFF2-40B4-BE49-F238E27FC236}">
+                <a16:creationId xmlns:a16="http://schemas.microsoft.com/office/drawing/2014/main" id="{60A45E20-56FE-6AC5-AD0F-937569D25868}"/>
+              </a:ext>
+            </a:extLst>
+          </p:cNvPr>
+          <p:cNvSpPr/>
+          <p:nvPr/>
+        </p:nvSpPr>
+        <p:spPr>
+          <a:xfrm>
+            <a:off x="7197325" y="2965284"/>
+            <a:ext cx="941901" cy="862931"/>
+          </a:xfrm>
+          <a:prstGeom prst="ellipse">
+            <a:avLst/>
+          </a:prstGeom>
+          <a:noFill/>
+          <a:ln>
+            <a:solidFill>
+              <a:schemeClr val="tx1"/>
+            </a:solidFill>
+          </a:ln>
+        </p:spPr>
+        <p:style>
+          <a:lnRef idx="2">
+            <a:schemeClr val="accent1">
+              <a:shade val="15000"/>
+            </a:schemeClr>
+          </a:lnRef>
+          <a:fillRef idx="1">
+            <a:schemeClr val="accent1"/>
+          </a:fillRef>
+          <a:effectRef idx="0">
+            <a:schemeClr val="accent1"/>
+          </a:effectRef>
+          <a:fontRef idx="minor">
+            <a:schemeClr val="lt1"/>
+          </a:fontRef>
+        </p:style>
+        <p:txBody>
+          <a:bodyPr rtlCol="0" anchor="ctr"/>
+          <a:lstStyle/>
+          <a:p>
+            <a:pPr algn="ctr"/>
+            <a:r>
+              <a:rPr lang="de-DE" sz="1500">
+                <a:solidFill>
+                  <a:schemeClr val="tx1"/>
+                </a:solidFill>
+              </a:rPr>
+              <a:t>g</a:t>
+            </a:r>
+            <a:endParaRPr lang="de-DE" sz="1500" dirty="0">
+              <a:solidFill>
+                <a:schemeClr val="tx1"/>
+              </a:solidFill>
+            </a:endParaRPr>
+          </a:p>
+        </p:txBody>
+      </p:sp>
+      <p:cxnSp>
+        <p:nvCxnSpPr>
+          <p:cNvPr id="121" name="Straight Arrow Connector 120">
+            <a:extLst>
+              <a:ext uri="{FF2B5EF4-FFF2-40B4-BE49-F238E27FC236}">
+                <a16:creationId xmlns:a16="http://schemas.microsoft.com/office/drawing/2014/main" id="{F908E196-CCD0-09B8-2F6B-33C64C961F72}"/>
+              </a:ext>
+            </a:extLst>
+          </p:cNvPr>
+          <p:cNvCxnSpPr>
+            <a:cxnSpLocks/>
+            <a:stCxn id="120" idx="6"/>
+            <a:endCxn id="96" idx="1"/>
+          </p:cNvCxnSpPr>
+          <p:nvPr/>
+        </p:nvCxnSpPr>
+        <p:spPr>
+          <a:xfrm flipV="1">
+            <a:off x="8139226" y="2015009"/>
+            <a:ext cx="1788699" cy="1381741"/>
+          </a:xfrm>
+          <a:prstGeom prst="straightConnector1">
+            <a:avLst/>
+          </a:prstGeom>
+          <a:ln>
+            <a:tailEnd type="triangle"/>
+          </a:ln>
+        </p:spPr>
+        <p:style>
+          <a:lnRef idx="2">
+            <a:schemeClr val="dk1"/>
+          </a:lnRef>
+          <a:fillRef idx="0">
+            <a:schemeClr val="dk1"/>
+          </a:fillRef>
+          <a:effectRef idx="1">
+            <a:schemeClr val="dk1"/>
+          </a:effectRef>
+          <a:fontRef idx="minor">
+            <a:schemeClr val="tx1"/>
+          </a:fontRef>
+        </p:style>
+      </p:cxnSp>
+      <p:cxnSp>
+        <p:nvCxnSpPr>
+          <p:cNvPr id="124" name="Straight Arrow Connector 123">
+            <a:extLst>
+              <a:ext uri="{FF2B5EF4-FFF2-40B4-BE49-F238E27FC236}">
+                <a16:creationId xmlns:a16="http://schemas.microsoft.com/office/drawing/2014/main" id="{6F2E83DC-C9D1-BF2B-E568-04CEBA081059}"/>
+              </a:ext>
+            </a:extLst>
+          </p:cNvPr>
+          <p:cNvCxnSpPr>
+            <a:cxnSpLocks/>
+            <a:stCxn id="120" idx="6"/>
+            <a:endCxn id="97" idx="1"/>
+          </p:cNvCxnSpPr>
+          <p:nvPr/>
+        </p:nvCxnSpPr>
+        <p:spPr>
+          <a:xfrm flipV="1">
+            <a:off x="8139226" y="2698453"/>
+            <a:ext cx="1788699" cy="698297"/>
+          </a:xfrm>
+          <a:prstGeom prst="straightConnector1">
+            <a:avLst/>
+          </a:prstGeom>
+          <a:ln>
+            <a:tailEnd type="triangle"/>
+          </a:ln>
+        </p:spPr>
+        <p:style>
+          <a:lnRef idx="2">
+            <a:schemeClr val="dk1"/>
+          </a:lnRef>
+          <a:fillRef idx="0">
+            <a:schemeClr val="dk1"/>
+          </a:fillRef>
+          <a:effectRef idx="1">
+            <a:schemeClr val="dk1"/>
+          </a:effectRef>
+          <a:fontRef idx="minor">
+            <a:schemeClr val="tx1"/>
+          </a:fontRef>
+        </p:style>
+      </p:cxnSp>
+      <p:cxnSp>
+        <p:nvCxnSpPr>
+          <p:cNvPr id="127" name="Straight Arrow Connector 126">
+            <a:extLst>
+              <a:ext uri="{FF2B5EF4-FFF2-40B4-BE49-F238E27FC236}">
+                <a16:creationId xmlns:a16="http://schemas.microsoft.com/office/drawing/2014/main" id="{1D7DE8A4-8C1C-4F5B-A71F-BB0E098094BC}"/>
+              </a:ext>
+            </a:extLst>
+          </p:cNvPr>
+          <p:cNvCxnSpPr>
+            <a:cxnSpLocks/>
+            <a:stCxn id="120" idx="6"/>
+            <a:endCxn id="98" idx="1"/>
+          </p:cNvCxnSpPr>
+          <p:nvPr/>
+        </p:nvCxnSpPr>
+        <p:spPr>
+          <a:xfrm flipV="1">
+            <a:off x="8139226" y="3381897"/>
+            <a:ext cx="1788699" cy="14853"/>
+          </a:xfrm>
+          <a:prstGeom prst="straightConnector1">
+            <a:avLst/>
+          </a:prstGeom>
+          <a:ln>
+            <a:tailEnd type="triangle"/>
+          </a:ln>
+        </p:spPr>
+        <p:style>
+          <a:lnRef idx="2">
+            <a:schemeClr val="dk1"/>
+          </a:lnRef>
+          <a:fillRef idx="0">
+            <a:schemeClr val="dk1"/>
+          </a:fillRef>
+          <a:effectRef idx="1">
+            <a:schemeClr val="dk1"/>
+          </a:effectRef>
+          <a:fontRef idx="minor">
+            <a:schemeClr val="tx1"/>
+          </a:fontRef>
+        </p:style>
+      </p:cxnSp>
+      <p:cxnSp>
+        <p:nvCxnSpPr>
+          <p:cNvPr id="130" name="Straight Arrow Connector 129">
+            <a:extLst>
+              <a:ext uri="{FF2B5EF4-FFF2-40B4-BE49-F238E27FC236}">
+                <a16:creationId xmlns:a16="http://schemas.microsoft.com/office/drawing/2014/main" id="{FF22C9E5-75D5-A2B8-D65A-4544E70D0145}"/>
+              </a:ext>
+            </a:extLst>
+          </p:cNvPr>
+          <p:cNvCxnSpPr>
+            <a:cxnSpLocks/>
+            <a:stCxn id="120" idx="6"/>
+            <a:endCxn id="99" idx="1"/>
+          </p:cNvCxnSpPr>
+          <p:nvPr/>
+        </p:nvCxnSpPr>
+        <p:spPr>
+          <a:xfrm>
+            <a:off x="8139226" y="3396750"/>
+            <a:ext cx="1788699" cy="668591"/>
+          </a:xfrm>
+          <a:prstGeom prst="straightConnector1">
+            <a:avLst/>
+          </a:prstGeom>
+          <a:ln>
+            <a:tailEnd type="triangle"/>
+          </a:ln>
+        </p:spPr>
+        <p:style>
+          <a:lnRef idx="2">
+            <a:schemeClr val="dk1"/>
+          </a:lnRef>
+          <a:fillRef idx="0">
+            <a:schemeClr val="dk1"/>
+          </a:fillRef>
+          <a:effectRef idx="1">
+            <a:schemeClr val="dk1"/>
+          </a:effectRef>
+          <a:fontRef idx="minor">
+            <a:schemeClr val="tx1"/>
+          </a:fontRef>
+        </p:style>
+      </p:cxnSp>
+      <p:cxnSp>
+        <p:nvCxnSpPr>
+          <p:cNvPr id="134" name="Straight Arrow Connector 133">
+            <a:extLst>
+              <a:ext uri="{FF2B5EF4-FFF2-40B4-BE49-F238E27FC236}">
+                <a16:creationId xmlns:a16="http://schemas.microsoft.com/office/drawing/2014/main" id="{957C400D-E0A0-F61A-6DE7-C856C70AC4C2}"/>
+              </a:ext>
+            </a:extLst>
+          </p:cNvPr>
+          <p:cNvCxnSpPr>
+            <a:cxnSpLocks/>
+            <a:stCxn id="120" idx="6"/>
+            <a:endCxn id="100" idx="1"/>
+          </p:cNvCxnSpPr>
+          <p:nvPr/>
+        </p:nvCxnSpPr>
+        <p:spPr>
+          <a:xfrm>
+            <a:off x="8139226" y="3396750"/>
+            <a:ext cx="1788699" cy="1352035"/>
+          </a:xfrm>
+          <a:prstGeom prst="straightConnector1">
+            <a:avLst/>
+          </a:prstGeom>
+          <a:ln>
+            <a:tailEnd type="triangle"/>
+          </a:ln>
+        </p:spPr>
+        <p:style>
+          <a:lnRef idx="2">
+            <a:schemeClr val="dk1"/>
+          </a:lnRef>
+          <a:fillRef idx="0">
+            <a:schemeClr val="dk1"/>
+          </a:fillRef>
+          <a:effectRef idx="1">
+            <a:schemeClr val="dk1"/>
+          </a:effectRef>
+          <a:fontRef idx="minor">
+            <a:schemeClr val="tx1"/>
+          </a:fontRef>
+        </p:style>
+      </p:cxnSp>
+      <p:sp>
+        <p:nvSpPr>
+          <p:cNvPr id="4" name="Rectangle 3">
+            <a:extLst>
+              <a:ext uri="{FF2B5EF4-FFF2-40B4-BE49-F238E27FC236}">
+                <a16:creationId xmlns:a16="http://schemas.microsoft.com/office/drawing/2014/main" id="{7EC244C8-F661-0768-E8F1-3AC3341EA057}"/>
+              </a:ext>
+            </a:extLst>
+          </p:cNvPr>
+          <p:cNvSpPr/>
+          <p:nvPr/>
+        </p:nvSpPr>
+        <p:spPr>
+          <a:xfrm>
+            <a:off x="3059138" y="112426"/>
+            <a:ext cx="454180" cy="310460"/>
+          </a:xfrm>
+          <a:prstGeom prst="rect">
+            <a:avLst/>
+          </a:prstGeom>
+          <a:noFill/>
+          <a:ln>
+            <a:solidFill>
+              <a:schemeClr val="tx1"/>
+            </a:solidFill>
+          </a:ln>
+        </p:spPr>
+        <p:style>
+          <a:lnRef idx="2">
+            <a:schemeClr val="accent1">
+              <a:shade val="15000"/>
+            </a:schemeClr>
+          </a:lnRef>
+          <a:fillRef idx="1">
+            <a:schemeClr val="accent1"/>
+          </a:fillRef>
+          <a:effectRef idx="0">
+            <a:schemeClr val="accent1"/>
+          </a:effectRef>
+          <a:fontRef idx="minor">
+            <a:schemeClr val="lt1"/>
+          </a:fontRef>
+        </p:style>
+        <p:txBody>
+          <a:bodyPr rtlCol="0" anchor="ctr"/>
+          <a:lstStyle/>
+          <a:p>
+            <a:pPr algn="ctr"/>
+            <a:r>
+              <a:rPr lang="de-DE" sz="1200">
+                <a:solidFill>
+                  <a:schemeClr val="tx1"/>
+                </a:solidFill>
+              </a:rPr>
+              <a:t>SRT</a:t>
+            </a:r>
+            <a:endParaRPr lang="de-DE" sz="1200" dirty="0">
+              <a:solidFill>
+                <a:schemeClr val="tx1"/>
+              </a:solidFill>
+            </a:endParaRPr>
+          </a:p>
+        </p:txBody>
+      </p:sp>
+      <p:sp>
+        <p:nvSpPr>
+          <p:cNvPr id="5" name="Rectangle 4">
+            <a:extLst>
+              <a:ext uri="{FF2B5EF4-FFF2-40B4-BE49-F238E27FC236}">
+                <a16:creationId xmlns:a16="http://schemas.microsoft.com/office/drawing/2014/main" id="{8693D7F0-FD1A-EF69-87DC-8910E583E8BE}"/>
+              </a:ext>
+            </a:extLst>
+          </p:cNvPr>
+          <p:cNvSpPr/>
+          <p:nvPr/>
+        </p:nvSpPr>
+        <p:spPr>
+          <a:xfrm>
+            <a:off x="3059138" y="539035"/>
+            <a:ext cx="454180" cy="310460"/>
+          </a:xfrm>
+          <a:prstGeom prst="rect">
+            <a:avLst/>
+          </a:prstGeom>
+          <a:noFill/>
+          <a:ln>
+            <a:solidFill>
+              <a:schemeClr val="tx1"/>
+            </a:solidFill>
+          </a:ln>
+        </p:spPr>
+        <p:style>
+          <a:lnRef idx="2">
+            <a:schemeClr val="accent1">
+              <a:shade val="15000"/>
+            </a:schemeClr>
+          </a:lnRef>
+          <a:fillRef idx="1">
+            <a:schemeClr val="accent1"/>
+          </a:fillRef>
+          <a:effectRef idx="0">
+            <a:schemeClr val="accent1"/>
+          </a:effectRef>
+          <a:fontRef idx="minor">
+            <a:schemeClr val="lt1"/>
+          </a:fontRef>
+        </p:style>
+        <p:txBody>
+          <a:bodyPr rtlCol="0" anchor="ctr"/>
+          <a:lstStyle/>
+          <a:p>
+            <a:pPr algn="ctr"/>
+            <a:r>
+              <a:rPr lang="de-DE" sz="1200">
+                <a:solidFill>
+                  <a:schemeClr val="tx1"/>
+                </a:solidFill>
+              </a:rPr>
+              <a:t>CR2</a:t>
+            </a:r>
+            <a:endParaRPr lang="de-DE" sz="1200" dirty="0">
+              <a:solidFill>
+                <a:schemeClr val="tx1"/>
+              </a:solidFill>
+            </a:endParaRPr>
+          </a:p>
+        </p:txBody>
+      </p:sp>
+      <p:sp>
+        <p:nvSpPr>
+          <p:cNvPr id="11" name="Rectangle 10">
+            <a:extLst>
+              <a:ext uri="{FF2B5EF4-FFF2-40B4-BE49-F238E27FC236}">
+                <a16:creationId xmlns:a16="http://schemas.microsoft.com/office/drawing/2014/main" id="{B8AB5BA8-2BD6-D3CB-7A1E-A101F1E6A4DA}"/>
+              </a:ext>
+            </a:extLst>
+          </p:cNvPr>
+          <p:cNvSpPr/>
+          <p:nvPr/>
+        </p:nvSpPr>
+        <p:spPr>
+          <a:xfrm>
+            <a:off x="3059138" y="1818862"/>
+            <a:ext cx="454180" cy="310460"/>
+          </a:xfrm>
+          <a:prstGeom prst="rect">
+            <a:avLst/>
+          </a:prstGeom>
+          <a:noFill/>
+          <a:ln>
+            <a:solidFill>
+              <a:schemeClr val="tx1"/>
+            </a:solidFill>
+          </a:ln>
+        </p:spPr>
+        <p:style>
+          <a:lnRef idx="2">
+            <a:schemeClr val="accent1">
+              <a:shade val="15000"/>
+            </a:schemeClr>
+          </a:lnRef>
+          <a:fillRef idx="1">
+            <a:schemeClr val="accent1"/>
+          </a:fillRef>
+          <a:effectRef idx="0">
+            <a:schemeClr val="accent1"/>
+          </a:effectRef>
+          <a:fontRef idx="minor">
+            <a:schemeClr val="lt1"/>
+          </a:fontRef>
+        </p:style>
+        <p:txBody>
+          <a:bodyPr rtlCol="0" anchor="ctr"/>
+          <a:lstStyle/>
+          <a:p>
+            <a:pPr algn="ctr"/>
+            <a:endParaRPr lang="de-DE" sz="1200"/>
+          </a:p>
+        </p:txBody>
+      </p:sp>
+      <p:sp>
+        <p:nvSpPr>
+          <p:cNvPr id="12" name="Rectangle 11">
+            <a:extLst>
+              <a:ext uri="{FF2B5EF4-FFF2-40B4-BE49-F238E27FC236}">
+                <a16:creationId xmlns:a16="http://schemas.microsoft.com/office/drawing/2014/main" id="{CB891A28-C58A-ED88-348D-766AC65A6E96}"/>
+              </a:ext>
+            </a:extLst>
+          </p:cNvPr>
+          <p:cNvSpPr/>
+          <p:nvPr/>
+        </p:nvSpPr>
+        <p:spPr>
+          <a:xfrm>
+            <a:off x="3059138" y="2245471"/>
+            <a:ext cx="454180" cy="310460"/>
+          </a:xfrm>
+          <a:prstGeom prst="rect">
+            <a:avLst/>
+          </a:prstGeom>
+          <a:noFill/>
+          <a:ln>
+            <a:solidFill>
+              <a:schemeClr val="tx1"/>
+            </a:solidFill>
+          </a:ln>
+        </p:spPr>
+        <p:style>
+          <a:lnRef idx="2">
+            <a:schemeClr val="accent1">
+              <a:shade val="15000"/>
+            </a:schemeClr>
+          </a:lnRef>
+          <a:fillRef idx="1">
+            <a:schemeClr val="accent1"/>
+          </a:fillRef>
+          <a:effectRef idx="0">
+            <a:schemeClr val="accent1"/>
+          </a:effectRef>
+          <a:fontRef idx="minor">
+            <a:schemeClr val="lt1"/>
+          </a:fontRef>
+        </p:style>
+        <p:txBody>
+          <a:bodyPr rtlCol="0" anchor="ctr"/>
+          <a:lstStyle/>
+          <a:p>
+            <a:pPr algn="ctr"/>
+            <a:endParaRPr lang="de-DE" sz="1200"/>
+          </a:p>
+        </p:txBody>
+      </p:sp>
+      <p:sp>
+        <p:nvSpPr>
+          <p:cNvPr id="13" name="Rectangle 12">
+            <a:extLst>
+              <a:ext uri="{FF2B5EF4-FFF2-40B4-BE49-F238E27FC236}">
+                <a16:creationId xmlns:a16="http://schemas.microsoft.com/office/drawing/2014/main" id="{A7D27245-3005-B5B3-8AB2-07EA89957C9A}"/>
+              </a:ext>
+            </a:extLst>
+          </p:cNvPr>
+          <p:cNvSpPr/>
+          <p:nvPr/>
+        </p:nvSpPr>
+        <p:spPr>
+          <a:xfrm>
+            <a:off x="3059138" y="2672080"/>
+            <a:ext cx="454180" cy="310460"/>
+          </a:xfrm>
+          <a:prstGeom prst="rect">
+            <a:avLst/>
+          </a:prstGeom>
+          <a:noFill/>
+          <a:ln>
+            <a:solidFill>
+              <a:schemeClr val="tx1"/>
+            </a:solidFill>
+          </a:ln>
+        </p:spPr>
+        <p:style>
+          <a:lnRef idx="2">
+            <a:schemeClr val="accent1">
+              <a:shade val="15000"/>
+            </a:schemeClr>
+          </a:lnRef>
+          <a:fillRef idx="1">
+            <a:schemeClr val="accent1"/>
+          </a:fillRef>
+          <a:effectRef idx="0">
+            <a:schemeClr val="accent1"/>
+          </a:effectRef>
+          <a:fontRef idx="minor">
+            <a:schemeClr val="lt1"/>
+          </a:fontRef>
+        </p:style>
+        <p:txBody>
+          <a:bodyPr rtlCol="0" anchor="ctr"/>
+          <a:lstStyle/>
+          <a:p>
+            <a:pPr algn="ctr"/>
+            <a:endParaRPr lang="de-DE" sz="1200"/>
+          </a:p>
+        </p:txBody>
+      </p:sp>
+      <p:sp>
+        <p:nvSpPr>
+          <p:cNvPr id="14" name="Rectangle 13">
+            <a:extLst>
+              <a:ext uri="{FF2B5EF4-FFF2-40B4-BE49-F238E27FC236}">
+                <a16:creationId xmlns:a16="http://schemas.microsoft.com/office/drawing/2014/main" id="{D0BB4F1B-DA72-B936-3FF4-93A9DBE9D16C}"/>
+              </a:ext>
+            </a:extLst>
+          </p:cNvPr>
+          <p:cNvSpPr/>
+          <p:nvPr/>
+        </p:nvSpPr>
+        <p:spPr>
+          <a:xfrm>
+            <a:off x="3059138" y="3098689"/>
+            <a:ext cx="454180" cy="310460"/>
+          </a:xfrm>
+          <a:prstGeom prst="rect">
+            <a:avLst/>
+          </a:prstGeom>
+          <a:noFill/>
+          <a:ln>
+            <a:solidFill>
+              <a:schemeClr val="tx1"/>
+            </a:solidFill>
+          </a:ln>
+        </p:spPr>
+        <p:style>
+          <a:lnRef idx="2">
+            <a:schemeClr val="accent1">
+              <a:shade val="15000"/>
+            </a:schemeClr>
+          </a:lnRef>
+          <a:fillRef idx="1">
+            <a:schemeClr val="accent1"/>
+          </a:fillRef>
+          <a:effectRef idx="0">
+            <a:schemeClr val="accent1"/>
+          </a:effectRef>
+          <a:fontRef idx="minor">
+            <a:schemeClr val="lt1"/>
+          </a:fontRef>
+        </p:style>
+        <p:txBody>
+          <a:bodyPr rtlCol="0" anchor="ctr"/>
+          <a:lstStyle/>
+          <a:p>
+            <a:pPr algn="ctr"/>
+            <a:endParaRPr lang="de-DE" sz="1200"/>
+          </a:p>
+        </p:txBody>
+      </p:sp>
+      <p:sp>
+        <p:nvSpPr>
+          <p:cNvPr id="16" name="Rectangle 15">
+            <a:extLst>
+              <a:ext uri="{FF2B5EF4-FFF2-40B4-BE49-F238E27FC236}">
+                <a16:creationId xmlns:a16="http://schemas.microsoft.com/office/drawing/2014/main" id="{CC685E55-6876-4333-7AC0-3508AA35B08C}"/>
+              </a:ext>
+            </a:extLst>
+          </p:cNvPr>
+          <p:cNvSpPr/>
+          <p:nvPr/>
+        </p:nvSpPr>
+        <p:spPr>
+          <a:xfrm>
+            <a:off x="3059138" y="965644"/>
+            <a:ext cx="454180" cy="310460"/>
+          </a:xfrm>
+          <a:prstGeom prst="rect">
+            <a:avLst/>
+          </a:prstGeom>
+          <a:noFill/>
+          <a:ln>
+            <a:solidFill>
+              <a:schemeClr val="tx1"/>
+            </a:solidFill>
+          </a:ln>
+        </p:spPr>
+        <p:style>
+          <a:lnRef idx="2">
+            <a:schemeClr val="accent1">
+              <a:shade val="15000"/>
+            </a:schemeClr>
+          </a:lnRef>
+          <a:fillRef idx="1">
+            <a:schemeClr val="accent1"/>
+          </a:fillRef>
+          <a:effectRef idx="0">
+            <a:schemeClr val="accent1"/>
+          </a:effectRef>
+          <a:fontRef idx="minor">
+            <a:schemeClr val="lt1"/>
+          </a:fontRef>
+        </p:style>
+        <p:txBody>
+          <a:bodyPr rtlCol="0" anchor="ctr"/>
+          <a:lstStyle/>
+          <a:p>
+            <a:pPr algn="ctr"/>
+            <a:r>
+              <a:rPr lang="de-DE" sz="1200">
+                <a:solidFill>
+                  <a:schemeClr val="tx1"/>
+                </a:solidFill>
+              </a:rPr>
+              <a:t>CR4</a:t>
+            </a:r>
+            <a:endParaRPr lang="de-DE" sz="1200" dirty="0">
+              <a:solidFill>
+                <a:schemeClr val="tx1"/>
+              </a:solidFill>
+            </a:endParaRPr>
+          </a:p>
+        </p:txBody>
+      </p:sp>
+      <p:sp>
+        <p:nvSpPr>
+          <p:cNvPr id="17" name="Rectangle 16">
+            <a:extLst>
+              <a:ext uri="{FF2B5EF4-FFF2-40B4-BE49-F238E27FC236}">
+                <a16:creationId xmlns:a16="http://schemas.microsoft.com/office/drawing/2014/main" id="{309932F5-9B37-6305-8AA9-5B975A9FB0E6}"/>
+              </a:ext>
+            </a:extLst>
+          </p:cNvPr>
+          <p:cNvSpPr/>
+          <p:nvPr/>
+        </p:nvSpPr>
+        <p:spPr>
+          <a:xfrm>
+            <a:off x="3059138" y="1392253"/>
+            <a:ext cx="454180" cy="310460"/>
+          </a:xfrm>
+          <a:prstGeom prst="rect">
+            <a:avLst/>
+          </a:prstGeom>
+          <a:noFill/>
+          <a:ln>
+            <a:solidFill>
+              <a:schemeClr val="tx1"/>
+            </a:solidFill>
+          </a:ln>
+        </p:spPr>
+        <p:style>
+          <a:lnRef idx="2">
+            <a:schemeClr val="accent1">
+              <a:shade val="15000"/>
+            </a:schemeClr>
+          </a:lnRef>
+          <a:fillRef idx="1">
+            <a:schemeClr val="accent1"/>
+          </a:fillRef>
+          <a:effectRef idx="0">
+            <a:schemeClr val="accent1"/>
+          </a:effectRef>
+          <a:fontRef idx="minor">
+            <a:schemeClr val="lt1"/>
+          </a:fontRef>
+        </p:style>
+        <p:txBody>
+          <a:bodyPr rtlCol="0" anchor="ctr"/>
+          <a:lstStyle/>
+          <a:p>
+            <a:pPr algn="ctr"/>
+            <a:r>
+              <a:rPr lang="de-DE" sz="1200">
+                <a:solidFill>
+                  <a:schemeClr val="tx1"/>
+                </a:solidFill>
+              </a:rPr>
+              <a:t>S1</a:t>
+            </a:r>
+            <a:endParaRPr lang="de-DE" sz="1200" dirty="0">
+              <a:solidFill>
+                <a:schemeClr val="tx1"/>
+              </a:solidFill>
+            </a:endParaRPr>
+          </a:p>
+        </p:txBody>
+      </p:sp>
+      <p:sp>
+        <p:nvSpPr>
+          <p:cNvPr id="18" name="Rectangle 17">
+            <a:extLst>
+              <a:ext uri="{FF2B5EF4-FFF2-40B4-BE49-F238E27FC236}">
+                <a16:creationId xmlns:a16="http://schemas.microsoft.com/office/drawing/2014/main" id="{20B80CB3-224D-B048-CB72-DECA67E7F8D5}"/>
+              </a:ext>
+            </a:extLst>
+          </p:cNvPr>
+          <p:cNvSpPr/>
+          <p:nvPr/>
+        </p:nvSpPr>
+        <p:spPr>
+          <a:xfrm>
+            <a:off x="3059138" y="1818862"/>
+            <a:ext cx="454180" cy="310460"/>
+          </a:xfrm>
+          <a:prstGeom prst="rect">
+            <a:avLst/>
+          </a:prstGeom>
+          <a:noFill/>
+          <a:ln>
+            <a:solidFill>
+              <a:schemeClr val="tx1"/>
+            </a:solidFill>
+          </a:ln>
+        </p:spPr>
+        <p:style>
+          <a:lnRef idx="2">
+            <a:schemeClr val="accent1">
+              <a:shade val="15000"/>
+            </a:schemeClr>
+          </a:lnRef>
+          <a:fillRef idx="1">
+            <a:schemeClr val="accent1"/>
+          </a:fillRef>
+          <a:effectRef idx="0">
+            <a:schemeClr val="accent1"/>
+          </a:effectRef>
+          <a:fontRef idx="minor">
+            <a:schemeClr val="lt1"/>
+          </a:fontRef>
+        </p:style>
+        <p:txBody>
+          <a:bodyPr rtlCol="0" anchor="ctr"/>
+          <a:lstStyle/>
+          <a:p>
+            <a:pPr algn="ctr"/>
+            <a:r>
+              <a:rPr lang="de-DE" sz="1200">
+                <a:solidFill>
+                  <a:schemeClr val="tx1"/>
+                </a:solidFill>
+              </a:rPr>
+              <a:t>S3</a:t>
+            </a:r>
+            <a:endParaRPr lang="de-DE" sz="1200" dirty="0">
+              <a:solidFill>
+                <a:schemeClr val="tx1"/>
+              </a:solidFill>
+            </a:endParaRPr>
+          </a:p>
+        </p:txBody>
+      </p:sp>
+      <p:sp>
+        <p:nvSpPr>
+          <p:cNvPr id="19" name="Rectangle 18">
+            <a:extLst>
+              <a:ext uri="{FF2B5EF4-FFF2-40B4-BE49-F238E27FC236}">
+                <a16:creationId xmlns:a16="http://schemas.microsoft.com/office/drawing/2014/main" id="{23DE303B-A16E-72EC-0D21-8307B86AE0AF}"/>
+              </a:ext>
+            </a:extLst>
+          </p:cNvPr>
+          <p:cNvSpPr/>
+          <p:nvPr/>
+        </p:nvSpPr>
+        <p:spPr>
+          <a:xfrm>
+            <a:off x="3059138" y="2245471"/>
+            <a:ext cx="454180" cy="310460"/>
+          </a:xfrm>
+          <a:prstGeom prst="rect">
+            <a:avLst/>
+          </a:prstGeom>
+          <a:noFill/>
+          <a:ln>
+            <a:solidFill>
+              <a:schemeClr val="tx1"/>
+            </a:solidFill>
+          </a:ln>
+        </p:spPr>
+        <p:style>
+          <a:lnRef idx="2">
+            <a:schemeClr val="accent1">
+              <a:shade val="15000"/>
+            </a:schemeClr>
+          </a:lnRef>
+          <a:fillRef idx="1">
+            <a:schemeClr val="accent1"/>
+          </a:fillRef>
+          <a:effectRef idx="0">
+            <a:schemeClr val="accent1"/>
+          </a:effectRef>
+          <a:fontRef idx="minor">
+            <a:schemeClr val="lt1"/>
+          </a:fontRef>
+        </p:style>
+        <p:txBody>
+          <a:bodyPr rtlCol="0" anchor="ctr"/>
+          <a:lstStyle/>
+          <a:p>
+            <a:pPr algn="ctr"/>
+            <a:r>
+              <a:rPr lang="de-DE" sz="1200">
+                <a:solidFill>
+                  <a:schemeClr val="tx1"/>
+                </a:solidFill>
+              </a:rPr>
+              <a:t>S5</a:t>
+            </a:r>
+            <a:endParaRPr lang="de-DE" sz="1200" dirty="0">
+              <a:solidFill>
+                <a:schemeClr val="tx1"/>
+              </a:solidFill>
+            </a:endParaRPr>
+          </a:p>
+        </p:txBody>
+      </p:sp>
+      <p:sp>
+        <p:nvSpPr>
+          <p:cNvPr id="20" name="Rectangle 19">
+            <a:extLst>
+              <a:ext uri="{FF2B5EF4-FFF2-40B4-BE49-F238E27FC236}">
+                <a16:creationId xmlns:a16="http://schemas.microsoft.com/office/drawing/2014/main" id="{C3B18644-5CB3-0C91-56AE-9DA2233389BA}"/>
+              </a:ext>
+            </a:extLst>
+          </p:cNvPr>
+          <p:cNvSpPr/>
+          <p:nvPr/>
+        </p:nvSpPr>
+        <p:spPr>
+          <a:xfrm>
+            <a:off x="3059138" y="2672080"/>
+            <a:ext cx="454180" cy="310460"/>
+          </a:xfrm>
+          <a:prstGeom prst="rect">
+            <a:avLst/>
+          </a:prstGeom>
+          <a:noFill/>
+          <a:ln>
+            <a:solidFill>
+              <a:schemeClr val="tx1"/>
+            </a:solidFill>
+          </a:ln>
+        </p:spPr>
+        <p:style>
+          <a:lnRef idx="2">
+            <a:schemeClr val="accent1">
+              <a:shade val="15000"/>
+            </a:schemeClr>
+          </a:lnRef>
+          <a:fillRef idx="1">
+            <a:schemeClr val="accent1"/>
+          </a:fillRef>
+          <a:effectRef idx="0">
+            <a:schemeClr val="accent1"/>
+          </a:effectRef>
+          <a:fontRef idx="minor">
+            <a:schemeClr val="lt1"/>
+          </a:fontRef>
+        </p:style>
+        <p:txBody>
+          <a:bodyPr rtlCol="0" anchor="ctr"/>
+          <a:lstStyle/>
+          <a:p>
+            <a:pPr algn="ctr"/>
+            <a:r>
+              <a:rPr lang="de-DE" sz="1200">
+                <a:solidFill>
+                  <a:schemeClr val="tx1"/>
+                </a:solidFill>
+              </a:rPr>
+              <a:t>PI</a:t>
+            </a:r>
+            <a:endParaRPr lang="de-DE" sz="1200" dirty="0">
+              <a:solidFill>
+                <a:schemeClr val="tx1"/>
+              </a:solidFill>
+            </a:endParaRPr>
+          </a:p>
+        </p:txBody>
+      </p:sp>
+      <p:sp>
+        <p:nvSpPr>
+          <p:cNvPr id="21" name="Rectangle 20">
+            <a:extLst>
+              <a:ext uri="{FF2B5EF4-FFF2-40B4-BE49-F238E27FC236}">
+                <a16:creationId xmlns:a16="http://schemas.microsoft.com/office/drawing/2014/main" id="{ED9526D7-F69E-0F33-D841-1369966C4A58}"/>
+              </a:ext>
+            </a:extLst>
+          </p:cNvPr>
+          <p:cNvSpPr/>
+          <p:nvPr/>
+        </p:nvSpPr>
+        <p:spPr>
+          <a:xfrm>
+            <a:off x="3059138" y="3098689"/>
+            <a:ext cx="454180" cy="310460"/>
+          </a:xfrm>
+          <a:prstGeom prst="rect">
+            <a:avLst/>
+          </a:prstGeom>
+          <a:noFill/>
+          <a:ln>
+            <a:solidFill>
+              <a:schemeClr val="tx1"/>
+            </a:solidFill>
+          </a:ln>
+        </p:spPr>
+        <p:style>
+          <a:lnRef idx="2">
+            <a:schemeClr val="accent1">
+              <a:shade val="15000"/>
+            </a:schemeClr>
+          </a:lnRef>
+          <a:fillRef idx="1">
+            <a:schemeClr val="accent1"/>
+          </a:fillRef>
+          <a:effectRef idx="0">
+            <a:schemeClr val="accent1"/>
+          </a:effectRef>
+          <a:fontRef idx="minor">
+            <a:schemeClr val="lt1"/>
+          </a:fontRef>
+        </p:style>
+        <p:txBody>
+          <a:bodyPr rtlCol="0" anchor="ctr"/>
+          <a:lstStyle/>
+          <a:p>
+            <a:pPr algn="ctr"/>
+            <a:r>
+              <a:rPr lang="de-DE" sz="1200">
+                <a:solidFill>
+                  <a:schemeClr val="tx1"/>
+                </a:solidFill>
+              </a:rPr>
+              <a:t>NI</a:t>
+            </a:r>
+            <a:endParaRPr lang="de-DE" sz="1200" dirty="0">
+              <a:solidFill>
+                <a:schemeClr val="tx1"/>
+              </a:solidFill>
+            </a:endParaRPr>
+          </a:p>
+        </p:txBody>
+      </p:sp>
+      <p:sp>
+        <p:nvSpPr>
+          <p:cNvPr id="24" name="Oval 23">
+            <a:extLst>
+              <a:ext uri="{FF2B5EF4-FFF2-40B4-BE49-F238E27FC236}">
+                <a16:creationId xmlns:a16="http://schemas.microsoft.com/office/drawing/2014/main" id="{F1F147DD-A511-EB51-9918-87D729719CCA}"/>
+              </a:ext>
+            </a:extLst>
+          </p:cNvPr>
+          <p:cNvSpPr/>
+          <p:nvPr/>
+        </p:nvSpPr>
+        <p:spPr>
+          <a:xfrm>
+            <a:off x="4600482" y="1540055"/>
+            <a:ext cx="941902" cy="889749"/>
+          </a:xfrm>
+          <a:prstGeom prst="ellipse">
+            <a:avLst/>
+          </a:prstGeom>
+          <a:noFill/>
+          <a:ln>
+            <a:solidFill>
+              <a:schemeClr val="tx1"/>
+            </a:solidFill>
+          </a:ln>
+        </p:spPr>
+        <p:style>
+          <a:lnRef idx="2">
+            <a:schemeClr val="accent1">
+              <a:shade val="15000"/>
+            </a:schemeClr>
+          </a:lnRef>
+          <a:fillRef idx="1">
+            <a:schemeClr val="accent1"/>
+          </a:fillRef>
+          <a:effectRef idx="0">
+            <a:schemeClr val="accent1"/>
+          </a:effectRef>
+          <a:fontRef idx="minor">
+            <a:schemeClr val="lt1"/>
+          </a:fontRef>
+        </p:style>
+        <p:txBody>
+          <a:bodyPr rtlCol="0" anchor="ctr"/>
+          <a:lstStyle/>
+          <a:p>
+            <a:pPr algn="ctr"/>
+            <a:r>
+              <a:rPr lang="de-DE" sz="1500" dirty="0">
+                <a:solidFill>
+                  <a:schemeClr val="tx1"/>
+                </a:solidFill>
+              </a:rPr>
+              <a:t>alpha</a:t>
+            </a:r>
+          </a:p>
+        </p:txBody>
+      </p:sp>
+      <p:cxnSp>
+        <p:nvCxnSpPr>
+          <p:cNvPr id="66" name="Straight Arrow Connector 65">
+            <a:extLst>
+              <a:ext uri="{FF2B5EF4-FFF2-40B4-BE49-F238E27FC236}">
+                <a16:creationId xmlns:a16="http://schemas.microsoft.com/office/drawing/2014/main" id="{7F62F60F-9274-4729-DFFA-F21407FC0B5C}"/>
+              </a:ext>
+            </a:extLst>
+          </p:cNvPr>
+          <p:cNvCxnSpPr>
+            <a:cxnSpLocks/>
+            <a:stCxn id="24" idx="2"/>
+            <a:endCxn id="4" idx="3"/>
+          </p:cNvCxnSpPr>
+          <p:nvPr/>
+        </p:nvCxnSpPr>
+        <p:spPr>
+          <a:xfrm flipH="1" flipV="1">
+            <a:off x="3513318" y="267656"/>
+            <a:ext cx="1087164" cy="1717274"/>
+          </a:xfrm>
+          <a:prstGeom prst="straightConnector1">
+            <a:avLst/>
+          </a:prstGeom>
+          <a:ln>
+            <a:tailEnd type="triangle"/>
+          </a:ln>
+        </p:spPr>
+        <p:style>
+          <a:lnRef idx="2">
+            <a:schemeClr val="dk1"/>
+          </a:lnRef>
+          <a:fillRef idx="0">
+            <a:schemeClr val="dk1"/>
+          </a:fillRef>
+          <a:effectRef idx="1">
+            <a:schemeClr val="dk1"/>
+          </a:effectRef>
+          <a:fontRef idx="minor">
+            <a:schemeClr val="tx1"/>
+          </a:fontRef>
+        </p:style>
+      </p:cxnSp>
+      <p:cxnSp>
+        <p:nvCxnSpPr>
+          <p:cNvPr id="68" name="Straight Arrow Connector 67">
+            <a:extLst>
+              <a:ext uri="{FF2B5EF4-FFF2-40B4-BE49-F238E27FC236}">
+                <a16:creationId xmlns:a16="http://schemas.microsoft.com/office/drawing/2014/main" id="{0A0C5E9A-9B47-FA13-607F-26D8557A820C}"/>
+              </a:ext>
+            </a:extLst>
+          </p:cNvPr>
+          <p:cNvCxnSpPr>
+            <a:cxnSpLocks/>
+            <a:stCxn id="24" idx="2"/>
+            <a:endCxn id="5" idx="3"/>
+          </p:cNvCxnSpPr>
+          <p:nvPr/>
+        </p:nvCxnSpPr>
+        <p:spPr>
+          <a:xfrm flipH="1" flipV="1">
+            <a:off x="3513318" y="694265"/>
+            <a:ext cx="1087164" cy="1290665"/>
+          </a:xfrm>
+          <a:prstGeom prst="straightConnector1">
+            <a:avLst/>
+          </a:prstGeom>
+          <a:ln>
+            <a:tailEnd type="triangle"/>
+          </a:ln>
+        </p:spPr>
+        <p:style>
+          <a:lnRef idx="2">
+            <a:schemeClr val="dk1"/>
+          </a:lnRef>
+          <a:fillRef idx="0">
+            <a:schemeClr val="dk1"/>
+          </a:fillRef>
+          <a:effectRef idx="1">
+            <a:schemeClr val="dk1"/>
+          </a:effectRef>
+          <a:fontRef idx="minor">
+            <a:schemeClr val="tx1"/>
+          </a:fontRef>
+        </p:style>
+      </p:cxnSp>
+      <p:cxnSp>
+        <p:nvCxnSpPr>
+          <p:cNvPr id="70" name="Straight Arrow Connector 69">
+            <a:extLst>
+              <a:ext uri="{FF2B5EF4-FFF2-40B4-BE49-F238E27FC236}">
+                <a16:creationId xmlns:a16="http://schemas.microsoft.com/office/drawing/2014/main" id="{8E9CF901-999F-43D6-C91E-0BA0837BF540}"/>
+              </a:ext>
+            </a:extLst>
+          </p:cNvPr>
+          <p:cNvCxnSpPr>
+            <a:cxnSpLocks/>
+            <a:stCxn id="24" idx="2"/>
+            <a:endCxn id="16" idx="3"/>
+          </p:cNvCxnSpPr>
+          <p:nvPr/>
+        </p:nvCxnSpPr>
+        <p:spPr>
+          <a:xfrm flipH="1" flipV="1">
+            <a:off x="3513318" y="1120874"/>
+            <a:ext cx="1087164" cy="864056"/>
+          </a:xfrm>
+          <a:prstGeom prst="straightConnector1">
+            <a:avLst/>
+          </a:prstGeom>
+          <a:ln>
+            <a:tailEnd type="triangle"/>
+          </a:ln>
+        </p:spPr>
+        <p:style>
+          <a:lnRef idx="2">
+            <a:schemeClr val="dk1"/>
+          </a:lnRef>
+          <a:fillRef idx="0">
+            <a:schemeClr val="dk1"/>
+          </a:fillRef>
+          <a:effectRef idx="1">
+            <a:schemeClr val="dk1"/>
+          </a:effectRef>
+          <a:fontRef idx="minor">
+            <a:schemeClr val="tx1"/>
+          </a:fontRef>
+        </p:style>
+      </p:cxnSp>
+      <p:cxnSp>
+        <p:nvCxnSpPr>
+          <p:cNvPr id="72" name="Straight Arrow Connector 71">
+            <a:extLst>
+              <a:ext uri="{FF2B5EF4-FFF2-40B4-BE49-F238E27FC236}">
+                <a16:creationId xmlns:a16="http://schemas.microsoft.com/office/drawing/2014/main" id="{9E4EDFAC-1B65-214D-3602-470017F4F582}"/>
+              </a:ext>
+            </a:extLst>
+          </p:cNvPr>
+          <p:cNvCxnSpPr>
+            <a:cxnSpLocks/>
+            <a:stCxn id="24" idx="2"/>
+            <a:endCxn id="17" idx="3"/>
+          </p:cNvCxnSpPr>
+          <p:nvPr/>
+        </p:nvCxnSpPr>
+        <p:spPr>
+          <a:xfrm flipH="1" flipV="1">
+            <a:off x="3513318" y="1547483"/>
+            <a:ext cx="1087164" cy="437447"/>
+          </a:xfrm>
+          <a:prstGeom prst="straightConnector1">
+            <a:avLst/>
+          </a:prstGeom>
+          <a:ln>
+            <a:tailEnd type="triangle"/>
+          </a:ln>
+        </p:spPr>
+        <p:style>
+          <a:lnRef idx="2">
+            <a:schemeClr val="dk1"/>
+          </a:lnRef>
+          <a:fillRef idx="0">
+            <a:schemeClr val="dk1"/>
+          </a:fillRef>
+          <a:effectRef idx="1">
+            <a:schemeClr val="dk1"/>
+          </a:effectRef>
+          <a:fontRef idx="minor">
+            <a:schemeClr val="tx1"/>
+          </a:fontRef>
+        </p:style>
+      </p:cxnSp>
+      <p:cxnSp>
+        <p:nvCxnSpPr>
+          <p:cNvPr id="74" name="Straight Arrow Connector 73">
+            <a:extLst>
+              <a:ext uri="{FF2B5EF4-FFF2-40B4-BE49-F238E27FC236}">
+                <a16:creationId xmlns:a16="http://schemas.microsoft.com/office/drawing/2014/main" id="{1ED4004F-2D02-EF7B-73A5-36F3474C1252}"/>
+              </a:ext>
+            </a:extLst>
+          </p:cNvPr>
+          <p:cNvCxnSpPr>
+            <a:cxnSpLocks/>
+            <a:stCxn id="24" idx="2"/>
+            <a:endCxn id="18" idx="3"/>
+          </p:cNvCxnSpPr>
+          <p:nvPr/>
+        </p:nvCxnSpPr>
+        <p:spPr>
+          <a:xfrm flipH="1" flipV="1">
+            <a:off x="3513318" y="1974092"/>
+            <a:ext cx="1087164" cy="10838"/>
+          </a:xfrm>
+          <a:prstGeom prst="straightConnector1">
+            <a:avLst/>
+          </a:prstGeom>
+          <a:ln>
+            <a:tailEnd type="triangle"/>
+          </a:ln>
+        </p:spPr>
+        <p:style>
+          <a:lnRef idx="2">
+            <a:schemeClr val="dk1"/>
+          </a:lnRef>
+          <a:fillRef idx="0">
+            <a:schemeClr val="dk1"/>
+          </a:fillRef>
+          <a:effectRef idx="1">
+            <a:schemeClr val="dk1"/>
+          </a:effectRef>
+          <a:fontRef idx="minor">
+            <a:schemeClr val="tx1"/>
+          </a:fontRef>
+        </p:style>
+      </p:cxnSp>
+      <p:cxnSp>
+        <p:nvCxnSpPr>
+          <p:cNvPr id="76" name="Straight Arrow Connector 75">
+            <a:extLst>
+              <a:ext uri="{FF2B5EF4-FFF2-40B4-BE49-F238E27FC236}">
+                <a16:creationId xmlns:a16="http://schemas.microsoft.com/office/drawing/2014/main" id="{20EF0ED9-19B9-B904-80E5-A51244BF4017}"/>
+              </a:ext>
+            </a:extLst>
+          </p:cNvPr>
+          <p:cNvCxnSpPr>
+            <a:cxnSpLocks/>
+            <a:stCxn id="24" idx="2"/>
+            <a:endCxn id="19" idx="3"/>
+          </p:cNvCxnSpPr>
+          <p:nvPr/>
+        </p:nvCxnSpPr>
+        <p:spPr>
+          <a:xfrm flipH="1">
+            <a:off x="3513318" y="1984930"/>
+            <a:ext cx="1087164" cy="415771"/>
+          </a:xfrm>
+          <a:prstGeom prst="straightConnector1">
+            <a:avLst/>
+          </a:prstGeom>
+          <a:ln>
+            <a:tailEnd type="triangle"/>
+          </a:ln>
+        </p:spPr>
+        <p:style>
+          <a:lnRef idx="2">
+            <a:schemeClr val="dk1"/>
+          </a:lnRef>
+          <a:fillRef idx="0">
+            <a:schemeClr val="dk1"/>
+          </a:fillRef>
+          <a:effectRef idx="1">
+            <a:schemeClr val="dk1"/>
+          </a:effectRef>
+          <a:fontRef idx="minor">
+            <a:schemeClr val="tx1"/>
+          </a:fontRef>
+        </p:style>
+      </p:cxnSp>
+      <p:cxnSp>
+        <p:nvCxnSpPr>
+          <p:cNvPr id="78" name="Straight Arrow Connector 77">
+            <a:extLst>
+              <a:ext uri="{FF2B5EF4-FFF2-40B4-BE49-F238E27FC236}">
+                <a16:creationId xmlns:a16="http://schemas.microsoft.com/office/drawing/2014/main" id="{BF19EEF8-0550-4C7F-8998-27C81F10003B}"/>
+              </a:ext>
+            </a:extLst>
+          </p:cNvPr>
+          <p:cNvCxnSpPr>
+            <a:cxnSpLocks/>
+            <a:stCxn id="24" idx="2"/>
+            <a:endCxn id="20" idx="3"/>
+          </p:cNvCxnSpPr>
+          <p:nvPr/>
+        </p:nvCxnSpPr>
+        <p:spPr>
+          <a:xfrm flipH="1">
+            <a:off x="3513318" y="1984930"/>
+            <a:ext cx="1087164" cy="842380"/>
+          </a:xfrm>
+          <a:prstGeom prst="straightConnector1">
+            <a:avLst/>
+          </a:prstGeom>
+          <a:ln>
+            <a:tailEnd type="triangle"/>
+          </a:ln>
+        </p:spPr>
+        <p:style>
+          <a:lnRef idx="2">
+            <a:schemeClr val="dk1"/>
+          </a:lnRef>
+          <a:fillRef idx="0">
+            <a:schemeClr val="dk1"/>
+          </a:fillRef>
+          <a:effectRef idx="1">
+            <a:schemeClr val="dk1"/>
+          </a:effectRef>
+          <a:fontRef idx="minor">
+            <a:schemeClr val="tx1"/>
+          </a:fontRef>
+        </p:style>
+      </p:cxnSp>
+      <p:cxnSp>
+        <p:nvCxnSpPr>
+          <p:cNvPr id="80" name="Straight Arrow Connector 79">
+            <a:extLst>
+              <a:ext uri="{FF2B5EF4-FFF2-40B4-BE49-F238E27FC236}">
+                <a16:creationId xmlns:a16="http://schemas.microsoft.com/office/drawing/2014/main" id="{F0A2168B-93C6-0736-63BE-B9E902DEAF41}"/>
+              </a:ext>
+            </a:extLst>
+          </p:cNvPr>
+          <p:cNvCxnSpPr>
+            <a:cxnSpLocks/>
+            <a:stCxn id="24" idx="2"/>
+            <a:endCxn id="21" idx="3"/>
+          </p:cNvCxnSpPr>
+          <p:nvPr/>
+        </p:nvCxnSpPr>
+        <p:spPr>
+          <a:xfrm flipH="1">
+            <a:off x="3513318" y="1984930"/>
+            <a:ext cx="1087164" cy="1268989"/>
+          </a:xfrm>
+          <a:prstGeom prst="straightConnector1">
+            <a:avLst/>
+          </a:prstGeom>
+          <a:ln>
+            <a:tailEnd type="triangle"/>
+          </a:ln>
+        </p:spPr>
+        <p:style>
+          <a:lnRef idx="2">
+            <a:schemeClr val="dk1"/>
+          </a:lnRef>
+          <a:fillRef idx="0">
+            <a:schemeClr val="dk1"/>
+          </a:fillRef>
+          <a:effectRef idx="1">
+            <a:schemeClr val="dk1"/>
+          </a:effectRef>
+          <a:fontRef idx="minor">
+            <a:schemeClr val="tx1"/>
+          </a:fontRef>
+        </p:style>
+      </p:cxnSp>
+      <p:sp>
+        <p:nvSpPr>
+          <p:cNvPr id="193" name="Rectangle 192">
+            <a:extLst>
+              <a:ext uri="{FF2B5EF4-FFF2-40B4-BE49-F238E27FC236}">
+                <a16:creationId xmlns:a16="http://schemas.microsoft.com/office/drawing/2014/main" id="{52CC5C28-A2A5-4DF9-B3D6-099F5915A359}"/>
+              </a:ext>
+            </a:extLst>
+          </p:cNvPr>
+          <p:cNvSpPr/>
+          <p:nvPr/>
+        </p:nvSpPr>
+        <p:spPr>
+          <a:xfrm>
+            <a:off x="3059138" y="3501176"/>
+            <a:ext cx="454180" cy="310460"/>
+          </a:xfrm>
+          <a:prstGeom prst="rect">
+            <a:avLst/>
+          </a:prstGeom>
+          <a:noFill/>
+          <a:ln>
+            <a:solidFill>
+              <a:schemeClr val="tx1"/>
+            </a:solidFill>
+          </a:ln>
+        </p:spPr>
+        <p:style>
+          <a:lnRef idx="2">
+            <a:schemeClr val="accent1">
+              <a:shade val="15000"/>
+            </a:schemeClr>
+          </a:lnRef>
+          <a:fillRef idx="1">
+            <a:schemeClr val="accent1"/>
+          </a:fillRef>
+          <a:effectRef idx="0">
+            <a:schemeClr val="accent1"/>
+          </a:effectRef>
+          <a:fontRef idx="minor">
+            <a:schemeClr val="lt1"/>
+          </a:fontRef>
+        </p:style>
+        <p:txBody>
+          <a:bodyPr rtlCol="0" anchor="ctr"/>
+          <a:lstStyle/>
+          <a:p>
+            <a:pPr algn="ctr"/>
+            <a:r>
+              <a:rPr lang="de-DE" sz="1200">
+                <a:solidFill>
+                  <a:schemeClr val="tx1"/>
+                </a:solidFill>
+              </a:rPr>
+              <a:t>SRT</a:t>
+            </a:r>
+            <a:endParaRPr lang="de-DE" sz="1200" dirty="0">
+              <a:solidFill>
+                <a:schemeClr val="tx1"/>
+              </a:solidFill>
+            </a:endParaRPr>
+          </a:p>
+        </p:txBody>
+      </p:sp>
+      <p:sp>
+        <p:nvSpPr>
+          <p:cNvPr id="194" name="Rectangle 193">
+            <a:extLst>
+              <a:ext uri="{FF2B5EF4-FFF2-40B4-BE49-F238E27FC236}">
+                <a16:creationId xmlns:a16="http://schemas.microsoft.com/office/drawing/2014/main" id="{C81E0AC0-5DE6-4235-8CDD-5BA4B087A3F5}"/>
+              </a:ext>
+            </a:extLst>
+          </p:cNvPr>
+          <p:cNvSpPr/>
+          <p:nvPr/>
+        </p:nvSpPr>
+        <p:spPr>
+          <a:xfrm>
+            <a:off x="3059138" y="3927785"/>
+            <a:ext cx="454180" cy="310460"/>
+          </a:xfrm>
+          <a:prstGeom prst="rect">
+            <a:avLst/>
+          </a:prstGeom>
+          <a:noFill/>
+          <a:ln>
+            <a:solidFill>
+              <a:schemeClr val="tx1"/>
+            </a:solidFill>
+          </a:ln>
+        </p:spPr>
+        <p:style>
+          <a:lnRef idx="2">
+            <a:schemeClr val="accent1">
+              <a:shade val="15000"/>
+            </a:schemeClr>
+          </a:lnRef>
+          <a:fillRef idx="1">
+            <a:schemeClr val="accent1"/>
+          </a:fillRef>
+          <a:effectRef idx="0">
+            <a:schemeClr val="accent1"/>
+          </a:effectRef>
+          <a:fontRef idx="minor">
+            <a:schemeClr val="lt1"/>
+          </a:fontRef>
+        </p:style>
+        <p:txBody>
+          <a:bodyPr rtlCol="0" anchor="ctr"/>
+          <a:lstStyle/>
+          <a:p>
+            <a:pPr algn="ctr"/>
+            <a:r>
+              <a:rPr lang="de-DE" sz="1200">
+                <a:solidFill>
+                  <a:schemeClr val="tx1"/>
+                </a:solidFill>
+              </a:rPr>
+              <a:t>CR2</a:t>
+            </a:r>
+            <a:endParaRPr lang="de-DE" sz="1200" dirty="0">
+              <a:solidFill>
+                <a:schemeClr val="tx1"/>
+              </a:solidFill>
+            </a:endParaRPr>
+          </a:p>
+        </p:txBody>
+      </p:sp>
+      <p:sp>
+        <p:nvSpPr>
+          <p:cNvPr id="195" name="Rectangle 194">
+            <a:extLst>
+              <a:ext uri="{FF2B5EF4-FFF2-40B4-BE49-F238E27FC236}">
+                <a16:creationId xmlns:a16="http://schemas.microsoft.com/office/drawing/2014/main" id="{404DD039-E250-4D8A-B763-8AB47BD95E48}"/>
+              </a:ext>
+            </a:extLst>
+          </p:cNvPr>
+          <p:cNvSpPr/>
+          <p:nvPr/>
+        </p:nvSpPr>
+        <p:spPr>
+          <a:xfrm>
+            <a:off x="3059138" y="5207612"/>
+            <a:ext cx="454180" cy="310460"/>
+          </a:xfrm>
+          <a:prstGeom prst="rect">
+            <a:avLst/>
+          </a:prstGeom>
+          <a:noFill/>
+          <a:ln>
+            <a:solidFill>
+              <a:schemeClr val="tx1"/>
+            </a:solidFill>
+          </a:ln>
+        </p:spPr>
+        <p:style>
+          <a:lnRef idx="2">
+            <a:schemeClr val="accent1">
+              <a:shade val="15000"/>
+            </a:schemeClr>
+          </a:lnRef>
+          <a:fillRef idx="1">
+            <a:schemeClr val="accent1"/>
+          </a:fillRef>
+          <a:effectRef idx="0">
+            <a:schemeClr val="accent1"/>
+          </a:effectRef>
+          <a:fontRef idx="minor">
+            <a:schemeClr val="lt1"/>
+          </a:fontRef>
+        </p:style>
+        <p:txBody>
+          <a:bodyPr rtlCol="0" anchor="ctr"/>
+          <a:lstStyle/>
+          <a:p>
+            <a:pPr algn="ctr"/>
+            <a:endParaRPr lang="de-DE" sz="1200"/>
+          </a:p>
+        </p:txBody>
+      </p:sp>
+      <p:sp>
+        <p:nvSpPr>
+          <p:cNvPr id="196" name="Rectangle 195">
+            <a:extLst>
+              <a:ext uri="{FF2B5EF4-FFF2-40B4-BE49-F238E27FC236}">
+                <a16:creationId xmlns:a16="http://schemas.microsoft.com/office/drawing/2014/main" id="{5900FA1E-C433-4923-9F0E-96EF35633FE2}"/>
+              </a:ext>
+            </a:extLst>
+          </p:cNvPr>
+          <p:cNvSpPr/>
+          <p:nvPr/>
+        </p:nvSpPr>
+        <p:spPr>
+          <a:xfrm>
+            <a:off x="3059138" y="5634221"/>
+            <a:ext cx="454180" cy="310460"/>
+          </a:xfrm>
+          <a:prstGeom prst="rect">
+            <a:avLst/>
+          </a:prstGeom>
+          <a:noFill/>
+          <a:ln>
+            <a:solidFill>
+              <a:schemeClr val="tx1"/>
+            </a:solidFill>
+          </a:ln>
+        </p:spPr>
+        <p:style>
+          <a:lnRef idx="2">
+            <a:schemeClr val="accent1">
+              <a:shade val="15000"/>
+            </a:schemeClr>
+          </a:lnRef>
+          <a:fillRef idx="1">
+            <a:schemeClr val="accent1"/>
+          </a:fillRef>
+          <a:effectRef idx="0">
+            <a:schemeClr val="accent1"/>
+          </a:effectRef>
+          <a:fontRef idx="minor">
+            <a:schemeClr val="lt1"/>
+          </a:fontRef>
+        </p:style>
+        <p:txBody>
+          <a:bodyPr rtlCol="0" anchor="ctr"/>
+          <a:lstStyle/>
+          <a:p>
+            <a:pPr algn="ctr"/>
+            <a:endParaRPr lang="de-DE" sz="1200"/>
+          </a:p>
+        </p:txBody>
+      </p:sp>
+      <p:sp>
+        <p:nvSpPr>
+          <p:cNvPr id="197" name="Rectangle 196">
+            <a:extLst>
+              <a:ext uri="{FF2B5EF4-FFF2-40B4-BE49-F238E27FC236}">
+                <a16:creationId xmlns:a16="http://schemas.microsoft.com/office/drawing/2014/main" id="{3C4CE3B9-103A-4CC9-A243-9FBA325A7621}"/>
+              </a:ext>
+            </a:extLst>
+          </p:cNvPr>
+          <p:cNvSpPr/>
+          <p:nvPr/>
+        </p:nvSpPr>
+        <p:spPr>
+          <a:xfrm>
+            <a:off x="3059138" y="6060830"/>
+            <a:ext cx="454180" cy="310460"/>
+          </a:xfrm>
+          <a:prstGeom prst="rect">
+            <a:avLst/>
+          </a:prstGeom>
+          <a:noFill/>
+          <a:ln>
+            <a:solidFill>
+              <a:schemeClr val="tx1"/>
+            </a:solidFill>
+          </a:ln>
+        </p:spPr>
+        <p:style>
+          <a:lnRef idx="2">
+            <a:schemeClr val="accent1">
+              <a:shade val="15000"/>
+            </a:schemeClr>
+          </a:lnRef>
+          <a:fillRef idx="1">
+            <a:schemeClr val="accent1"/>
+          </a:fillRef>
+          <a:effectRef idx="0">
+            <a:schemeClr val="accent1"/>
+          </a:effectRef>
+          <a:fontRef idx="minor">
+            <a:schemeClr val="lt1"/>
+          </a:fontRef>
+        </p:style>
+        <p:txBody>
+          <a:bodyPr rtlCol="0" anchor="ctr"/>
+          <a:lstStyle/>
+          <a:p>
+            <a:pPr algn="ctr"/>
+            <a:endParaRPr lang="de-DE" sz="1200"/>
+          </a:p>
+        </p:txBody>
+      </p:sp>
+      <p:sp>
+        <p:nvSpPr>
+          <p:cNvPr id="198" name="Rectangle 197">
+            <a:extLst>
+              <a:ext uri="{FF2B5EF4-FFF2-40B4-BE49-F238E27FC236}">
+                <a16:creationId xmlns:a16="http://schemas.microsoft.com/office/drawing/2014/main" id="{787E4A19-95FE-41E0-88F9-FECE59FB3B9A}"/>
+              </a:ext>
+            </a:extLst>
+          </p:cNvPr>
+          <p:cNvSpPr/>
+          <p:nvPr/>
+        </p:nvSpPr>
+        <p:spPr>
+          <a:xfrm>
+            <a:off x="3059138" y="6487439"/>
+            <a:ext cx="454180" cy="310460"/>
+          </a:xfrm>
+          <a:prstGeom prst="rect">
+            <a:avLst/>
+          </a:prstGeom>
+          <a:noFill/>
+          <a:ln>
+            <a:solidFill>
+              <a:schemeClr val="tx1"/>
+            </a:solidFill>
+          </a:ln>
+        </p:spPr>
+        <p:style>
+          <a:lnRef idx="2">
+            <a:schemeClr val="accent1">
+              <a:shade val="15000"/>
+            </a:schemeClr>
+          </a:lnRef>
+          <a:fillRef idx="1">
+            <a:schemeClr val="accent1"/>
+          </a:fillRef>
+          <a:effectRef idx="0">
+            <a:schemeClr val="accent1"/>
+          </a:effectRef>
+          <a:fontRef idx="minor">
+            <a:schemeClr val="lt1"/>
+          </a:fontRef>
+        </p:style>
+        <p:txBody>
+          <a:bodyPr rtlCol="0" anchor="ctr"/>
+          <a:lstStyle/>
+          <a:p>
+            <a:pPr algn="ctr"/>
+            <a:endParaRPr lang="de-DE" sz="1200"/>
+          </a:p>
+        </p:txBody>
+      </p:sp>
+      <p:sp>
+        <p:nvSpPr>
+          <p:cNvPr id="199" name="Rectangle 198">
+            <a:extLst>
+              <a:ext uri="{FF2B5EF4-FFF2-40B4-BE49-F238E27FC236}">
+                <a16:creationId xmlns:a16="http://schemas.microsoft.com/office/drawing/2014/main" id="{8C9E95D6-2873-42DE-A855-E57AAAB96847}"/>
+              </a:ext>
+            </a:extLst>
+          </p:cNvPr>
+          <p:cNvSpPr/>
+          <p:nvPr/>
+        </p:nvSpPr>
+        <p:spPr>
+          <a:xfrm>
+            <a:off x="3059138" y="4354394"/>
+            <a:ext cx="454180" cy="310460"/>
+          </a:xfrm>
+          <a:prstGeom prst="rect">
+            <a:avLst/>
+          </a:prstGeom>
+          <a:noFill/>
+          <a:ln>
+            <a:solidFill>
+              <a:schemeClr val="tx1"/>
+            </a:solidFill>
+          </a:ln>
+        </p:spPr>
+        <p:style>
+          <a:lnRef idx="2">
+            <a:schemeClr val="accent1">
+              <a:shade val="15000"/>
+            </a:schemeClr>
+          </a:lnRef>
+          <a:fillRef idx="1">
+            <a:schemeClr val="accent1"/>
+          </a:fillRef>
+          <a:effectRef idx="0">
+            <a:schemeClr val="accent1"/>
+          </a:effectRef>
+          <a:fontRef idx="minor">
+            <a:schemeClr val="lt1"/>
+          </a:fontRef>
+        </p:style>
+        <p:txBody>
+          <a:bodyPr rtlCol="0" anchor="ctr"/>
+          <a:lstStyle/>
+          <a:p>
+            <a:pPr algn="ctr"/>
+            <a:r>
+              <a:rPr lang="de-DE" sz="1200">
+                <a:solidFill>
+                  <a:schemeClr val="tx1"/>
+                </a:solidFill>
+              </a:rPr>
+              <a:t>CR4</a:t>
+            </a:r>
+            <a:endParaRPr lang="de-DE" sz="1200" dirty="0">
+              <a:solidFill>
+                <a:schemeClr val="tx1"/>
+              </a:solidFill>
+            </a:endParaRPr>
+          </a:p>
+        </p:txBody>
+      </p:sp>
+      <p:sp>
+        <p:nvSpPr>
+          <p:cNvPr id="200" name="Rectangle 199">
+            <a:extLst>
+              <a:ext uri="{FF2B5EF4-FFF2-40B4-BE49-F238E27FC236}">
+                <a16:creationId xmlns:a16="http://schemas.microsoft.com/office/drawing/2014/main" id="{31BB5F81-572A-467F-A88F-3371493FF183}"/>
+              </a:ext>
+            </a:extLst>
+          </p:cNvPr>
+          <p:cNvSpPr/>
+          <p:nvPr/>
+        </p:nvSpPr>
+        <p:spPr>
+          <a:xfrm>
+            <a:off x="3059138" y="4781003"/>
+            <a:ext cx="454180" cy="310460"/>
+          </a:xfrm>
+          <a:prstGeom prst="rect">
+            <a:avLst/>
+          </a:prstGeom>
+          <a:noFill/>
+          <a:ln>
+            <a:solidFill>
+              <a:schemeClr val="tx1"/>
+            </a:solidFill>
+          </a:ln>
+        </p:spPr>
+        <p:style>
+          <a:lnRef idx="2">
+            <a:schemeClr val="accent1">
+              <a:shade val="15000"/>
+            </a:schemeClr>
+          </a:lnRef>
+          <a:fillRef idx="1">
+            <a:schemeClr val="accent1"/>
+          </a:fillRef>
+          <a:effectRef idx="0">
+            <a:schemeClr val="accent1"/>
+          </a:effectRef>
+          <a:fontRef idx="minor">
+            <a:schemeClr val="lt1"/>
+          </a:fontRef>
+        </p:style>
+        <p:txBody>
+          <a:bodyPr rtlCol="0" anchor="ctr"/>
+          <a:lstStyle/>
+          <a:p>
+            <a:pPr algn="ctr"/>
+            <a:r>
+              <a:rPr lang="de-DE" sz="1200">
+                <a:solidFill>
+                  <a:schemeClr val="tx1"/>
+                </a:solidFill>
+              </a:rPr>
+              <a:t>S1</a:t>
+            </a:r>
+            <a:endParaRPr lang="de-DE" sz="1200" dirty="0">
+              <a:solidFill>
+                <a:schemeClr val="tx1"/>
+              </a:solidFill>
+            </a:endParaRPr>
+          </a:p>
+        </p:txBody>
+      </p:sp>
+      <p:sp>
+        <p:nvSpPr>
+          <p:cNvPr id="201" name="Rectangle 200">
+            <a:extLst>
+              <a:ext uri="{FF2B5EF4-FFF2-40B4-BE49-F238E27FC236}">
+                <a16:creationId xmlns:a16="http://schemas.microsoft.com/office/drawing/2014/main" id="{7A8A72F0-2AFE-4891-AFC9-A1B55C957426}"/>
+              </a:ext>
+            </a:extLst>
+          </p:cNvPr>
+          <p:cNvSpPr/>
+          <p:nvPr/>
+        </p:nvSpPr>
+        <p:spPr>
+          <a:xfrm>
+            <a:off x="3059138" y="5207612"/>
+            <a:ext cx="454180" cy="310460"/>
+          </a:xfrm>
+          <a:prstGeom prst="rect">
+            <a:avLst/>
+          </a:prstGeom>
+          <a:noFill/>
+          <a:ln>
+            <a:solidFill>
+              <a:schemeClr val="tx1"/>
+            </a:solidFill>
+          </a:ln>
+        </p:spPr>
+        <p:style>
+          <a:lnRef idx="2">
+            <a:schemeClr val="accent1">
+              <a:shade val="15000"/>
+            </a:schemeClr>
+          </a:lnRef>
+          <a:fillRef idx="1">
+            <a:schemeClr val="accent1"/>
+          </a:fillRef>
+          <a:effectRef idx="0">
+            <a:schemeClr val="accent1"/>
+          </a:effectRef>
+          <a:fontRef idx="minor">
+            <a:schemeClr val="lt1"/>
+          </a:fontRef>
+        </p:style>
+        <p:txBody>
+          <a:bodyPr rtlCol="0" anchor="ctr"/>
+          <a:lstStyle/>
+          <a:p>
+            <a:pPr algn="ctr"/>
+            <a:r>
+              <a:rPr lang="de-DE" sz="1200">
+                <a:solidFill>
+                  <a:schemeClr val="tx1"/>
+                </a:solidFill>
+              </a:rPr>
+              <a:t>S3</a:t>
+            </a:r>
+            <a:endParaRPr lang="de-DE" sz="1200" dirty="0">
+              <a:solidFill>
+                <a:schemeClr val="tx1"/>
+              </a:solidFill>
+            </a:endParaRPr>
+          </a:p>
+        </p:txBody>
+      </p:sp>
+      <p:sp>
+        <p:nvSpPr>
+          <p:cNvPr id="202" name="Rectangle 201">
+            <a:extLst>
+              <a:ext uri="{FF2B5EF4-FFF2-40B4-BE49-F238E27FC236}">
+                <a16:creationId xmlns:a16="http://schemas.microsoft.com/office/drawing/2014/main" id="{B31401C1-8561-4E43-B834-0A8F67650E06}"/>
+              </a:ext>
+            </a:extLst>
+          </p:cNvPr>
+          <p:cNvSpPr/>
+          <p:nvPr/>
+        </p:nvSpPr>
+        <p:spPr>
+          <a:xfrm>
+            <a:off x="3059138" y="5634221"/>
+            <a:ext cx="454180" cy="310460"/>
+          </a:xfrm>
+          <a:prstGeom prst="rect">
+            <a:avLst/>
+          </a:prstGeom>
+          <a:noFill/>
+          <a:ln>
+            <a:solidFill>
+              <a:schemeClr val="tx1"/>
+            </a:solidFill>
+          </a:ln>
+        </p:spPr>
+        <p:style>
+          <a:lnRef idx="2">
+            <a:schemeClr val="accent1">
+              <a:shade val="15000"/>
+            </a:schemeClr>
+          </a:lnRef>
+          <a:fillRef idx="1">
+            <a:schemeClr val="accent1"/>
+          </a:fillRef>
+          <a:effectRef idx="0">
+            <a:schemeClr val="accent1"/>
+          </a:effectRef>
+          <a:fontRef idx="minor">
+            <a:schemeClr val="lt1"/>
+          </a:fontRef>
+        </p:style>
+        <p:txBody>
+          <a:bodyPr rtlCol="0" anchor="ctr"/>
+          <a:lstStyle/>
+          <a:p>
+            <a:pPr algn="ctr"/>
+            <a:r>
+              <a:rPr lang="de-DE" sz="1200">
+                <a:solidFill>
+                  <a:schemeClr val="tx1"/>
+                </a:solidFill>
+              </a:rPr>
+              <a:t>S5</a:t>
+            </a:r>
+            <a:endParaRPr lang="de-DE" sz="1200" dirty="0">
+              <a:solidFill>
+                <a:schemeClr val="tx1"/>
+              </a:solidFill>
+            </a:endParaRPr>
+          </a:p>
+        </p:txBody>
+      </p:sp>
+      <p:sp>
+        <p:nvSpPr>
+          <p:cNvPr id="203" name="Rectangle 202">
+            <a:extLst>
+              <a:ext uri="{FF2B5EF4-FFF2-40B4-BE49-F238E27FC236}">
+                <a16:creationId xmlns:a16="http://schemas.microsoft.com/office/drawing/2014/main" id="{8E7283C0-5C4E-48C6-B859-3F683D967B5E}"/>
+              </a:ext>
+            </a:extLst>
+          </p:cNvPr>
+          <p:cNvSpPr/>
+          <p:nvPr/>
+        </p:nvSpPr>
+        <p:spPr>
+          <a:xfrm>
+            <a:off x="3059138" y="6060830"/>
+            <a:ext cx="454180" cy="310460"/>
+          </a:xfrm>
+          <a:prstGeom prst="rect">
+            <a:avLst/>
+          </a:prstGeom>
+          <a:noFill/>
+          <a:ln>
+            <a:solidFill>
+              <a:schemeClr val="tx1"/>
+            </a:solidFill>
+          </a:ln>
+        </p:spPr>
+        <p:style>
+          <a:lnRef idx="2">
+            <a:schemeClr val="accent1">
+              <a:shade val="15000"/>
+            </a:schemeClr>
+          </a:lnRef>
+          <a:fillRef idx="1">
+            <a:schemeClr val="accent1"/>
+          </a:fillRef>
+          <a:effectRef idx="0">
+            <a:schemeClr val="accent1"/>
+          </a:effectRef>
+          <a:fontRef idx="minor">
+            <a:schemeClr val="lt1"/>
+          </a:fontRef>
+        </p:style>
+        <p:txBody>
+          <a:bodyPr rtlCol="0" anchor="ctr"/>
+          <a:lstStyle/>
+          <a:p>
+            <a:pPr algn="ctr"/>
+            <a:r>
+              <a:rPr lang="de-DE" sz="1200">
+                <a:solidFill>
+                  <a:schemeClr val="tx1"/>
+                </a:solidFill>
+              </a:rPr>
+              <a:t>PI</a:t>
+            </a:r>
+            <a:endParaRPr lang="de-DE" sz="1200" dirty="0">
+              <a:solidFill>
+                <a:schemeClr val="tx1"/>
+              </a:solidFill>
+            </a:endParaRPr>
+          </a:p>
+        </p:txBody>
+      </p:sp>
+      <p:sp>
+        <p:nvSpPr>
+          <p:cNvPr id="204" name="Rectangle 203">
+            <a:extLst>
+              <a:ext uri="{FF2B5EF4-FFF2-40B4-BE49-F238E27FC236}">
+                <a16:creationId xmlns:a16="http://schemas.microsoft.com/office/drawing/2014/main" id="{CD35CB03-6ED2-466A-BD54-EEFD9557DC5A}"/>
+              </a:ext>
+            </a:extLst>
+          </p:cNvPr>
+          <p:cNvSpPr/>
+          <p:nvPr/>
+        </p:nvSpPr>
+        <p:spPr>
+          <a:xfrm>
+            <a:off x="3059138" y="6487439"/>
+            <a:ext cx="454180" cy="310460"/>
+          </a:xfrm>
+          <a:prstGeom prst="rect">
+            <a:avLst/>
+          </a:prstGeom>
+          <a:noFill/>
+          <a:ln>
+            <a:solidFill>
+              <a:schemeClr val="tx1"/>
+            </a:solidFill>
+          </a:ln>
+        </p:spPr>
+        <p:style>
+          <a:lnRef idx="2">
+            <a:schemeClr val="accent1">
+              <a:shade val="15000"/>
+            </a:schemeClr>
+          </a:lnRef>
+          <a:fillRef idx="1">
+            <a:schemeClr val="accent1"/>
+          </a:fillRef>
+          <a:effectRef idx="0">
+            <a:schemeClr val="accent1"/>
+          </a:effectRef>
+          <a:fontRef idx="minor">
+            <a:schemeClr val="lt1"/>
+          </a:fontRef>
+        </p:style>
+        <p:txBody>
+          <a:bodyPr rtlCol="0" anchor="ctr"/>
+          <a:lstStyle/>
+          <a:p>
+            <a:pPr algn="ctr"/>
+            <a:r>
+              <a:rPr lang="de-DE" sz="1200">
+                <a:solidFill>
+                  <a:schemeClr val="tx1"/>
+                </a:solidFill>
+              </a:rPr>
+              <a:t>NI</a:t>
+            </a:r>
+            <a:endParaRPr lang="de-DE" sz="1200" dirty="0">
+              <a:solidFill>
+                <a:schemeClr val="tx1"/>
+              </a:solidFill>
+            </a:endParaRPr>
+          </a:p>
+        </p:txBody>
+      </p:sp>
+      <p:sp>
+        <p:nvSpPr>
+          <p:cNvPr id="207" name="Oval 206">
+            <a:extLst>
+              <a:ext uri="{FF2B5EF4-FFF2-40B4-BE49-F238E27FC236}">
+                <a16:creationId xmlns:a16="http://schemas.microsoft.com/office/drawing/2014/main" id="{80F141B5-975A-40AB-B880-F794E4EBB00D}"/>
+              </a:ext>
+            </a:extLst>
+          </p:cNvPr>
+          <p:cNvSpPr/>
+          <p:nvPr/>
+        </p:nvSpPr>
+        <p:spPr>
+          <a:xfrm>
+            <a:off x="4592960" y="4573689"/>
+            <a:ext cx="941902" cy="842380"/>
+          </a:xfrm>
+          <a:prstGeom prst="ellipse">
+            <a:avLst/>
+          </a:prstGeom>
+          <a:noFill/>
+          <a:ln>
+            <a:solidFill>
+              <a:schemeClr val="tx1"/>
+            </a:solidFill>
+          </a:ln>
+        </p:spPr>
+        <p:style>
+          <a:lnRef idx="2">
+            <a:schemeClr val="accent1">
+              <a:shade val="15000"/>
+            </a:schemeClr>
+          </a:lnRef>
+          <a:fillRef idx="1">
+            <a:schemeClr val="accent1"/>
+          </a:fillRef>
+          <a:effectRef idx="0">
+            <a:schemeClr val="accent1"/>
+          </a:effectRef>
+          <a:fontRef idx="minor">
+            <a:schemeClr val="lt1"/>
+          </a:fontRef>
+        </p:style>
+        <p:txBody>
+          <a:bodyPr rtlCol="0" anchor="ctr"/>
+          <a:lstStyle/>
+          <a:p>
+            <a:pPr algn="ctr"/>
+            <a:r>
+              <a:rPr lang="de-DE" sz="1500" dirty="0">
+                <a:solidFill>
+                  <a:schemeClr val="tx1"/>
+                </a:solidFill>
+              </a:rPr>
+              <a:t>v</a:t>
+            </a:r>
+          </a:p>
+        </p:txBody>
+      </p:sp>
+      <p:cxnSp>
+        <p:nvCxnSpPr>
+          <p:cNvPr id="221" name="Straight Arrow Connector 220">
+            <a:extLst>
+              <a:ext uri="{FF2B5EF4-FFF2-40B4-BE49-F238E27FC236}">
+                <a16:creationId xmlns:a16="http://schemas.microsoft.com/office/drawing/2014/main" id="{D02E0450-0920-41DC-885E-7B1A793C9B18}"/>
+              </a:ext>
+            </a:extLst>
+          </p:cNvPr>
+          <p:cNvCxnSpPr>
+            <a:cxnSpLocks/>
+            <a:stCxn id="207" idx="2"/>
+            <a:endCxn id="193" idx="3"/>
+          </p:cNvCxnSpPr>
+          <p:nvPr/>
+        </p:nvCxnSpPr>
+        <p:spPr>
+          <a:xfrm flipH="1" flipV="1">
+            <a:off x="3513318" y="3656406"/>
+            <a:ext cx="1079642" cy="1338473"/>
+          </a:xfrm>
+          <a:prstGeom prst="straightConnector1">
+            <a:avLst/>
+          </a:prstGeom>
+          <a:ln>
+            <a:tailEnd type="triangle"/>
+          </a:ln>
+        </p:spPr>
+        <p:style>
+          <a:lnRef idx="2">
+            <a:schemeClr val="dk1"/>
+          </a:lnRef>
+          <a:fillRef idx="0">
+            <a:schemeClr val="dk1"/>
+          </a:fillRef>
+          <a:effectRef idx="1">
+            <a:schemeClr val="dk1"/>
+          </a:effectRef>
+          <a:fontRef idx="minor">
+            <a:schemeClr val="tx1"/>
+          </a:fontRef>
+        </p:style>
+      </p:cxnSp>
+      <p:cxnSp>
+        <p:nvCxnSpPr>
+          <p:cNvPr id="222" name="Straight Arrow Connector 221">
+            <a:extLst>
+              <a:ext uri="{FF2B5EF4-FFF2-40B4-BE49-F238E27FC236}">
+                <a16:creationId xmlns:a16="http://schemas.microsoft.com/office/drawing/2014/main" id="{3130EFAC-03E9-44F2-AE70-BB8F7D295A78}"/>
+              </a:ext>
+            </a:extLst>
+          </p:cNvPr>
+          <p:cNvCxnSpPr>
+            <a:cxnSpLocks/>
+            <a:stCxn id="207" idx="2"/>
+            <a:endCxn id="194" idx="3"/>
+          </p:cNvCxnSpPr>
+          <p:nvPr/>
+        </p:nvCxnSpPr>
+        <p:spPr>
+          <a:xfrm flipH="1" flipV="1">
+            <a:off x="3513318" y="4083015"/>
+            <a:ext cx="1079642" cy="911864"/>
+          </a:xfrm>
+          <a:prstGeom prst="straightConnector1">
+            <a:avLst/>
+          </a:prstGeom>
+          <a:ln>
+            <a:tailEnd type="triangle"/>
+          </a:ln>
+        </p:spPr>
+        <p:style>
+          <a:lnRef idx="2">
+            <a:schemeClr val="dk1"/>
+          </a:lnRef>
+          <a:fillRef idx="0">
+            <a:schemeClr val="dk1"/>
+          </a:fillRef>
+          <a:effectRef idx="1">
+            <a:schemeClr val="dk1"/>
+          </a:effectRef>
+          <a:fontRef idx="minor">
+            <a:schemeClr val="tx1"/>
+          </a:fontRef>
+        </p:style>
+      </p:cxnSp>
+      <p:cxnSp>
+        <p:nvCxnSpPr>
+          <p:cNvPr id="223" name="Straight Arrow Connector 222">
+            <a:extLst>
+              <a:ext uri="{FF2B5EF4-FFF2-40B4-BE49-F238E27FC236}">
+                <a16:creationId xmlns:a16="http://schemas.microsoft.com/office/drawing/2014/main" id="{9A15CA96-B898-4B6D-8A47-3E12FEDD907D}"/>
+              </a:ext>
+            </a:extLst>
+          </p:cNvPr>
+          <p:cNvCxnSpPr>
+            <a:cxnSpLocks/>
+            <a:stCxn id="207" idx="2"/>
+            <a:endCxn id="199" idx="3"/>
+          </p:cNvCxnSpPr>
+          <p:nvPr/>
+        </p:nvCxnSpPr>
+        <p:spPr>
+          <a:xfrm flipH="1" flipV="1">
+            <a:off x="3513318" y="4509624"/>
+            <a:ext cx="1079642" cy="485255"/>
+          </a:xfrm>
+          <a:prstGeom prst="straightConnector1">
+            <a:avLst/>
+          </a:prstGeom>
+          <a:ln>
+            <a:tailEnd type="triangle"/>
+          </a:ln>
+        </p:spPr>
+        <p:style>
+          <a:lnRef idx="2">
+            <a:schemeClr val="dk1"/>
+          </a:lnRef>
+          <a:fillRef idx="0">
+            <a:schemeClr val="dk1"/>
+          </a:fillRef>
+          <a:effectRef idx="1">
+            <a:schemeClr val="dk1"/>
+          </a:effectRef>
+          <a:fontRef idx="minor">
+            <a:schemeClr val="tx1"/>
+          </a:fontRef>
+        </p:style>
+      </p:cxnSp>
+      <p:cxnSp>
+        <p:nvCxnSpPr>
+          <p:cNvPr id="224" name="Straight Arrow Connector 223">
+            <a:extLst>
+              <a:ext uri="{FF2B5EF4-FFF2-40B4-BE49-F238E27FC236}">
+                <a16:creationId xmlns:a16="http://schemas.microsoft.com/office/drawing/2014/main" id="{107F2D85-F051-49C2-AF51-1E5A909176AE}"/>
+              </a:ext>
+            </a:extLst>
+          </p:cNvPr>
+          <p:cNvCxnSpPr>
+            <a:cxnSpLocks/>
+            <a:stCxn id="207" idx="2"/>
+            <a:endCxn id="200" idx="3"/>
+          </p:cNvCxnSpPr>
+          <p:nvPr/>
+        </p:nvCxnSpPr>
+        <p:spPr>
+          <a:xfrm flipH="1" flipV="1">
+            <a:off x="3513318" y="4936233"/>
+            <a:ext cx="1079642" cy="58646"/>
+          </a:xfrm>
+          <a:prstGeom prst="straightConnector1">
+            <a:avLst/>
+          </a:prstGeom>
+          <a:ln>
+            <a:tailEnd type="triangle"/>
+          </a:ln>
+        </p:spPr>
+        <p:style>
+          <a:lnRef idx="2">
+            <a:schemeClr val="dk1"/>
+          </a:lnRef>
+          <a:fillRef idx="0">
+            <a:schemeClr val="dk1"/>
+          </a:fillRef>
+          <a:effectRef idx="1">
+            <a:schemeClr val="dk1"/>
+          </a:effectRef>
+          <a:fontRef idx="minor">
+            <a:schemeClr val="tx1"/>
+          </a:fontRef>
+        </p:style>
+      </p:cxnSp>
+      <p:cxnSp>
+        <p:nvCxnSpPr>
+          <p:cNvPr id="225" name="Straight Arrow Connector 224">
+            <a:extLst>
+              <a:ext uri="{FF2B5EF4-FFF2-40B4-BE49-F238E27FC236}">
+                <a16:creationId xmlns:a16="http://schemas.microsoft.com/office/drawing/2014/main" id="{79CF8666-D2E3-48C1-93D4-4683D3F866E0}"/>
+              </a:ext>
+            </a:extLst>
+          </p:cNvPr>
+          <p:cNvCxnSpPr>
+            <a:cxnSpLocks/>
+            <a:stCxn id="207" idx="2"/>
+            <a:endCxn id="201" idx="3"/>
+          </p:cNvCxnSpPr>
+          <p:nvPr/>
+        </p:nvCxnSpPr>
+        <p:spPr>
+          <a:xfrm flipH="1">
+            <a:off x="3513318" y="4994879"/>
+            <a:ext cx="1079642" cy="367963"/>
+          </a:xfrm>
+          <a:prstGeom prst="straightConnector1">
+            <a:avLst/>
+          </a:prstGeom>
+          <a:ln>
+            <a:tailEnd type="triangle"/>
+          </a:ln>
+        </p:spPr>
+        <p:style>
+          <a:lnRef idx="2">
+            <a:schemeClr val="dk1"/>
+          </a:lnRef>
+          <a:fillRef idx="0">
+            <a:schemeClr val="dk1"/>
+          </a:fillRef>
+          <a:effectRef idx="1">
+            <a:schemeClr val="dk1"/>
+          </a:effectRef>
+          <a:fontRef idx="minor">
+            <a:schemeClr val="tx1"/>
+          </a:fontRef>
+        </p:style>
+      </p:cxnSp>
+      <p:cxnSp>
+        <p:nvCxnSpPr>
+          <p:cNvPr id="226" name="Straight Arrow Connector 225">
+            <a:extLst>
+              <a:ext uri="{FF2B5EF4-FFF2-40B4-BE49-F238E27FC236}">
+                <a16:creationId xmlns:a16="http://schemas.microsoft.com/office/drawing/2014/main" id="{2BF03590-D149-45CF-A869-79709CFAAEE7}"/>
+              </a:ext>
+            </a:extLst>
+          </p:cNvPr>
+          <p:cNvCxnSpPr>
+            <a:cxnSpLocks/>
+            <a:stCxn id="207" idx="2"/>
+            <a:endCxn id="202" idx="3"/>
+          </p:cNvCxnSpPr>
+          <p:nvPr/>
+        </p:nvCxnSpPr>
+        <p:spPr>
+          <a:xfrm flipH="1">
+            <a:off x="3513318" y="4994879"/>
+            <a:ext cx="1079642" cy="794572"/>
+          </a:xfrm>
+          <a:prstGeom prst="straightConnector1">
+            <a:avLst/>
+          </a:prstGeom>
+          <a:ln>
+            <a:tailEnd type="triangle"/>
+          </a:ln>
+        </p:spPr>
+        <p:style>
+          <a:lnRef idx="2">
+            <a:schemeClr val="dk1"/>
+          </a:lnRef>
+          <a:fillRef idx="0">
+            <a:schemeClr val="dk1"/>
+          </a:fillRef>
+          <a:effectRef idx="1">
+            <a:schemeClr val="dk1"/>
+          </a:effectRef>
+          <a:fontRef idx="minor">
+            <a:schemeClr val="tx1"/>
+          </a:fontRef>
+        </p:style>
+      </p:cxnSp>
+      <p:cxnSp>
+        <p:nvCxnSpPr>
+          <p:cNvPr id="227" name="Straight Arrow Connector 226">
+            <a:extLst>
+              <a:ext uri="{FF2B5EF4-FFF2-40B4-BE49-F238E27FC236}">
+                <a16:creationId xmlns:a16="http://schemas.microsoft.com/office/drawing/2014/main" id="{60E38E81-20DC-4E58-A581-64278193AE32}"/>
+              </a:ext>
+            </a:extLst>
+          </p:cNvPr>
+          <p:cNvCxnSpPr>
+            <a:cxnSpLocks/>
+            <a:stCxn id="207" idx="2"/>
+            <a:endCxn id="203" idx="3"/>
+          </p:cNvCxnSpPr>
+          <p:nvPr/>
+        </p:nvCxnSpPr>
+        <p:spPr>
+          <a:xfrm flipH="1">
+            <a:off x="3513318" y="4994879"/>
+            <a:ext cx="1079642" cy="1221181"/>
+          </a:xfrm>
+          <a:prstGeom prst="straightConnector1">
+            <a:avLst/>
+          </a:prstGeom>
+          <a:ln>
+            <a:tailEnd type="triangle"/>
+          </a:ln>
+        </p:spPr>
+        <p:style>
+          <a:lnRef idx="2">
+            <a:schemeClr val="dk1"/>
+          </a:lnRef>
+          <a:fillRef idx="0">
+            <a:schemeClr val="dk1"/>
+          </a:fillRef>
+          <a:effectRef idx="1">
+            <a:schemeClr val="dk1"/>
+          </a:effectRef>
+          <a:fontRef idx="minor">
+            <a:schemeClr val="tx1"/>
+          </a:fontRef>
+        </p:style>
+      </p:cxnSp>
+      <p:cxnSp>
+        <p:nvCxnSpPr>
+          <p:cNvPr id="228" name="Straight Arrow Connector 227">
+            <a:extLst>
+              <a:ext uri="{FF2B5EF4-FFF2-40B4-BE49-F238E27FC236}">
+                <a16:creationId xmlns:a16="http://schemas.microsoft.com/office/drawing/2014/main" id="{190416D6-47FB-44DE-BCD2-C6004A082079}"/>
+              </a:ext>
+            </a:extLst>
+          </p:cNvPr>
+          <p:cNvCxnSpPr>
+            <a:cxnSpLocks/>
+            <a:stCxn id="207" idx="2"/>
+            <a:endCxn id="204" idx="3"/>
+          </p:cNvCxnSpPr>
+          <p:nvPr/>
+        </p:nvCxnSpPr>
+        <p:spPr>
+          <a:xfrm flipH="1">
+            <a:off x="3513318" y="4994879"/>
+            <a:ext cx="1079642" cy="1647790"/>
+          </a:xfrm>
+          <a:prstGeom prst="straightConnector1">
+            <a:avLst/>
+          </a:prstGeom>
+          <a:ln>
+            <a:tailEnd type="triangle"/>
+          </a:ln>
+        </p:spPr>
+        <p:style>
+          <a:lnRef idx="2">
+            <a:schemeClr val="dk1"/>
+          </a:lnRef>
+          <a:fillRef idx="0">
+            <a:schemeClr val="dk1"/>
+          </a:fillRef>
+          <a:effectRef idx="1">
+            <a:schemeClr val="dk1"/>
+          </a:effectRef>
+          <a:fontRef idx="minor">
+            <a:schemeClr val="tx1"/>
+          </a:fontRef>
+        </p:style>
+      </p:cxnSp>
+      <p:sp>
+        <p:nvSpPr>
+          <p:cNvPr id="250" name="Oval 249">
+            <a:extLst>
+              <a:ext uri="{FF2B5EF4-FFF2-40B4-BE49-F238E27FC236}">
+                <a16:creationId xmlns:a16="http://schemas.microsoft.com/office/drawing/2014/main" id="{E6DD88D4-02F8-44B1-A997-3F6B341228BB}"/>
+              </a:ext>
+            </a:extLst>
+          </p:cNvPr>
+          <p:cNvSpPr/>
+          <p:nvPr/>
+        </p:nvSpPr>
+        <p:spPr>
+          <a:xfrm>
+            <a:off x="751936" y="1095827"/>
+            <a:ext cx="941902" cy="842380"/>
+          </a:xfrm>
+          <a:prstGeom prst="ellipse">
+            <a:avLst/>
+          </a:prstGeom>
+          <a:noFill/>
+          <a:ln>
+            <a:solidFill>
+              <a:schemeClr val="tx1"/>
+            </a:solidFill>
+          </a:ln>
+        </p:spPr>
+        <p:style>
+          <a:lnRef idx="2">
+            <a:schemeClr val="accent1">
+              <a:shade val="15000"/>
+            </a:schemeClr>
+          </a:lnRef>
+          <a:fillRef idx="1">
+            <a:schemeClr val="accent1"/>
+          </a:fillRef>
+          <a:effectRef idx="0">
+            <a:schemeClr val="accent1"/>
+          </a:effectRef>
+          <a:fontRef idx="minor">
+            <a:schemeClr val="lt1"/>
+          </a:fontRef>
+        </p:style>
+        <p:txBody>
+          <a:bodyPr rtlCol="0" anchor="ctr"/>
+          <a:lstStyle/>
+          <a:p>
+            <a:pPr algn="ctr"/>
+            <a:r>
+              <a:rPr lang="de-DE" sz="1500" dirty="0">
+                <a:solidFill>
+                  <a:schemeClr val="tx1"/>
+                </a:solidFill>
+              </a:rPr>
+              <a:t>Hick</a:t>
+            </a:r>
+          </a:p>
+        </p:txBody>
+      </p:sp>
+      <p:sp>
+        <p:nvSpPr>
+          <p:cNvPr id="251" name="Oval 250">
+            <a:extLst>
+              <a:ext uri="{FF2B5EF4-FFF2-40B4-BE49-F238E27FC236}">
+                <a16:creationId xmlns:a16="http://schemas.microsoft.com/office/drawing/2014/main" id="{A02C342F-0CF7-4DC5-ADDC-8782C01E9B62}"/>
+              </a:ext>
+            </a:extLst>
+          </p:cNvPr>
+          <p:cNvSpPr/>
+          <p:nvPr/>
+        </p:nvSpPr>
+        <p:spPr>
+          <a:xfrm>
+            <a:off x="746184" y="2965284"/>
+            <a:ext cx="941902" cy="842380"/>
+          </a:xfrm>
+          <a:prstGeom prst="ellipse">
+            <a:avLst/>
+          </a:prstGeom>
+          <a:noFill/>
+          <a:ln>
+            <a:solidFill>
+              <a:schemeClr val="tx1"/>
+            </a:solidFill>
+          </a:ln>
+        </p:spPr>
+        <p:style>
+          <a:lnRef idx="2">
+            <a:schemeClr val="accent1">
+              <a:shade val="15000"/>
+            </a:schemeClr>
+          </a:lnRef>
+          <a:fillRef idx="1">
+            <a:schemeClr val="accent1"/>
+          </a:fillRef>
+          <a:effectRef idx="0">
+            <a:schemeClr val="accent1"/>
+          </a:effectRef>
+          <a:fontRef idx="minor">
+            <a:schemeClr val="lt1"/>
+          </a:fontRef>
+        </p:style>
+        <p:txBody>
+          <a:bodyPr rtlCol="0" anchor="ctr"/>
+          <a:lstStyle/>
+          <a:p>
+            <a:pPr algn="ctr"/>
+            <a:r>
+              <a:rPr lang="de-DE" sz="1500" dirty="0">
+                <a:solidFill>
+                  <a:schemeClr val="tx1"/>
+                </a:solidFill>
+              </a:rPr>
+              <a:t>Sternberg</a:t>
+            </a:r>
+          </a:p>
+        </p:txBody>
+      </p:sp>
+      <p:sp>
+        <p:nvSpPr>
+          <p:cNvPr id="252" name="Oval 251">
+            <a:extLst>
+              <a:ext uri="{FF2B5EF4-FFF2-40B4-BE49-F238E27FC236}">
+                <a16:creationId xmlns:a16="http://schemas.microsoft.com/office/drawing/2014/main" id="{28DF4920-80EF-4381-AC00-4989020945CF}"/>
+              </a:ext>
+            </a:extLst>
+          </p:cNvPr>
+          <p:cNvSpPr/>
+          <p:nvPr/>
+        </p:nvSpPr>
+        <p:spPr>
+          <a:xfrm>
+            <a:off x="746184" y="4812494"/>
+            <a:ext cx="941902" cy="842380"/>
+          </a:xfrm>
+          <a:prstGeom prst="ellipse">
+            <a:avLst/>
+          </a:prstGeom>
+          <a:noFill/>
+          <a:ln>
+            <a:solidFill>
+              <a:schemeClr val="tx1"/>
+            </a:solidFill>
+          </a:ln>
+        </p:spPr>
+        <p:style>
+          <a:lnRef idx="2">
+            <a:schemeClr val="accent1">
+              <a:shade val="15000"/>
+            </a:schemeClr>
+          </a:lnRef>
+          <a:fillRef idx="1">
+            <a:schemeClr val="accent1"/>
+          </a:fillRef>
+          <a:effectRef idx="0">
+            <a:schemeClr val="accent1"/>
+          </a:effectRef>
+          <a:fontRef idx="minor">
+            <a:schemeClr val="lt1"/>
+          </a:fontRef>
+        </p:style>
+        <p:txBody>
+          <a:bodyPr rtlCol="0" anchor="ctr"/>
+          <a:lstStyle/>
+          <a:p>
+            <a:pPr algn="ctr"/>
+            <a:r>
+              <a:rPr lang="de-DE" sz="1500" dirty="0">
+                <a:solidFill>
+                  <a:schemeClr val="tx1"/>
+                </a:solidFill>
+              </a:rPr>
+              <a:t>Posner</a:t>
+            </a:r>
+          </a:p>
+        </p:txBody>
+      </p:sp>
+      <p:cxnSp>
+        <p:nvCxnSpPr>
+          <p:cNvPr id="253" name="Straight Arrow Connector 252">
+            <a:extLst>
+              <a:ext uri="{FF2B5EF4-FFF2-40B4-BE49-F238E27FC236}">
+                <a16:creationId xmlns:a16="http://schemas.microsoft.com/office/drawing/2014/main" id="{5DCE2BF5-5798-4F7C-AF19-49C1CCAF5F11}"/>
+              </a:ext>
+            </a:extLst>
+          </p:cNvPr>
+          <p:cNvCxnSpPr>
+            <a:cxnSpLocks/>
+            <a:stCxn id="250" idx="6"/>
+            <a:endCxn id="4" idx="1"/>
+          </p:cNvCxnSpPr>
+          <p:nvPr/>
+        </p:nvCxnSpPr>
+        <p:spPr>
+          <a:xfrm flipV="1">
+            <a:off x="1693838" y="267656"/>
+            <a:ext cx="1365300" cy="1249361"/>
+          </a:xfrm>
+          <a:prstGeom prst="straightConnector1">
+            <a:avLst/>
+          </a:prstGeom>
+          <a:ln>
+            <a:tailEnd type="triangle"/>
+          </a:ln>
+        </p:spPr>
+        <p:style>
+          <a:lnRef idx="2">
+            <a:schemeClr val="dk1"/>
+          </a:lnRef>
+          <a:fillRef idx="0">
+            <a:schemeClr val="dk1"/>
+          </a:fillRef>
+          <a:effectRef idx="1">
+            <a:schemeClr val="dk1"/>
+          </a:effectRef>
+          <a:fontRef idx="minor">
+            <a:schemeClr val="tx1"/>
+          </a:fontRef>
+        </p:style>
+      </p:cxnSp>
+      <p:cxnSp>
+        <p:nvCxnSpPr>
+          <p:cNvPr id="254" name="Straight Arrow Connector 253">
+            <a:extLst>
+              <a:ext uri="{FF2B5EF4-FFF2-40B4-BE49-F238E27FC236}">
+                <a16:creationId xmlns:a16="http://schemas.microsoft.com/office/drawing/2014/main" id="{96318186-32FE-4681-8335-76F2E4F8C604}"/>
+              </a:ext>
+            </a:extLst>
+          </p:cNvPr>
+          <p:cNvCxnSpPr>
+            <a:cxnSpLocks/>
+            <a:stCxn id="250" idx="6"/>
+            <a:endCxn id="5" idx="1"/>
+          </p:cNvCxnSpPr>
+          <p:nvPr/>
+        </p:nvCxnSpPr>
+        <p:spPr>
+          <a:xfrm flipV="1">
+            <a:off x="1693838" y="694265"/>
+            <a:ext cx="1365300" cy="822752"/>
+          </a:xfrm>
+          <a:prstGeom prst="straightConnector1">
+            <a:avLst/>
+          </a:prstGeom>
+          <a:ln>
+            <a:tailEnd type="triangle"/>
+          </a:ln>
+        </p:spPr>
+        <p:style>
+          <a:lnRef idx="2">
+            <a:schemeClr val="dk1"/>
+          </a:lnRef>
+          <a:fillRef idx="0">
+            <a:schemeClr val="dk1"/>
+          </a:fillRef>
+          <a:effectRef idx="1">
+            <a:schemeClr val="dk1"/>
+          </a:effectRef>
+          <a:fontRef idx="minor">
+            <a:schemeClr val="tx1"/>
+          </a:fontRef>
+        </p:style>
+      </p:cxnSp>
+      <p:cxnSp>
+        <p:nvCxnSpPr>
+          <p:cNvPr id="255" name="Straight Arrow Connector 254">
+            <a:extLst>
+              <a:ext uri="{FF2B5EF4-FFF2-40B4-BE49-F238E27FC236}">
+                <a16:creationId xmlns:a16="http://schemas.microsoft.com/office/drawing/2014/main" id="{EAFD6F7C-2F42-4BCB-B1E4-17F15B761CE5}"/>
+              </a:ext>
+            </a:extLst>
+          </p:cNvPr>
+          <p:cNvCxnSpPr>
+            <a:cxnSpLocks/>
+            <a:stCxn id="250" idx="6"/>
+            <a:endCxn id="16" idx="1"/>
+          </p:cNvCxnSpPr>
+          <p:nvPr/>
+        </p:nvCxnSpPr>
+        <p:spPr>
+          <a:xfrm flipV="1">
+            <a:off x="1693838" y="1120874"/>
+            <a:ext cx="1365300" cy="396143"/>
+          </a:xfrm>
+          <a:prstGeom prst="straightConnector1">
+            <a:avLst/>
+          </a:prstGeom>
+          <a:ln>
+            <a:tailEnd type="triangle"/>
+          </a:ln>
+        </p:spPr>
+        <p:style>
+          <a:lnRef idx="2">
+            <a:schemeClr val="dk1"/>
+          </a:lnRef>
+          <a:fillRef idx="0">
+            <a:schemeClr val="dk1"/>
+          </a:fillRef>
+          <a:effectRef idx="1">
+            <a:schemeClr val="dk1"/>
+          </a:effectRef>
+          <a:fontRef idx="minor">
+            <a:schemeClr val="tx1"/>
+          </a:fontRef>
+        </p:style>
+      </p:cxnSp>
+      <p:cxnSp>
+        <p:nvCxnSpPr>
+          <p:cNvPr id="256" name="Straight Arrow Connector 255">
+            <a:extLst>
+              <a:ext uri="{FF2B5EF4-FFF2-40B4-BE49-F238E27FC236}">
+                <a16:creationId xmlns:a16="http://schemas.microsoft.com/office/drawing/2014/main" id="{6AA5D2D9-0D0F-4010-AE88-966782B1F5F1}"/>
+              </a:ext>
+            </a:extLst>
+          </p:cNvPr>
+          <p:cNvCxnSpPr>
+            <a:cxnSpLocks/>
+            <a:stCxn id="250" idx="6"/>
+            <a:endCxn id="193" idx="1"/>
+          </p:cNvCxnSpPr>
+          <p:nvPr/>
+        </p:nvCxnSpPr>
+        <p:spPr>
+          <a:xfrm>
+            <a:off x="1693838" y="1517017"/>
+            <a:ext cx="1365300" cy="2139389"/>
+          </a:xfrm>
+          <a:prstGeom prst="straightConnector1">
+            <a:avLst/>
+          </a:prstGeom>
+          <a:ln>
+            <a:tailEnd type="triangle"/>
+          </a:ln>
+        </p:spPr>
+        <p:style>
+          <a:lnRef idx="2">
+            <a:schemeClr val="dk1"/>
+          </a:lnRef>
+          <a:fillRef idx="0">
+            <a:schemeClr val="dk1"/>
+          </a:fillRef>
+          <a:effectRef idx="1">
+            <a:schemeClr val="dk1"/>
+          </a:effectRef>
+          <a:fontRef idx="minor">
+            <a:schemeClr val="tx1"/>
+          </a:fontRef>
+        </p:style>
+      </p:cxnSp>
+      <p:cxnSp>
+        <p:nvCxnSpPr>
+          <p:cNvPr id="257" name="Straight Arrow Connector 256">
+            <a:extLst>
+              <a:ext uri="{FF2B5EF4-FFF2-40B4-BE49-F238E27FC236}">
+                <a16:creationId xmlns:a16="http://schemas.microsoft.com/office/drawing/2014/main" id="{00C8E775-9F5C-4002-9F18-D00F6FB8EE10}"/>
+              </a:ext>
+            </a:extLst>
+          </p:cNvPr>
+          <p:cNvCxnSpPr>
+            <a:cxnSpLocks/>
+            <a:stCxn id="250" idx="6"/>
+            <a:endCxn id="194" idx="1"/>
+          </p:cNvCxnSpPr>
+          <p:nvPr/>
+        </p:nvCxnSpPr>
+        <p:spPr>
+          <a:xfrm>
+            <a:off x="1693838" y="1517017"/>
+            <a:ext cx="1365300" cy="2565998"/>
+          </a:xfrm>
+          <a:prstGeom prst="straightConnector1">
+            <a:avLst/>
+          </a:prstGeom>
+          <a:ln>
+            <a:tailEnd type="triangle"/>
+          </a:ln>
+        </p:spPr>
+        <p:style>
+          <a:lnRef idx="2">
+            <a:schemeClr val="dk1"/>
+          </a:lnRef>
+          <a:fillRef idx="0">
+            <a:schemeClr val="dk1"/>
+          </a:fillRef>
+          <a:effectRef idx="1">
+            <a:schemeClr val="dk1"/>
+          </a:effectRef>
+          <a:fontRef idx="minor">
+            <a:schemeClr val="tx1"/>
+          </a:fontRef>
+        </p:style>
+      </p:cxnSp>
+      <p:cxnSp>
+        <p:nvCxnSpPr>
+          <p:cNvPr id="258" name="Straight Arrow Connector 257">
+            <a:extLst>
+              <a:ext uri="{FF2B5EF4-FFF2-40B4-BE49-F238E27FC236}">
+                <a16:creationId xmlns:a16="http://schemas.microsoft.com/office/drawing/2014/main" id="{66CB1BCB-5469-4223-BCCE-C3AC414A4C33}"/>
+              </a:ext>
+            </a:extLst>
+          </p:cNvPr>
+          <p:cNvCxnSpPr>
+            <a:cxnSpLocks/>
+            <a:stCxn id="250" idx="6"/>
+            <a:endCxn id="199" idx="1"/>
+          </p:cNvCxnSpPr>
+          <p:nvPr/>
+        </p:nvCxnSpPr>
+        <p:spPr>
+          <a:xfrm>
+            <a:off x="1693838" y="1517017"/>
+            <a:ext cx="1365300" cy="2992607"/>
+          </a:xfrm>
+          <a:prstGeom prst="straightConnector1">
+            <a:avLst/>
+          </a:prstGeom>
+          <a:ln>
+            <a:tailEnd type="triangle"/>
+          </a:ln>
+        </p:spPr>
+        <p:style>
+          <a:lnRef idx="2">
+            <a:schemeClr val="dk1"/>
+          </a:lnRef>
+          <a:fillRef idx="0">
+            <a:schemeClr val="dk1"/>
+          </a:fillRef>
+          <a:effectRef idx="1">
+            <a:schemeClr val="dk1"/>
+          </a:effectRef>
+          <a:fontRef idx="minor">
+            <a:schemeClr val="tx1"/>
+          </a:fontRef>
+        </p:style>
+      </p:cxnSp>
+      <p:cxnSp>
+        <p:nvCxnSpPr>
+          <p:cNvPr id="259" name="Straight Arrow Connector 258">
+            <a:extLst>
+              <a:ext uri="{FF2B5EF4-FFF2-40B4-BE49-F238E27FC236}">
+                <a16:creationId xmlns:a16="http://schemas.microsoft.com/office/drawing/2014/main" id="{0FA40F6D-FA45-4369-B3D6-4B698BBA478B}"/>
+              </a:ext>
+            </a:extLst>
+          </p:cNvPr>
+          <p:cNvCxnSpPr>
+            <a:cxnSpLocks/>
+            <a:stCxn id="251" idx="6"/>
+            <a:endCxn id="17" idx="1"/>
+          </p:cNvCxnSpPr>
+          <p:nvPr/>
+        </p:nvCxnSpPr>
+        <p:spPr>
+          <a:xfrm flipV="1">
+            <a:off x="1688086" y="1547483"/>
+            <a:ext cx="1371052" cy="1838991"/>
+          </a:xfrm>
+          <a:prstGeom prst="straightConnector1">
+            <a:avLst/>
+          </a:prstGeom>
+          <a:ln>
+            <a:tailEnd type="triangle"/>
+          </a:ln>
+        </p:spPr>
+        <p:style>
+          <a:lnRef idx="2">
+            <a:schemeClr val="dk1"/>
+          </a:lnRef>
+          <a:fillRef idx="0">
+            <a:schemeClr val="dk1"/>
+          </a:fillRef>
+          <a:effectRef idx="1">
+            <a:schemeClr val="dk1"/>
+          </a:effectRef>
+          <a:fontRef idx="minor">
+            <a:schemeClr val="tx1"/>
+          </a:fontRef>
+        </p:style>
+      </p:cxnSp>
+      <p:cxnSp>
+        <p:nvCxnSpPr>
+          <p:cNvPr id="261" name="Straight Arrow Connector 260">
+            <a:extLst>
+              <a:ext uri="{FF2B5EF4-FFF2-40B4-BE49-F238E27FC236}">
+                <a16:creationId xmlns:a16="http://schemas.microsoft.com/office/drawing/2014/main" id="{B02CBF5D-954D-4476-ABCC-AF1548F1F705}"/>
+              </a:ext>
+            </a:extLst>
+          </p:cNvPr>
+          <p:cNvCxnSpPr>
+            <a:cxnSpLocks/>
+            <a:stCxn id="251" idx="6"/>
+            <a:endCxn id="18" idx="1"/>
+          </p:cNvCxnSpPr>
+          <p:nvPr/>
+        </p:nvCxnSpPr>
+        <p:spPr>
+          <a:xfrm flipV="1">
+            <a:off x="1688086" y="1974092"/>
+            <a:ext cx="1371052" cy="1412382"/>
+          </a:xfrm>
+          <a:prstGeom prst="straightConnector1">
+            <a:avLst/>
+          </a:prstGeom>
+          <a:ln>
+            <a:tailEnd type="triangle"/>
+          </a:ln>
+        </p:spPr>
+        <p:style>
+          <a:lnRef idx="2">
+            <a:schemeClr val="dk1"/>
+          </a:lnRef>
+          <a:fillRef idx="0">
+            <a:schemeClr val="dk1"/>
+          </a:fillRef>
+          <a:effectRef idx="1">
+            <a:schemeClr val="dk1"/>
+          </a:effectRef>
+          <a:fontRef idx="minor">
+            <a:schemeClr val="tx1"/>
+          </a:fontRef>
+        </p:style>
+      </p:cxnSp>
+      <p:cxnSp>
+        <p:nvCxnSpPr>
+          <p:cNvPr id="264" name="Straight Arrow Connector 263">
+            <a:extLst>
+              <a:ext uri="{FF2B5EF4-FFF2-40B4-BE49-F238E27FC236}">
+                <a16:creationId xmlns:a16="http://schemas.microsoft.com/office/drawing/2014/main" id="{D1A3CA85-D81B-4B52-98AE-C105AA6D8388}"/>
+              </a:ext>
+            </a:extLst>
+          </p:cNvPr>
+          <p:cNvCxnSpPr>
+            <a:cxnSpLocks/>
+            <a:stCxn id="251" idx="6"/>
+            <a:endCxn id="19" idx="1"/>
+          </p:cNvCxnSpPr>
+          <p:nvPr/>
+        </p:nvCxnSpPr>
+        <p:spPr>
+          <a:xfrm flipV="1">
+            <a:off x="1688086" y="2400701"/>
+            <a:ext cx="1371052" cy="985773"/>
+          </a:xfrm>
+          <a:prstGeom prst="straightConnector1">
+            <a:avLst/>
+          </a:prstGeom>
+          <a:ln>
+            <a:tailEnd type="triangle"/>
+          </a:ln>
+        </p:spPr>
+        <p:style>
+          <a:lnRef idx="2">
+            <a:schemeClr val="dk1"/>
+          </a:lnRef>
+          <a:fillRef idx="0">
+            <a:schemeClr val="dk1"/>
+          </a:fillRef>
+          <a:effectRef idx="1">
+            <a:schemeClr val="dk1"/>
+          </a:effectRef>
+          <a:fontRef idx="minor">
+            <a:schemeClr val="tx1"/>
+          </a:fontRef>
+        </p:style>
+      </p:cxnSp>
+      <p:cxnSp>
+        <p:nvCxnSpPr>
+          <p:cNvPr id="267" name="Straight Arrow Connector 266">
+            <a:extLst>
+              <a:ext uri="{FF2B5EF4-FFF2-40B4-BE49-F238E27FC236}">
+                <a16:creationId xmlns:a16="http://schemas.microsoft.com/office/drawing/2014/main" id="{EF69627D-19BA-4C71-BD51-3B3F480C909B}"/>
+              </a:ext>
+            </a:extLst>
+          </p:cNvPr>
+          <p:cNvCxnSpPr>
+            <a:cxnSpLocks/>
+            <a:stCxn id="251" idx="6"/>
+            <a:endCxn id="200" idx="1"/>
+          </p:cNvCxnSpPr>
+          <p:nvPr/>
+        </p:nvCxnSpPr>
+        <p:spPr>
+          <a:xfrm>
+            <a:off x="1688086" y="3386474"/>
+            <a:ext cx="1371052" cy="1549759"/>
+          </a:xfrm>
+          <a:prstGeom prst="straightConnector1">
+            <a:avLst/>
+          </a:prstGeom>
+          <a:ln>
+            <a:tailEnd type="triangle"/>
+          </a:ln>
+        </p:spPr>
+        <p:style>
+          <a:lnRef idx="2">
+            <a:schemeClr val="dk1"/>
+          </a:lnRef>
+          <a:fillRef idx="0">
+            <a:schemeClr val="dk1"/>
+          </a:fillRef>
+          <a:effectRef idx="1">
+            <a:schemeClr val="dk1"/>
+          </a:effectRef>
+          <a:fontRef idx="minor">
+            <a:schemeClr val="tx1"/>
+          </a:fontRef>
+        </p:style>
+      </p:cxnSp>
+      <p:cxnSp>
+        <p:nvCxnSpPr>
+          <p:cNvPr id="270" name="Straight Arrow Connector 269">
+            <a:extLst>
+              <a:ext uri="{FF2B5EF4-FFF2-40B4-BE49-F238E27FC236}">
+                <a16:creationId xmlns:a16="http://schemas.microsoft.com/office/drawing/2014/main" id="{E31E966D-94A2-491E-B79D-B9C316E5DB19}"/>
+              </a:ext>
+            </a:extLst>
+          </p:cNvPr>
+          <p:cNvCxnSpPr>
+            <a:cxnSpLocks/>
+            <a:stCxn id="251" idx="6"/>
+            <a:endCxn id="201" idx="1"/>
+          </p:cNvCxnSpPr>
+          <p:nvPr/>
+        </p:nvCxnSpPr>
+        <p:spPr>
+          <a:xfrm>
+            <a:off x="1688086" y="3386474"/>
+            <a:ext cx="1371052" cy="1976368"/>
+          </a:xfrm>
+          <a:prstGeom prst="straightConnector1">
+            <a:avLst/>
+          </a:prstGeom>
+          <a:ln>
+            <a:tailEnd type="triangle"/>
+          </a:ln>
+        </p:spPr>
+        <p:style>
+          <a:lnRef idx="2">
+            <a:schemeClr val="dk1"/>
+          </a:lnRef>
+          <a:fillRef idx="0">
+            <a:schemeClr val="dk1"/>
+          </a:fillRef>
+          <a:effectRef idx="1">
+            <a:schemeClr val="dk1"/>
+          </a:effectRef>
+          <a:fontRef idx="minor">
+            <a:schemeClr val="tx1"/>
+          </a:fontRef>
+        </p:style>
+      </p:cxnSp>
+      <p:cxnSp>
+        <p:nvCxnSpPr>
+          <p:cNvPr id="274" name="Straight Arrow Connector 273">
+            <a:extLst>
+              <a:ext uri="{FF2B5EF4-FFF2-40B4-BE49-F238E27FC236}">
+                <a16:creationId xmlns:a16="http://schemas.microsoft.com/office/drawing/2014/main" id="{A3AD7214-B80B-49E8-8606-5A93DD82D8F6}"/>
+              </a:ext>
+            </a:extLst>
+          </p:cNvPr>
+          <p:cNvCxnSpPr>
+            <a:cxnSpLocks/>
+            <a:stCxn id="251" idx="6"/>
+            <a:endCxn id="202" idx="1"/>
+          </p:cNvCxnSpPr>
+          <p:nvPr/>
+        </p:nvCxnSpPr>
+        <p:spPr>
+          <a:xfrm>
+            <a:off x="1688086" y="3386474"/>
+            <a:ext cx="1371052" cy="2402977"/>
+          </a:xfrm>
+          <a:prstGeom prst="straightConnector1">
+            <a:avLst/>
+          </a:prstGeom>
+          <a:ln>
+            <a:tailEnd type="triangle"/>
+          </a:ln>
+        </p:spPr>
+        <p:style>
+          <a:lnRef idx="2">
+            <a:schemeClr val="dk1"/>
+          </a:lnRef>
+          <a:fillRef idx="0">
+            <a:schemeClr val="dk1"/>
+          </a:fillRef>
+          <a:effectRef idx="1">
+            <a:schemeClr val="dk1"/>
+          </a:effectRef>
+          <a:fontRef idx="minor">
+            <a:schemeClr val="tx1"/>
+          </a:fontRef>
+        </p:style>
+      </p:cxnSp>
+      <p:cxnSp>
+        <p:nvCxnSpPr>
+          <p:cNvPr id="277" name="Straight Arrow Connector 276">
+            <a:extLst>
+              <a:ext uri="{FF2B5EF4-FFF2-40B4-BE49-F238E27FC236}">
+                <a16:creationId xmlns:a16="http://schemas.microsoft.com/office/drawing/2014/main" id="{3A790E45-68C5-49CC-8634-62D80ED28986}"/>
+              </a:ext>
+            </a:extLst>
+          </p:cNvPr>
+          <p:cNvCxnSpPr>
+            <a:cxnSpLocks/>
+            <a:stCxn id="252" idx="6"/>
+            <a:endCxn id="203" idx="1"/>
+          </p:cNvCxnSpPr>
+          <p:nvPr/>
+        </p:nvCxnSpPr>
+        <p:spPr>
+          <a:xfrm>
+            <a:off x="1688086" y="5233684"/>
+            <a:ext cx="1371052" cy="982376"/>
+          </a:xfrm>
+          <a:prstGeom prst="straightConnector1">
+            <a:avLst/>
+          </a:prstGeom>
+          <a:ln>
+            <a:tailEnd type="triangle"/>
+          </a:ln>
+        </p:spPr>
+        <p:style>
+          <a:lnRef idx="2">
+            <a:schemeClr val="dk1"/>
+          </a:lnRef>
+          <a:fillRef idx="0">
+            <a:schemeClr val="dk1"/>
+          </a:fillRef>
+          <a:effectRef idx="1">
+            <a:schemeClr val="dk1"/>
+          </a:effectRef>
+          <a:fontRef idx="minor">
+            <a:schemeClr val="tx1"/>
+          </a:fontRef>
+        </p:style>
+      </p:cxnSp>
+      <p:cxnSp>
+        <p:nvCxnSpPr>
+          <p:cNvPr id="280" name="Straight Arrow Connector 279">
+            <a:extLst>
+              <a:ext uri="{FF2B5EF4-FFF2-40B4-BE49-F238E27FC236}">
+                <a16:creationId xmlns:a16="http://schemas.microsoft.com/office/drawing/2014/main" id="{1AA94DCF-0906-4BEE-88CC-69346409F1AD}"/>
+              </a:ext>
+            </a:extLst>
+          </p:cNvPr>
+          <p:cNvCxnSpPr>
+            <a:cxnSpLocks/>
+            <a:stCxn id="252" idx="6"/>
+            <a:endCxn id="204" idx="1"/>
+          </p:cNvCxnSpPr>
+          <p:nvPr/>
+        </p:nvCxnSpPr>
+        <p:spPr>
+          <a:xfrm>
+            <a:off x="1688086" y="5233684"/>
+            <a:ext cx="1371052" cy="1408985"/>
+          </a:xfrm>
+          <a:prstGeom prst="straightConnector1">
+            <a:avLst/>
+          </a:prstGeom>
+          <a:ln>
+            <a:tailEnd type="triangle"/>
+          </a:ln>
+        </p:spPr>
+        <p:style>
+          <a:lnRef idx="2">
+            <a:schemeClr val="dk1"/>
+          </a:lnRef>
+          <a:fillRef idx="0">
+            <a:schemeClr val="dk1"/>
+          </a:fillRef>
+          <a:effectRef idx="1">
+            <a:schemeClr val="dk1"/>
+          </a:effectRef>
+          <a:fontRef idx="minor">
+            <a:schemeClr val="tx1"/>
+          </a:fontRef>
+        </p:style>
+      </p:cxnSp>
+      <p:cxnSp>
+        <p:nvCxnSpPr>
+          <p:cNvPr id="283" name="Straight Arrow Connector 282">
+            <a:extLst>
+              <a:ext uri="{FF2B5EF4-FFF2-40B4-BE49-F238E27FC236}">
+                <a16:creationId xmlns:a16="http://schemas.microsoft.com/office/drawing/2014/main" id="{1713F5A6-FD26-4599-9058-ECD6F6389BEA}"/>
+              </a:ext>
+            </a:extLst>
+          </p:cNvPr>
+          <p:cNvCxnSpPr>
+            <a:cxnSpLocks/>
+            <a:stCxn id="252" idx="6"/>
+            <a:endCxn id="21" idx="1"/>
+          </p:cNvCxnSpPr>
+          <p:nvPr/>
+        </p:nvCxnSpPr>
+        <p:spPr>
+          <a:xfrm flipV="1">
+            <a:off x="1688086" y="3253919"/>
+            <a:ext cx="1371052" cy="1979765"/>
+          </a:xfrm>
+          <a:prstGeom prst="straightConnector1">
+            <a:avLst/>
+          </a:prstGeom>
+          <a:ln>
+            <a:tailEnd type="triangle"/>
+          </a:ln>
+        </p:spPr>
+        <p:style>
+          <a:lnRef idx="2">
+            <a:schemeClr val="dk1"/>
+          </a:lnRef>
+          <a:fillRef idx="0">
+            <a:schemeClr val="dk1"/>
+          </a:fillRef>
+          <a:effectRef idx="1">
+            <a:schemeClr val="dk1"/>
+          </a:effectRef>
+          <a:fontRef idx="minor">
+            <a:schemeClr val="tx1"/>
+          </a:fontRef>
+        </p:style>
+      </p:cxnSp>
+      <p:cxnSp>
+        <p:nvCxnSpPr>
+          <p:cNvPr id="287" name="Straight Arrow Connector 286">
+            <a:extLst>
+              <a:ext uri="{FF2B5EF4-FFF2-40B4-BE49-F238E27FC236}">
+                <a16:creationId xmlns:a16="http://schemas.microsoft.com/office/drawing/2014/main" id="{B7734B19-A3FA-460D-BA86-E885EA55FBF9}"/>
+              </a:ext>
+            </a:extLst>
+          </p:cNvPr>
+          <p:cNvCxnSpPr>
+            <a:cxnSpLocks/>
+            <a:stCxn id="252" idx="6"/>
+            <a:endCxn id="20" idx="1"/>
+          </p:cNvCxnSpPr>
+          <p:nvPr/>
+        </p:nvCxnSpPr>
+        <p:spPr>
+          <a:xfrm flipV="1">
+            <a:off x="1688086" y="2827310"/>
+            <a:ext cx="1371052" cy="2406374"/>
+          </a:xfrm>
+          <a:prstGeom prst="straightConnector1">
+            <a:avLst/>
+          </a:prstGeom>
+          <a:ln>
+            <a:tailEnd type="triangle"/>
+          </a:ln>
+        </p:spPr>
+        <p:style>
+          <a:lnRef idx="2">
+            <a:schemeClr val="dk1"/>
+          </a:lnRef>
+          <a:fillRef idx="0">
+            <a:schemeClr val="dk1"/>
+          </a:fillRef>
+          <a:effectRef idx="1">
+            <a:schemeClr val="dk1"/>
+          </a:effectRef>
+          <a:fontRef idx="minor">
+            <a:schemeClr val="tx1"/>
+          </a:fontRef>
+        </p:style>
+      </p:cxnSp>
+      <p:cxnSp>
+        <p:nvCxnSpPr>
+          <p:cNvPr id="294" name="Connector: Curved 293">
+            <a:extLst>
+              <a:ext uri="{FF2B5EF4-FFF2-40B4-BE49-F238E27FC236}">
+                <a16:creationId xmlns:a16="http://schemas.microsoft.com/office/drawing/2014/main" id="{F68E78F6-A1C4-420E-8D97-1D3D5052075A}"/>
+              </a:ext>
+            </a:extLst>
+          </p:cNvPr>
+          <p:cNvCxnSpPr>
+            <a:stCxn id="24" idx="6"/>
+            <a:endCxn id="120" idx="0"/>
+          </p:cNvCxnSpPr>
+          <p:nvPr/>
+        </p:nvCxnSpPr>
+        <p:spPr>
+          <a:xfrm>
+            <a:off x="5542384" y="1984930"/>
+            <a:ext cx="2125892" cy="980354"/>
+          </a:xfrm>
+          <a:prstGeom prst="curvedConnector2">
+            <a:avLst/>
+          </a:prstGeom>
+          <a:ln>
+            <a:headEnd type="triangle"/>
+            <a:tailEnd type="triangle"/>
+          </a:ln>
+        </p:spPr>
+        <p:style>
+          <a:lnRef idx="2">
+            <a:schemeClr val="dk1"/>
+          </a:lnRef>
+          <a:fillRef idx="0">
+            <a:schemeClr val="dk1"/>
+          </a:fillRef>
+          <a:effectRef idx="1">
+            <a:schemeClr val="dk1"/>
+          </a:effectRef>
+          <a:fontRef idx="minor">
+            <a:schemeClr val="tx1"/>
+          </a:fontRef>
+        </p:style>
+      </p:cxnSp>
+      <p:cxnSp>
+        <p:nvCxnSpPr>
+          <p:cNvPr id="295" name="Connector: Curved 294">
+            <a:extLst>
+              <a:ext uri="{FF2B5EF4-FFF2-40B4-BE49-F238E27FC236}">
+                <a16:creationId xmlns:a16="http://schemas.microsoft.com/office/drawing/2014/main" id="{1512672E-1848-4425-90D3-D3CFC3BD3A96}"/>
+              </a:ext>
+            </a:extLst>
+          </p:cNvPr>
+          <p:cNvCxnSpPr>
+            <a:cxnSpLocks/>
+            <a:stCxn id="207" idx="6"/>
+            <a:endCxn id="120" idx="4"/>
+          </p:cNvCxnSpPr>
+          <p:nvPr/>
+        </p:nvCxnSpPr>
+        <p:spPr>
+          <a:xfrm flipV="1">
+            <a:off x="5534862" y="3828215"/>
+            <a:ext cx="2133414" cy="1166664"/>
+          </a:xfrm>
+          <a:prstGeom prst="curvedConnector2">
+            <a:avLst/>
+          </a:prstGeom>
+          <a:ln>
+            <a:headEnd type="triangle"/>
+            <a:tailEnd type="triangle"/>
+          </a:ln>
+        </p:spPr>
+        <p:style>
+          <a:lnRef idx="2">
+            <a:schemeClr val="dk1"/>
+          </a:lnRef>
+          <a:fillRef idx="0">
+            <a:schemeClr val="dk1"/>
+          </a:fillRef>
+          <a:effectRef idx="1">
+            <a:schemeClr val="dk1"/>
+          </a:effectRef>
+          <a:fontRef idx="minor">
+            <a:schemeClr val="tx1"/>
+          </a:fontRef>
+        </p:style>
+      </p:cxnSp>
+      <p:cxnSp>
+        <p:nvCxnSpPr>
+          <p:cNvPr id="326" name="Connector: Curved 325">
+            <a:extLst>
+              <a:ext uri="{FF2B5EF4-FFF2-40B4-BE49-F238E27FC236}">
+                <a16:creationId xmlns:a16="http://schemas.microsoft.com/office/drawing/2014/main" id="{222A86D7-0AA2-4DBC-9F19-9ADB2601C0A0}"/>
+              </a:ext>
+            </a:extLst>
+          </p:cNvPr>
+          <p:cNvCxnSpPr>
+            <a:cxnSpLocks/>
+            <a:stCxn id="24" idx="6"/>
+            <a:endCxn id="207" idx="6"/>
+          </p:cNvCxnSpPr>
+          <p:nvPr/>
+        </p:nvCxnSpPr>
+        <p:spPr>
+          <a:xfrm flipH="1">
+            <a:off x="5534862" y="1984930"/>
+            <a:ext cx="7522" cy="3009949"/>
+          </a:xfrm>
+          <a:prstGeom prst="curvedConnector3">
+            <a:avLst>
+              <a:gd name="adj1" fmla="val -3039085"/>
+            </a:avLst>
+          </a:prstGeom>
+          <a:ln>
+            <a:headEnd type="triangle"/>
+            <a:tailEnd type="triangle"/>
+          </a:ln>
+        </p:spPr>
+        <p:style>
+          <a:lnRef idx="2">
+            <a:schemeClr val="dk1"/>
+          </a:lnRef>
+          <a:fillRef idx="0">
+            <a:schemeClr val="dk1"/>
+          </a:fillRef>
+          <a:effectRef idx="1">
+            <a:schemeClr val="dk1"/>
+          </a:effectRef>
+          <a:fontRef idx="minor">
+            <a:schemeClr val="tx1"/>
+          </a:fontRef>
+        </p:style>
+      </p:cxnSp>
+      <p:sp>
+        <p:nvSpPr>
+          <p:cNvPr id="330" name="TextBox 329">
+            <a:extLst>
+              <a:ext uri="{FF2B5EF4-FFF2-40B4-BE49-F238E27FC236}">
+                <a16:creationId xmlns:a16="http://schemas.microsoft.com/office/drawing/2014/main" id="{4E0BEB55-0866-4403-A418-BED53EC797FD}"/>
+              </a:ext>
+            </a:extLst>
+          </p:cNvPr>
+          <p:cNvSpPr txBox="1"/>
+          <p:nvPr/>
+        </p:nvSpPr>
+        <p:spPr>
+          <a:xfrm>
+            <a:off x="6484776" y="1702713"/>
+            <a:ext cx="705027" cy="369332"/>
+          </a:xfrm>
+          <a:prstGeom prst="rect">
+            <a:avLst/>
+          </a:prstGeom>
+          <a:noFill/>
+        </p:spPr>
+        <p:txBody>
+          <a:bodyPr wrap="square" rtlCol="0">
+            <a:spAutoFit/>
+          </a:bodyPr>
+          <a:lstStyle/>
+          <a:p>
+            <a:r>
+              <a:rPr lang="en-GB" dirty="0"/>
+              <a:t>-0.34</a:t>
+            </a:r>
+          </a:p>
+        </p:txBody>
+      </p:sp>
+      <p:sp>
+        <p:nvSpPr>
+          <p:cNvPr id="331" name="TextBox 330">
+            <a:extLst>
+              <a:ext uri="{FF2B5EF4-FFF2-40B4-BE49-F238E27FC236}">
+                <a16:creationId xmlns:a16="http://schemas.microsoft.com/office/drawing/2014/main" id="{7EE2D2E3-4D3E-413C-AC49-99AF4CAAEC6B}"/>
+              </a:ext>
+            </a:extLst>
+          </p:cNvPr>
+          <p:cNvSpPr txBox="1"/>
+          <p:nvPr/>
+        </p:nvSpPr>
+        <p:spPr>
+          <a:xfrm>
+            <a:off x="6539849" y="4778490"/>
+            <a:ext cx="705027" cy="369332"/>
+          </a:xfrm>
+          <a:prstGeom prst="rect">
+            <a:avLst/>
+          </a:prstGeom>
+          <a:noFill/>
+        </p:spPr>
+        <p:txBody>
+          <a:bodyPr wrap="square" rtlCol="0">
+            <a:spAutoFit/>
+          </a:bodyPr>
+          <a:lstStyle/>
+          <a:p>
+            <a:r>
+              <a:rPr lang="en-GB" dirty="0"/>
+              <a:t>0.35</a:t>
+            </a:r>
+          </a:p>
+        </p:txBody>
+      </p:sp>
+      <p:sp>
+        <p:nvSpPr>
+          <p:cNvPr id="332" name="TextBox 331">
+            <a:extLst>
+              <a:ext uri="{FF2B5EF4-FFF2-40B4-BE49-F238E27FC236}">
+                <a16:creationId xmlns:a16="http://schemas.microsoft.com/office/drawing/2014/main" id="{D946D937-C60A-4A31-A3A1-02D57C33C388}"/>
+              </a:ext>
+            </a:extLst>
+          </p:cNvPr>
+          <p:cNvSpPr txBox="1"/>
+          <p:nvPr/>
+        </p:nvSpPr>
+        <p:spPr>
+          <a:xfrm>
+            <a:off x="5142318" y="3242836"/>
+            <a:ext cx="705027" cy="369332"/>
+          </a:xfrm>
+          <a:prstGeom prst="rect">
+            <a:avLst/>
+          </a:prstGeom>
+          <a:noFill/>
+        </p:spPr>
+        <p:txBody>
+          <a:bodyPr wrap="square" rtlCol="0">
+            <a:spAutoFit/>
+          </a:bodyPr>
+          <a:lstStyle/>
+          <a:p>
+            <a:r>
+              <a:rPr lang="en-GB" dirty="0"/>
+              <a:t>0.18</a:t>
+            </a:r>
+          </a:p>
+        </p:txBody>
+      </p:sp>
+    </p:spTree>
+    <p:extLst>
+      <p:ext uri="{BB962C8B-B14F-4D97-AF65-F5344CB8AC3E}">
+        <p14:creationId xmlns:p14="http://schemas.microsoft.com/office/powerpoint/2010/main" val="3460880843"/>
       </p:ext>
     </p:extLst>
   </p:cSld>
